--- a/figures/Chapter 3 - Tree Structures/3.1 Lost in a Forest of Trees.pptx
+++ b/figures/Chapter 3 - Tree Structures/3.1 Lost in a Forest of Trees.pptx
@@ -5,15 +5,15 @@
     <p:sldMasterId id="2147483648" r:id="rId1"/>
   </p:sldMasterIdLst>
   <p:sldIdLst>
-    <p:sldId id="257" r:id="rId2"/>
-    <p:sldId id="258" r:id="rId3"/>
-    <p:sldId id="259" r:id="rId4"/>
-    <p:sldId id="265" r:id="rId5"/>
-    <p:sldId id="266" r:id="rId6"/>
-    <p:sldId id="260" r:id="rId7"/>
-    <p:sldId id="261" r:id="rId8"/>
-    <p:sldId id="262" r:id="rId9"/>
-    <p:sldId id="263" r:id="rId10"/>
+    <p:sldId id="267" r:id="rId2"/>
+    <p:sldId id="257" r:id="rId3"/>
+    <p:sldId id="258" r:id="rId4"/>
+    <p:sldId id="259" r:id="rId5"/>
+    <p:sldId id="265" r:id="rId6"/>
+    <p:sldId id="266" r:id="rId7"/>
+    <p:sldId id="260" r:id="rId8"/>
+    <p:sldId id="261" r:id="rId9"/>
+    <p:sldId id="262" r:id="rId10"/>
     <p:sldId id="264" r:id="rId11"/>
   </p:sldIdLst>
   <p:sldSz cx="12192000" cy="6858000"/>
@@ -163,10 +163,9 @@
           </a:lstStyle>
           <a:p>
             <a:r>
-              <a:rPr lang="en-US" smtClean="0"/>
+              <a:rPr lang="en-US"/>
               <a:t>Click to edit Master title style</a:t>
             </a:r>
-            <a:endParaRPr lang="en-US"/>
           </a:p>
         </p:txBody>
       </p:sp>
@@ -228,10 +227,9 @@
           </a:lstStyle>
           <a:p>
             <a:r>
-              <a:rPr lang="en-US" smtClean="0"/>
+              <a:rPr lang="en-US"/>
               <a:t>Click to edit Master subtitle style</a:t>
             </a:r>
-            <a:endParaRPr lang="en-US"/>
           </a:p>
         </p:txBody>
       </p:sp>
@@ -252,7 +250,7 @@
           <a:p>
             <a:fld id="{BB7DCC67-5970-4D38-BCD6-A5FE23A66C8D}" type="datetimeFigureOut">
               <a:rPr lang="en-US" smtClean="0"/>
-              <a:t>8/17/16</a:t>
+              <a:t>5/7/18</a:t>
             </a:fld>
             <a:endParaRPr lang="en-US"/>
           </a:p>
@@ -346,10 +344,9 @@
           <a:lstStyle/>
           <a:p>
             <a:r>
-              <a:rPr lang="en-US" smtClean="0"/>
+              <a:rPr lang="en-US"/>
               <a:t>Click to edit Master title style</a:t>
             </a:r>
-            <a:endParaRPr lang="en-US"/>
           </a:p>
         </p:txBody>
       </p:sp>
@@ -370,38 +367,37 @@
           <a:p>
             <a:pPr lvl="0"/>
             <a:r>
-              <a:rPr lang="en-US" smtClean="0"/>
+              <a:rPr lang="en-US"/>
               <a:t>Click to edit Master text styles</a:t>
             </a:r>
           </a:p>
           <a:p>
             <a:pPr lvl="1"/>
             <a:r>
-              <a:rPr lang="en-US" smtClean="0"/>
+              <a:rPr lang="en-US"/>
               <a:t>Second level</a:t>
             </a:r>
           </a:p>
           <a:p>
             <a:pPr lvl="2"/>
             <a:r>
-              <a:rPr lang="en-US" smtClean="0"/>
+              <a:rPr lang="en-US"/>
               <a:t>Third level</a:t>
             </a:r>
           </a:p>
           <a:p>
             <a:pPr lvl="3"/>
             <a:r>
-              <a:rPr lang="en-US" smtClean="0"/>
+              <a:rPr lang="en-US"/>
               <a:t>Fourth level</a:t>
             </a:r>
           </a:p>
           <a:p>
             <a:pPr lvl="4"/>
             <a:r>
-              <a:rPr lang="en-US" smtClean="0"/>
+              <a:rPr lang="en-US"/>
               <a:t>Fifth level</a:t>
             </a:r>
-            <a:endParaRPr lang="en-US"/>
           </a:p>
         </p:txBody>
       </p:sp>
@@ -422,7 +418,7 @@
           <a:p>
             <a:fld id="{BB7DCC67-5970-4D38-BCD6-A5FE23A66C8D}" type="datetimeFigureOut">
               <a:rPr lang="en-US" smtClean="0"/>
-              <a:t>8/17/16</a:t>
+              <a:t>5/7/18</a:t>
             </a:fld>
             <a:endParaRPr lang="en-US"/>
           </a:p>
@@ -521,10 +517,9 @@
           <a:lstStyle/>
           <a:p>
             <a:r>
-              <a:rPr lang="en-US" smtClean="0"/>
+              <a:rPr lang="en-US"/>
               <a:t>Click to edit Master title style</a:t>
             </a:r>
-            <a:endParaRPr lang="en-US"/>
           </a:p>
         </p:txBody>
       </p:sp>
@@ -550,38 +545,37 @@
           <a:p>
             <a:pPr lvl="0"/>
             <a:r>
-              <a:rPr lang="en-US" smtClean="0"/>
+              <a:rPr lang="en-US"/>
               <a:t>Click to edit Master text styles</a:t>
             </a:r>
           </a:p>
           <a:p>
             <a:pPr lvl="1"/>
             <a:r>
-              <a:rPr lang="en-US" smtClean="0"/>
+              <a:rPr lang="en-US"/>
               <a:t>Second level</a:t>
             </a:r>
           </a:p>
           <a:p>
             <a:pPr lvl="2"/>
             <a:r>
-              <a:rPr lang="en-US" smtClean="0"/>
+              <a:rPr lang="en-US"/>
               <a:t>Third level</a:t>
             </a:r>
           </a:p>
           <a:p>
             <a:pPr lvl="3"/>
             <a:r>
-              <a:rPr lang="en-US" smtClean="0"/>
+              <a:rPr lang="en-US"/>
               <a:t>Fourth level</a:t>
             </a:r>
           </a:p>
           <a:p>
             <a:pPr lvl="4"/>
             <a:r>
-              <a:rPr lang="en-US" smtClean="0"/>
+              <a:rPr lang="en-US"/>
               <a:t>Fifth level</a:t>
             </a:r>
-            <a:endParaRPr lang="en-US"/>
           </a:p>
         </p:txBody>
       </p:sp>
@@ -602,7 +596,7 @@
           <a:p>
             <a:fld id="{BB7DCC67-5970-4D38-BCD6-A5FE23A66C8D}" type="datetimeFigureOut">
               <a:rPr lang="en-US" smtClean="0"/>
-              <a:t>8/17/16</a:t>
+              <a:t>5/7/18</a:t>
             </a:fld>
             <a:endParaRPr lang="en-US"/>
           </a:p>
@@ -696,10 +690,9 @@
           <a:lstStyle/>
           <a:p>
             <a:r>
-              <a:rPr lang="en-US" smtClean="0"/>
+              <a:rPr lang="en-US"/>
               <a:t>Click to edit Master title style</a:t>
             </a:r>
-            <a:endParaRPr lang="en-US"/>
           </a:p>
         </p:txBody>
       </p:sp>
@@ -720,38 +713,37 @@
           <a:p>
             <a:pPr lvl="0"/>
             <a:r>
-              <a:rPr lang="en-US" smtClean="0"/>
+              <a:rPr lang="en-US"/>
               <a:t>Click to edit Master text styles</a:t>
             </a:r>
           </a:p>
           <a:p>
             <a:pPr lvl="1"/>
             <a:r>
-              <a:rPr lang="en-US" smtClean="0"/>
+              <a:rPr lang="en-US"/>
               <a:t>Second level</a:t>
             </a:r>
           </a:p>
           <a:p>
             <a:pPr lvl="2"/>
             <a:r>
-              <a:rPr lang="en-US" smtClean="0"/>
+              <a:rPr lang="en-US"/>
               <a:t>Third level</a:t>
             </a:r>
           </a:p>
           <a:p>
             <a:pPr lvl="3"/>
             <a:r>
-              <a:rPr lang="en-US" smtClean="0"/>
+              <a:rPr lang="en-US"/>
               <a:t>Fourth level</a:t>
             </a:r>
           </a:p>
           <a:p>
             <a:pPr lvl="4"/>
             <a:r>
-              <a:rPr lang="en-US" smtClean="0"/>
+              <a:rPr lang="en-US"/>
               <a:t>Fifth level</a:t>
             </a:r>
-            <a:endParaRPr lang="en-US"/>
           </a:p>
         </p:txBody>
       </p:sp>
@@ -772,7 +764,7 @@
           <a:p>
             <a:fld id="{BB7DCC67-5970-4D38-BCD6-A5FE23A66C8D}" type="datetimeFigureOut">
               <a:rPr lang="en-US" smtClean="0"/>
-              <a:t>8/17/16</a:t>
+              <a:t>5/7/18</a:t>
             </a:fld>
             <a:endParaRPr lang="en-US"/>
           </a:p>
@@ -875,10 +867,9 @@
           </a:lstStyle>
           <a:p>
             <a:r>
-              <a:rPr lang="en-US" smtClean="0"/>
+              <a:rPr lang="en-US"/>
               <a:t>Click to edit Master title style</a:t>
             </a:r>
-            <a:endParaRPr lang="en-US"/>
           </a:p>
         </p:txBody>
       </p:sp>
@@ -995,7 +986,7 @@
           <a:p>
             <a:pPr lvl="0"/>
             <a:r>
-              <a:rPr lang="en-US" smtClean="0"/>
+              <a:rPr lang="en-US"/>
               <a:t>Click to edit Master text styles</a:t>
             </a:r>
           </a:p>
@@ -1018,7 +1009,7 @@
           <a:p>
             <a:fld id="{BB7DCC67-5970-4D38-BCD6-A5FE23A66C8D}" type="datetimeFigureOut">
               <a:rPr lang="en-US" smtClean="0"/>
-              <a:t>8/17/16</a:t>
+              <a:t>5/7/18</a:t>
             </a:fld>
             <a:endParaRPr lang="en-US"/>
           </a:p>
@@ -1112,10 +1103,9 @@
           <a:lstStyle/>
           <a:p>
             <a:r>
-              <a:rPr lang="en-US" smtClean="0"/>
+              <a:rPr lang="en-US"/>
               <a:t>Click to edit Master title style</a:t>
             </a:r>
-            <a:endParaRPr lang="en-US"/>
           </a:p>
         </p:txBody>
       </p:sp>
@@ -1141,38 +1131,37 @@
           <a:p>
             <a:pPr lvl="0"/>
             <a:r>
-              <a:rPr lang="en-US" smtClean="0"/>
+              <a:rPr lang="en-US"/>
               <a:t>Click to edit Master text styles</a:t>
             </a:r>
           </a:p>
           <a:p>
             <a:pPr lvl="1"/>
             <a:r>
-              <a:rPr lang="en-US" smtClean="0"/>
+              <a:rPr lang="en-US"/>
               <a:t>Second level</a:t>
             </a:r>
           </a:p>
           <a:p>
             <a:pPr lvl="2"/>
             <a:r>
-              <a:rPr lang="en-US" smtClean="0"/>
+              <a:rPr lang="en-US"/>
               <a:t>Third level</a:t>
             </a:r>
           </a:p>
           <a:p>
             <a:pPr lvl="3"/>
             <a:r>
-              <a:rPr lang="en-US" smtClean="0"/>
+              <a:rPr lang="en-US"/>
               <a:t>Fourth level</a:t>
             </a:r>
           </a:p>
           <a:p>
             <a:pPr lvl="4"/>
             <a:r>
-              <a:rPr lang="en-US" smtClean="0"/>
+              <a:rPr lang="en-US"/>
               <a:t>Fifth level</a:t>
             </a:r>
-            <a:endParaRPr lang="en-US"/>
           </a:p>
         </p:txBody>
       </p:sp>
@@ -1198,38 +1187,37 @@
           <a:p>
             <a:pPr lvl="0"/>
             <a:r>
-              <a:rPr lang="en-US" smtClean="0"/>
+              <a:rPr lang="en-US"/>
               <a:t>Click to edit Master text styles</a:t>
             </a:r>
           </a:p>
           <a:p>
             <a:pPr lvl="1"/>
             <a:r>
-              <a:rPr lang="en-US" smtClean="0"/>
+              <a:rPr lang="en-US"/>
               <a:t>Second level</a:t>
             </a:r>
           </a:p>
           <a:p>
             <a:pPr lvl="2"/>
             <a:r>
-              <a:rPr lang="en-US" smtClean="0"/>
+              <a:rPr lang="en-US"/>
               <a:t>Third level</a:t>
             </a:r>
           </a:p>
           <a:p>
             <a:pPr lvl="3"/>
             <a:r>
-              <a:rPr lang="en-US" smtClean="0"/>
+              <a:rPr lang="en-US"/>
               <a:t>Fourth level</a:t>
             </a:r>
           </a:p>
           <a:p>
             <a:pPr lvl="4"/>
             <a:r>
-              <a:rPr lang="en-US" smtClean="0"/>
+              <a:rPr lang="en-US"/>
               <a:t>Fifth level</a:t>
             </a:r>
-            <a:endParaRPr lang="en-US"/>
           </a:p>
         </p:txBody>
       </p:sp>
@@ -1250,7 +1238,7 @@
           <a:p>
             <a:fld id="{BB7DCC67-5970-4D38-BCD6-A5FE23A66C8D}" type="datetimeFigureOut">
               <a:rPr lang="en-US" smtClean="0"/>
-              <a:t>8/17/16</a:t>
+              <a:t>5/7/18</a:t>
             </a:fld>
             <a:endParaRPr lang="en-US"/>
           </a:p>
@@ -1349,10 +1337,9 @@
           <a:lstStyle/>
           <a:p>
             <a:r>
-              <a:rPr lang="en-US" smtClean="0"/>
+              <a:rPr lang="en-US"/>
               <a:t>Click to edit Master title style</a:t>
             </a:r>
-            <a:endParaRPr lang="en-US"/>
           </a:p>
         </p:txBody>
       </p:sp>
@@ -1415,7 +1402,7 @@
           <a:p>
             <a:pPr lvl="0"/>
             <a:r>
-              <a:rPr lang="en-US" smtClean="0"/>
+              <a:rPr lang="en-US"/>
               <a:t>Click to edit Master text styles</a:t>
             </a:r>
           </a:p>
@@ -1443,38 +1430,37 @@
           <a:p>
             <a:pPr lvl="0"/>
             <a:r>
-              <a:rPr lang="en-US" smtClean="0"/>
+              <a:rPr lang="en-US"/>
               <a:t>Click to edit Master text styles</a:t>
             </a:r>
           </a:p>
           <a:p>
             <a:pPr lvl="1"/>
             <a:r>
-              <a:rPr lang="en-US" smtClean="0"/>
+              <a:rPr lang="en-US"/>
               <a:t>Second level</a:t>
             </a:r>
           </a:p>
           <a:p>
             <a:pPr lvl="2"/>
             <a:r>
-              <a:rPr lang="en-US" smtClean="0"/>
+              <a:rPr lang="en-US"/>
               <a:t>Third level</a:t>
             </a:r>
           </a:p>
           <a:p>
             <a:pPr lvl="3"/>
             <a:r>
-              <a:rPr lang="en-US" smtClean="0"/>
+              <a:rPr lang="en-US"/>
               <a:t>Fourth level</a:t>
             </a:r>
           </a:p>
           <a:p>
             <a:pPr lvl="4"/>
             <a:r>
-              <a:rPr lang="en-US" smtClean="0"/>
+              <a:rPr lang="en-US"/>
               <a:t>Fifth level</a:t>
             </a:r>
-            <a:endParaRPr lang="en-US"/>
           </a:p>
         </p:txBody>
       </p:sp>
@@ -1537,7 +1523,7 @@
           <a:p>
             <a:pPr lvl="0"/>
             <a:r>
-              <a:rPr lang="en-US" smtClean="0"/>
+              <a:rPr lang="en-US"/>
               <a:t>Click to edit Master text styles</a:t>
             </a:r>
           </a:p>
@@ -1565,38 +1551,37 @@
           <a:p>
             <a:pPr lvl="0"/>
             <a:r>
-              <a:rPr lang="en-US" smtClean="0"/>
+              <a:rPr lang="en-US"/>
               <a:t>Click to edit Master text styles</a:t>
             </a:r>
           </a:p>
           <a:p>
             <a:pPr lvl="1"/>
             <a:r>
-              <a:rPr lang="en-US" smtClean="0"/>
+              <a:rPr lang="en-US"/>
               <a:t>Second level</a:t>
             </a:r>
           </a:p>
           <a:p>
             <a:pPr lvl="2"/>
             <a:r>
-              <a:rPr lang="en-US" smtClean="0"/>
+              <a:rPr lang="en-US"/>
               <a:t>Third level</a:t>
             </a:r>
           </a:p>
           <a:p>
             <a:pPr lvl="3"/>
             <a:r>
-              <a:rPr lang="en-US" smtClean="0"/>
+              <a:rPr lang="en-US"/>
               <a:t>Fourth level</a:t>
             </a:r>
           </a:p>
           <a:p>
             <a:pPr lvl="4"/>
             <a:r>
-              <a:rPr lang="en-US" smtClean="0"/>
+              <a:rPr lang="en-US"/>
               <a:t>Fifth level</a:t>
             </a:r>
-            <a:endParaRPr lang="en-US"/>
           </a:p>
         </p:txBody>
       </p:sp>
@@ -1617,7 +1602,7 @@
           <a:p>
             <a:fld id="{BB7DCC67-5970-4D38-BCD6-A5FE23A66C8D}" type="datetimeFigureOut">
               <a:rPr lang="en-US" smtClean="0"/>
-              <a:t>8/17/16</a:t>
+              <a:t>5/7/18</a:t>
             </a:fld>
             <a:endParaRPr lang="en-US"/>
           </a:p>
@@ -1711,10 +1696,9 @@
           <a:lstStyle/>
           <a:p>
             <a:r>
-              <a:rPr lang="en-US" smtClean="0"/>
+              <a:rPr lang="en-US"/>
               <a:t>Click to edit Master title style</a:t>
             </a:r>
-            <a:endParaRPr lang="en-US"/>
           </a:p>
         </p:txBody>
       </p:sp>
@@ -1735,7 +1719,7 @@
           <a:p>
             <a:fld id="{BB7DCC67-5970-4D38-BCD6-A5FE23A66C8D}" type="datetimeFigureOut">
               <a:rPr lang="en-US" smtClean="0"/>
-              <a:t>8/17/16</a:t>
+              <a:t>5/7/18</a:t>
             </a:fld>
             <a:endParaRPr lang="en-US"/>
           </a:p>
@@ -1830,7 +1814,7 @@
           <a:p>
             <a:fld id="{BB7DCC67-5970-4D38-BCD6-A5FE23A66C8D}" type="datetimeFigureOut">
               <a:rPr lang="en-US" smtClean="0"/>
-              <a:t>8/17/16</a:t>
+              <a:t>5/7/18</a:t>
             </a:fld>
             <a:endParaRPr lang="en-US"/>
           </a:p>
@@ -1933,10 +1917,9 @@
           </a:lstStyle>
           <a:p>
             <a:r>
-              <a:rPr lang="en-US" smtClean="0"/>
+              <a:rPr lang="en-US"/>
               <a:t>Click to edit Master title style</a:t>
             </a:r>
-            <a:endParaRPr lang="en-US"/>
           </a:p>
         </p:txBody>
       </p:sp>
@@ -1990,38 +1973,37 @@
           <a:p>
             <a:pPr lvl="0"/>
             <a:r>
-              <a:rPr lang="en-US" smtClean="0"/>
+              <a:rPr lang="en-US"/>
               <a:t>Click to edit Master text styles</a:t>
             </a:r>
           </a:p>
           <a:p>
             <a:pPr lvl="1"/>
             <a:r>
-              <a:rPr lang="en-US" smtClean="0"/>
+              <a:rPr lang="en-US"/>
               <a:t>Second level</a:t>
             </a:r>
           </a:p>
           <a:p>
             <a:pPr lvl="2"/>
             <a:r>
-              <a:rPr lang="en-US" smtClean="0"/>
+              <a:rPr lang="en-US"/>
               <a:t>Third level</a:t>
             </a:r>
           </a:p>
           <a:p>
             <a:pPr lvl="3"/>
             <a:r>
-              <a:rPr lang="en-US" smtClean="0"/>
+              <a:rPr lang="en-US"/>
               <a:t>Fourth level</a:t>
             </a:r>
           </a:p>
           <a:p>
             <a:pPr lvl="4"/>
             <a:r>
-              <a:rPr lang="en-US" smtClean="0"/>
+              <a:rPr lang="en-US"/>
               <a:t>Fifth level</a:t>
             </a:r>
-            <a:endParaRPr lang="en-US"/>
           </a:p>
         </p:txBody>
       </p:sp>
@@ -2084,7 +2066,7 @@
           <a:p>
             <a:pPr lvl="0"/>
             <a:r>
-              <a:rPr lang="en-US" smtClean="0"/>
+              <a:rPr lang="en-US"/>
               <a:t>Click to edit Master text styles</a:t>
             </a:r>
           </a:p>
@@ -2107,7 +2089,7 @@
           <a:p>
             <a:fld id="{BB7DCC67-5970-4D38-BCD6-A5FE23A66C8D}" type="datetimeFigureOut">
               <a:rPr lang="en-US" smtClean="0"/>
-              <a:t>8/17/16</a:t>
+              <a:t>5/7/18</a:t>
             </a:fld>
             <a:endParaRPr lang="en-US"/>
           </a:p>
@@ -2210,10 +2192,9 @@
           </a:lstStyle>
           <a:p>
             <a:r>
-              <a:rPr lang="en-US" smtClean="0"/>
+              <a:rPr lang="en-US"/>
               <a:t>Click to edit Master title style</a:t>
             </a:r>
-            <a:endParaRPr lang="en-US"/>
           </a:p>
         </p:txBody>
       </p:sp>
@@ -2337,7 +2318,7 @@
           <a:p>
             <a:pPr lvl="0"/>
             <a:r>
-              <a:rPr lang="en-US" smtClean="0"/>
+              <a:rPr lang="en-US"/>
               <a:t>Click to edit Master text styles</a:t>
             </a:r>
           </a:p>
@@ -2360,7 +2341,7 @@
           <a:p>
             <a:fld id="{BB7DCC67-5970-4D38-BCD6-A5FE23A66C8D}" type="datetimeFigureOut">
               <a:rPr lang="en-US" smtClean="0"/>
-              <a:t>8/17/16</a:t>
+              <a:t>5/7/18</a:t>
             </a:fld>
             <a:endParaRPr lang="en-US"/>
           </a:p>
@@ -2469,10 +2450,9 @@
           <a:lstStyle/>
           <a:p>
             <a:r>
-              <a:rPr lang="en-US" smtClean="0"/>
+              <a:rPr lang="en-US"/>
               <a:t>Click to edit Master title style</a:t>
             </a:r>
-            <a:endParaRPr lang="en-US"/>
           </a:p>
         </p:txBody>
       </p:sp>
@@ -2503,38 +2483,37 @@
           <a:p>
             <a:pPr lvl="0"/>
             <a:r>
-              <a:rPr lang="en-US" smtClean="0"/>
+              <a:rPr lang="en-US"/>
               <a:t>Click to edit Master text styles</a:t>
             </a:r>
           </a:p>
           <a:p>
             <a:pPr lvl="1"/>
             <a:r>
-              <a:rPr lang="en-US" smtClean="0"/>
+              <a:rPr lang="en-US"/>
               <a:t>Second level</a:t>
             </a:r>
           </a:p>
           <a:p>
             <a:pPr lvl="2"/>
             <a:r>
-              <a:rPr lang="en-US" smtClean="0"/>
+              <a:rPr lang="en-US"/>
               <a:t>Third level</a:t>
             </a:r>
           </a:p>
           <a:p>
             <a:pPr lvl="3"/>
             <a:r>
-              <a:rPr lang="en-US" smtClean="0"/>
+              <a:rPr lang="en-US"/>
               <a:t>Fourth level</a:t>
             </a:r>
           </a:p>
           <a:p>
             <a:pPr lvl="4"/>
             <a:r>
-              <a:rPr lang="en-US" smtClean="0"/>
+              <a:rPr lang="en-US"/>
               <a:t>Fifth level</a:t>
             </a:r>
-            <a:endParaRPr lang="en-US"/>
           </a:p>
         </p:txBody>
       </p:sp>
@@ -2573,7 +2552,7 @@
           <a:p>
             <a:fld id="{BB7DCC67-5970-4D38-BCD6-A5FE23A66C8D}" type="datetimeFigureOut">
               <a:rPr lang="en-US" smtClean="0"/>
-              <a:t>8/17/16</a:t>
+              <a:t>5/7/18</a:t>
             </a:fld>
             <a:endParaRPr lang="en-US"/>
           </a:p>
@@ -2980,13 +2959,13 @@
       </p:grpSpPr>
       <p:sp>
         <p:nvSpPr>
-          <p:cNvPr id="4" name="Oval 3"/>
+          <p:cNvPr id="28" name="Oval 27"/>
           <p:cNvSpPr/>
           <p:nvPr/>
         </p:nvSpPr>
         <p:spPr>
           <a:xfrm>
-            <a:off x="5100033" y="1416675"/>
+            <a:off x="5615190" y="948561"/>
             <a:ext cx="746975" cy="734096"/>
           </a:xfrm>
           <a:prstGeom prst="ellipse">
@@ -3021,88 +3000,25 @@
           <a:p>
             <a:pPr algn="ctr"/>
             <a:r>
-              <a:rPr lang="en-US" sz="2800" dirty="0" smtClean="0">
-                <a:solidFill>
-                  <a:schemeClr val="tx1"/>
-                </a:solidFill>
-              </a:rPr>
-              <a:t>1</a:t>
-            </a:r>
-            <a:endParaRPr lang="en-US" sz="2800" dirty="0">
-              <a:solidFill>
-                <a:schemeClr val="tx1"/>
-              </a:solidFill>
-            </a:endParaRPr>
-          </a:p>
-        </p:txBody>
-      </p:sp>
-      <p:sp>
-        <p:nvSpPr>
-          <p:cNvPr id="5" name="Oval 4"/>
-          <p:cNvSpPr/>
-          <p:nvPr/>
-        </p:nvSpPr>
-        <p:spPr>
-          <a:xfrm>
-            <a:off x="6398653" y="1416675"/>
-            <a:ext cx="746975" cy="734096"/>
-          </a:xfrm>
-          <a:prstGeom prst="ellipse">
-            <a:avLst/>
-          </a:prstGeom>
-          <a:noFill/>
-          <a:ln w="28575">
-            <a:solidFill>
-              <a:schemeClr val="tx1"/>
-            </a:solidFill>
-          </a:ln>
-        </p:spPr>
-        <p:style>
-          <a:lnRef idx="2">
-            <a:schemeClr val="accent1">
-              <a:shade val="50000"/>
-            </a:schemeClr>
-          </a:lnRef>
-          <a:fillRef idx="1">
-            <a:schemeClr val="accent1"/>
-          </a:fillRef>
-          <a:effectRef idx="0">
-            <a:schemeClr val="accent1"/>
-          </a:effectRef>
-          <a:fontRef idx="minor">
-            <a:schemeClr val="lt1"/>
-          </a:fontRef>
-        </p:style>
-        <p:txBody>
-          <a:bodyPr rtlCol="0" anchor="ctr"/>
-          <a:lstStyle/>
-          <a:p>
-            <a:pPr algn="ctr"/>
-            <a:r>
-              <a:rPr lang="en-US" sz="2800" dirty="0" smtClean="0">
+              <a:rPr lang="en-US" sz="2800" dirty="0">
                 <a:solidFill>
                   <a:schemeClr val="tx1"/>
                 </a:solidFill>
               </a:rPr>
               <a:t>2</a:t>
             </a:r>
-            <a:endParaRPr lang="en-US" sz="2800" dirty="0">
-              <a:solidFill>
-                <a:schemeClr val="tx1"/>
-              </a:solidFill>
-            </a:endParaRPr>
-          </a:p>
-        </p:txBody>
-      </p:sp>
-      <p:sp>
-        <p:nvSpPr>
-          <p:cNvPr id="6" name="Oval 5"/>
+          </a:p>
+        </p:txBody>
+      </p:sp>
+      <p:sp>
+        <p:nvSpPr>
+          <p:cNvPr id="30" name="Oval 29"/>
           <p:cNvSpPr/>
           <p:nvPr/>
         </p:nvSpPr>
         <p:spPr>
           <a:xfrm>
-            <a:off x="5100033" y="2638021"/>
+            <a:off x="7232641" y="2148624"/>
             <a:ext cx="746975" cy="734096"/>
           </a:xfrm>
           <a:prstGeom prst="ellipse">
@@ -3137,30 +3053,25 @@
           <a:p>
             <a:pPr algn="ctr"/>
             <a:r>
-              <a:rPr lang="en-US" sz="2800" dirty="0" smtClean="0">
+              <a:rPr lang="en-US" sz="2800" dirty="0">
                 <a:solidFill>
                   <a:schemeClr val="tx1"/>
                 </a:solidFill>
               </a:rPr>
-              <a:t>3</a:t>
-            </a:r>
-            <a:endParaRPr lang="en-US" sz="2800" dirty="0">
-              <a:solidFill>
-                <a:schemeClr val="tx1"/>
-              </a:solidFill>
-            </a:endParaRPr>
-          </a:p>
-        </p:txBody>
-      </p:sp>
-      <p:sp>
-        <p:nvSpPr>
-          <p:cNvPr id="7" name="Oval 6"/>
+              <a:t>5</a:t>
+            </a:r>
+          </a:p>
+        </p:txBody>
+      </p:sp>
+      <p:sp>
+        <p:nvSpPr>
+          <p:cNvPr id="31" name="Oval 30"/>
           <p:cNvSpPr/>
           <p:nvPr/>
         </p:nvSpPr>
         <p:spPr>
           <a:xfrm>
-            <a:off x="6398653" y="2638021"/>
+            <a:off x="4015069" y="2148624"/>
             <a:ext cx="746975" cy="734096"/>
           </a:xfrm>
           <a:prstGeom prst="ellipse">
@@ -3195,543 +3106,16 @@
           <a:p>
             <a:pPr algn="ctr"/>
             <a:r>
-              <a:rPr lang="en-US" sz="2800" dirty="0" smtClean="0">
+              <a:rPr lang="en-US" sz="2800" dirty="0">
                 <a:solidFill>
                   <a:schemeClr val="tx1"/>
                 </a:solidFill>
               </a:rPr>
-              <a:t>4</a:t>
-            </a:r>
-            <a:endParaRPr lang="en-US" sz="2800" dirty="0">
-              <a:solidFill>
-                <a:schemeClr val="tx1"/>
-              </a:solidFill>
-            </a:endParaRPr>
-          </a:p>
-        </p:txBody>
-      </p:sp>
-      <p:cxnSp>
-        <p:nvCxnSpPr>
-          <p:cNvPr id="9" name="Straight Arrow Connector 8"/>
-          <p:cNvCxnSpPr>
-            <a:stCxn id="4" idx="6"/>
-            <a:endCxn id="5" idx="2"/>
-          </p:cNvCxnSpPr>
-          <p:nvPr/>
-        </p:nvCxnSpPr>
-        <p:spPr>
-          <a:xfrm>
-            <a:off x="5847008" y="1783723"/>
-            <a:ext cx="551645" cy="0"/>
-          </a:xfrm>
-          <a:prstGeom prst="straightConnector1">
-            <a:avLst/>
-          </a:prstGeom>
-          <a:ln w="28575">
-            <a:solidFill>
-              <a:schemeClr val="tx1"/>
-            </a:solidFill>
-            <a:tailEnd type="triangle"/>
-          </a:ln>
-        </p:spPr>
-        <p:style>
-          <a:lnRef idx="1">
-            <a:schemeClr val="accent1"/>
-          </a:lnRef>
-          <a:fillRef idx="0">
-            <a:schemeClr val="accent1"/>
-          </a:fillRef>
-          <a:effectRef idx="0">
-            <a:schemeClr val="accent1"/>
-          </a:effectRef>
-          <a:fontRef idx="minor">
-            <a:schemeClr val="tx1"/>
-          </a:fontRef>
-        </p:style>
-      </p:cxnSp>
-      <p:cxnSp>
-        <p:nvCxnSpPr>
-          <p:cNvPr id="10" name="Straight Arrow Connector 9"/>
-          <p:cNvCxnSpPr>
-            <a:stCxn id="4" idx="5"/>
-            <a:endCxn id="7" idx="1"/>
-          </p:cNvCxnSpPr>
-          <p:nvPr/>
-        </p:nvCxnSpPr>
-        <p:spPr>
-          <a:xfrm>
-            <a:off x="5737616" y="2043265"/>
-            <a:ext cx="770429" cy="702262"/>
-          </a:xfrm>
-          <a:prstGeom prst="straightConnector1">
-            <a:avLst/>
-          </a:prstGeom>
-          <a:ln w="28575">
-            <a:solidFill>
-              <a:schemeClr val="tx1"/>
-            </a:solidFill>
-            <a:tailEnd type="triangle"/>
-          </a:ln>
-        </p:spPr>
-        <p:style>
-          <a:lnRef idx="1">
-            <a:schemeClr val="accent1"/>
-          </a:lnRef>
-          <a:fillRef idx="0">
-            <a:schemeClr val="accent1"/>
-          </a:fillRef>
-          <a:effectRef idx="0">
-            <a:schemeClr val="accent1"/>
-          </a:effectRef>
-          <a:fontRef idx="minor">
-            <a:schemeClr val="tx1"/>
-          </a:fontRef>
-        </p:style>
-      </p:cxnSp>
-      <p:cxnSp>
-        <p:nvCxnSpPr>
-          <p:cNvPr id="13" name="Straight Arrow Connector 12"/>
-          <p:cNvCxnSpPr>
-            <a:stCxn id="5" idx="3"/>
-            <a:endCxn id="6" idx="7"/>
-          </p:cNvCxnSpPr>
-          <p:nvPr/>
-        </p:nvCxnSpPr>
-        <p:spPr>
-          <a:xfrm flipH="1">
-            <a:off x="5737616" y="2043265"/>
-            <a:ext cx="770429" cy="702262"/>
-          </a:xfrm>
-          <a:prstGeom prst="straightConnector1">
-            <a:avLst/>
-          </a:prstGeom>
-          <a:ln w="28575">
-            <a:solidFill>
-              <a:schemeClr val="tx1"/>
-            </a:solidFill>
-            <a:tailEnd type="triangle"/>
-          </a:ln>
-        </p:spPr>
-        <p:style>
-          <a:lnRef idx="1">
-            <a:schemeClr val="accent1"/>
-          </a:lnRef>
-          <a:fillRef idx="0">
-            <a:schemeClr val="accent1"/>
-          </a:fillRef>
-          <a:effectRef idx="0">
-            <a:schemeClr val="accent1"/>
-          </a:effectRef>
-          <a:fontRef idx="minor">
-            <a:schemeClr val="tx1"/>
-          </a:fontRef>
-        </p:style>
-      </p:cxnSp>
-      <p:sp>
-        <p:nvSpPr>
-          <p:cNvPr id="19" name="TextBox 18"/>
-          <p:cNvSpPr txBox="1"/>
-          <p:nvPr/>
-        </p:nvSpPr>
-        <p:spPr>
-          <a:xfrm>
-            <a:off x="4520483" y="1365158"/>
-            <a:ext cx="579549" cy="584775"/>
-          </a:xfrm>
-          <a:prstGeom prst="rect">
-            <a:avLst/>
-          </a:prstGeom>
-          <a:noFill/>
-        </p:spPr>
-        <p:txBody>
-          <a:bodyPr wrap="square" rtlCol="0">
-            <a:spAutoFit/>
-          </a:bodyPr>
-          <a:lstStyle/>
-          <a:p>
-            <a:r>
-              <a:rPr lang="en-US" sz="3200" b="1" dirty="0" smtClean="0">
-                <a:solidFill>
-                  <a:srgbClr val="00B050"/>
-                </a:solidFill>
-              </a:rPr>
-              <a:t>B.</a:t>
-            </a:r>
-            <a:endParaRPr lang="en-US" sz="3200" b="1" dirty="0">
-              <a:solidFill>
-                <a:srgbClr val="00B050"/>
-              </a:solidFill>
-            </a:endParaRPr>
-          </a:p>
-        </p:txBody>
-      </p:sp>
-      <p:sp>
-        <p:nvSpPr>
-          <p:cNvPr id="20" name="Oval 19"/>
-          <p:cNvSpPr/>
-          <p:nvPr/>
-        </p:nvSpPr>
-        <p:spPr>
-          <a:xfrm>
-            <a:off x="2612263" y="1437958"/>
-            <a:ext cx="746975" cy="734096"/>
-          </a:xfrm>
-          <a:prstGeom prst="ellipse">
-            <a:avLst/>
-          </a:prstGeom>
-          <a:noFill/>
-          <a:ln w="28575">
-            <a:solidFill>
-              <a:schemeClr val="tx1"/>
-            </a:solidFill>
-          </a:ln>
-        </p:spPr>
-        <p:style>
-          <a:lnRef idx="2">
-            <a:schemeClr val="accent1">
-              <a:shade val="50000"/>
-            </a:schemeClr>
-          </a:lnRef>
-          <a:fillRef idx="1">
-            <a:schemeClr val="accent1"/>
-          </a:fillRef>
-          <a:effectRef idx="0">
-            <a:schemeClr val="accent1"/>
-          </a:effectRef>
-          <a:fontRef idx="minor">
-            <a:schemeClr val="lt1"/>
-          </a:fontRef>
-        </p:style>
-        <p:txBody>
-          <a:bodyPr rtlCol="0" anchor="ctr"/>
-          <a:lstStyle/>
-          <a:p>
-            <a:pPr algn="ctr"/>
-            <a:r>
-              <a:rPr lang="en-US" sz="2800" dirty="0" smtClean="0">
-                <a:solidFill>
-                  <a:schemeClr val="tx1"/>
-                </a:solidFill>
-              </a:rPr>
-              <a:t>1</a:t>
-            </a:r>
-            <a:endParaRPr lang="en-US" sz="2800" dirty="0">
-              <a:solidFill>
-                <a:schemeClr val="tx1"/>
-              </a:solidFill>
-            </a:endParaRPr>
-          </a:p>
-        </p:txBody>
-      </p:sp>
-      <p:sp>
-        <p:nvSpPr>
-          <p:cNvPr id="27" name="TextBox 26"/>
-          <p:cNvSpPr txBox="1"/>
-          <p:nvPr/>
-        </p:nvSpPr>
-        <p:spPr>
-          <a:xfrm>
-            <a:off x="2032713" y="1386441"/>
-            <a:ext cx="579549" cy="584775"/>
-          </a:xfrm>
-          <a:prstGeom prst="rect">
-            <a:avLst/>
-          </a:prstGeom>
-          <a:noFill/>
-        </p:spPr>
-        <p:txBody>
-          <a:bodyPr wrap="square" rtlCol="0">
-            <a:spAutoFit/>
-          </a:bodyPr>
-          <a:lstStyle/>
-          <a:p>
-            <a:r>
-              <a:rPr lang="en-US" sz="3200" b="1" dirty="0" smtClean="0">
-                <a:solidFill>
-                  <a:srgbClr val="00B050"/>
-                </a:solidFill>
-              </a:rPr>
-              <a:t>A.</a:t>
-            </a:r>
-            <a:endParaRPr lang="en-US" sz="3200" b="1" dirty="0">
-              <a:solidFill>
-                <a:srgbClr val="00B050"/>
-              </a:solidFill>
-            </a:endParaRPr>
-          </a:p>
-        </p:txBody>
-      </p:sp>
-      <p:sp>
-        <p:nvSpPr>
-          <p:cNvPr id="28" name="Oval 27"/>
-          <p:cNvSpPr/>
-          <p:nvPr/>
-        </p:nvSpPr>
-        <p:spPr>
-          <a:xfrm>
-            <a:off x="8886423" y="1437958"/>
-            <a:ext cx="746975" cy="734096"/>
-          </a:xfrm>
-          <a:prstGeom prst="ellipse">
-            <a:avLst/>
-          </a:prstGeom>
-          <a:noFill/>
-          <a:ln w="28575">
-            <a:solidFill>
-              <a:schemeClr val="tx1"/>
-            </a:solidFill>
-          </a:ln>
-        </p:spPr>
-        <p:style>
-          <a:lnRef idx="2">
-            <a:schemeClr val="accent1">
-              <a:shade val="50000"/>
-            </a:schemeClr>
-          </a:lnRef>
-          <a:fillRef idx="1">
-            <a:schemeClr val="accent1"/>
-          </a:fillRef>
-          <a:effectRef idx="0">
-            <a:schemeClr val="accent1"/>
-          </a:effectRef>
-          <a:fontRef idx="minor">
-            <a:schemeClr val="lt1"/>
-          </a:fontRef>
-        </p:style>
-        <p:txBody>
-          <a:bodyPr rtlCol="0" anchor="ctr"/>
-          <a:lstStyle/>
-          <a:p>
-            <a:pPr algn="ctr"/>
-            <a:r>
-              <a:rPr lang="en-US" sz="2800" dirty="0" smtClean="0">
-                <a:solidFill>
-                  <a:schemeClr val="tx1"/>
-                </a:solidFill>
-              </a:rPr>
-              <a:t>1</a:t>
-            </a:r>
-            <a:endParaRPr lang="en-US" sz="2800" dirty="0">
-              <a:solidFill>
-                <a:schemeClr val="tx1"/>
-              </a:solidFill>
-            </a:endParaRPr>
-          </a:p>
-        </p:txBody>
-      </p:sp>
-      <p:sp>
-        <p:nvSpPr>
-          <p:cNvPr id="29" name="Oval 28"/>
-          <p:cNvSpPr/>
-          <p:nvPr/>
-        </p:nvSpPr>
-        <p:spPr>
-          <a:xfrm>
-            <a:off x="8888648" y="2638021"/>
-            <a:ext cx="746975" cy="734096"/>
-          </a:xfrm>
-          <a:prstGeom prst="ellipse">
-            <a:avLst/>
-          </a:prstGeom>
-          <a:noFill/>
-          <a:ln w="28575">
-            <a:solidFill>
-              <a:schemeClr val="tx1"/>
-            </a:solidFill>
-          </a:ln>
-        </p:spPr>
-        <p:style>
-          <a:lnRef idx="2">
-            <a:schemeClr val="accent1">
-              <a:shade val="50000"/>
-            </a:schemeClr>
-          </a:lnRef>
-          <a:fillRef idx="1">
-            <a:schemeClr val="accent1"/>
-          </a:fillRef>
-          <a:effectRef idx="0">
-            <a:schemeClr val="accent1"/>
-          </a:effectRef>
-          <a:fontRef idx="minor">
-            <a:schemeClr val="lt1"/>
-          </a:fontRef>
-        </p:style>
-        <p:txBody>
-          <a:bodyPr rtlCol="0" anchor="ctr"/>
-          <a:lstStyle/>
-          <a:p>
-            <a:pPr algn="ctr"/>
-            <a:r>
-              <a:rPr lang="en-US" sz="2800" dirty="0" smtClean="0">
-                <a:solidFill>
-                  <a:schemeClr val="tx1"/>
-                </a:solidFill>
-              </a:rPr>
-              <a:t>3</a:t>
-            </a:r>
-            <a:endParaRPr lang="en-US" sz="2800" dirty="0">
-              <a:solidFill>
-                <a:schemeClr val="tx1"/>
-              </a:solidFill>
-            </a:endParaRPr>
-          </a:p>
-        </p:txBody>
-      </p:sp>
-      <p:sp>
-        <p:nvSpPr>
-          <p:cNvPr id="30" name="Oval 29"/>
-          <p:cNvSpPr/>
-          <p:nvPr/>
-        </p:nvSpPr>
-        <p:spPr>
-          <a:xfrm>
-            <a:off x="9718263" y="2638021"/>
-            <a:ext cx="746975" cy="734096"/>
-          </a:xfrm>
-          <a:prstGeom prst="ellipse">
-            <a:avLst/>
-          </a:prstGeom>
-          <a:noFill/>
-          <a:ln w="28575">
-            <a:solidFill>
-              <a:schemeClr val="tx1"/>
-            </a:solidFill>
-          </a:ln>
-        </p:spPr>
-        <p:style>
-          <a:lnRef idx="2">
-            <a:schemeClr val="accent1">
-              <a:shade val="50000"/>
-            </a:schemeClr>
-          </a:lnRef>
-          <a:fillRef idx="1">
-            <a:schemeClr val="accent1"/>
-          </a:fillRef>
-          <a:effectRef idx="0">
-            <a:schemeClr val="accent1"/>
-          </a:effectRef>
-          <a:fontRef idx="minor">
-            <a:schemeClr val="lt1"/>
-          </a:fontRef>
-        </p:style>
-        <p:txBody>
-          <a:bodyPr rtlCol="0" anchor="ctr"/>
-          <a:lstStyle/>
-          <a:p>
-            <a:pPr algn="ctr"/>
-            <a:r>
-              <a:rPr lang="en-US" sz="2800" dirty="0" smtClean="0">
-                <a:solidFill>
-                  <a:schemeClr val="tx1"/>
-                </a:solidFill>
-              </a:rPr>
-              <a:t>4</a:t>
-            </a:r>
-            <a:endParaRPr lang="en-US" sz="2800" dirty="0">
-              <a:solidFill>
-                <a:schemeClr val="tx1"/>
-              </a:solidFill>
-            </a:endParaRPr>
-          </a:p>
-        </p:txBody>
-      </p:sp>
-      <p:sp>
-        <p:nvSpPr>
-          <p:cNvPr id="31" name="Oval 30"/>
-          <p:cNvSpPr/>
-          <p:nvPr/>
-        </p:nvSpPr>
-        <p:spPr>
-          <a:xfrm>
-            <a:off x="8059033" y="2638021"/>
-            <a:ext cx="746975" cy="734096"/>
-          </a:xfrm>
-          <a:prstGeom prst="ellipse">
-            <a:avLst/>
-          </a:prstGeom>
-          <a:noFill/>
-          <a:ln w="28575">
-            <a:solidFill>
-              <a:schemeClr val="tx1"/>
-            </a:solidFill>
-          </a:ln>
-        </p:spPr>
-        <p:style>
-          <a:lnRef idx="2">
-            <a:schemeClr val="accent1">
-              <a:shade val="50000"/>
-            </a:schemeClr>
-          </a:lnRef>
-          <a:fillRef idx="1">
-            <a:schemeClr val="accent1"/>
-          </a:fillRef>
-          <a:effectRef idx="0">
-            <a:schemeClr val="accent1"/>
-          </a:effectRef>
-          <a:fontRef idx="minor">
-            <a:schemeClr val="lt1"/>
-          </a:fontRef>
-        </p:style>
-        <p:txBody>
-          <a:bodyPr rtlCol="0" anchor="ctr"/>
-          <a:lstStyle/>
-          <a:p>
-            <a:pPr algn="ctr"/>
-            <a:r>
-              <a:rPr lang="en-US" sz="2800" dirty="0" smtClean="0">
-                <a:solidFill>
-                  <a:schemeClr val="tx1"/>
-                </a:solidFill>
-              </a:rPr>
-              <a:t>2</a:t>
-            </a:r>
-            <a:endParaRPr lang="en-US" sz="2800" dirty="0">
-              <a:solidFill>
-                <a:schemeClr val="tx1"/>
-              </a:solidFill>
-            </a:endParaRPr>
-          </a:p>
-        </p:txBody>
-      </p:sp>
-      <p:cxnSp>
-        <p:nvCxnSpPr>
-          <p:cNvPr id="32" name="Straight Arrow Connector 31"/>
-          <p:cNvCxnSpPr>
-            <a:stCxn id="28" idx="4"/>
-            <a:endCxn id="29" idx="0"/>
-          </p:cNvCxnSpPr>
-          <p:nvPr/>
-        </p:nvCxnSpPr>
-        <p:spPr>
-          <a:xfrm>
-            <a:off x="9259911" y="2172054"/>
-            <a:ext cx="2225" cy="465967"/>
-          </a:xfrm>
-          <a:prstGeom prst="straightConnector1">
-            <a:avLst/>
-          </a:prstGeom>
-          <a:ln w="28575">
-            <a:solidFill>
-              <a:schemeClr val="tx1"/>
-            </a:solidFill>
-            <a:tailEnd type="triangle"/>
-          </a:ln>
-        </p:spPr>
-        <p:style>
-          <a:lnRef idx="1">
-            <a:schemeClr val="accent1"/>
-          </a:lnRef>
-          <a:fillRef idx="0">
-            <a:schemeClr val="accent1"/>
-          </a:fillRef>
-          <a:effectRef idx="0">
-            <a:schemeClr val="accent1"/>
-          </a:effectRef>
-          <a:fontRef idx="minor">
-            <a:schemeClr val="tx1"/>
-          </a:fontRef>
-        </p:style>
-      </p:cxnSp>
+              <a:t>7</a:t>
+            </a:r>
+          </a:p>
+        </p:txBody>
+      </p:sp>
       <p:cxnSp>
         <p:nvCxnSpPr>
           <p:cNvPr id="33" name="Straight Arrow Connector 32"/>
@@ -3743,8 +3127,8 @@
         </p:nvCxnSpPr>
         <p:spPr>
           <a:xfrm flipH="1">
-            <a:off x="8432521" y="2064548"/>
-            <a:ext cx="563294" cy="573473"/>
+            <a:off x="4388557" y="1575151"/>
+            <a:ext cx="1336025" cy="573473"/>
           </a:xfrm>
           <a:prstGeom prst="straightConnector1">
             <a:avLst/>
@@ -3782,8 +3166,8 @@
         </p:nvCxnSpPr>
         <p:spPr>
           <a:xfrm>
-            <a:off x="9524006" y="2064548"/>
-            <a:ext cx="567745" cy="573473"/>
+            <a:off x="6252773" y="1575151"/>
+            <a:ext cx="1353356" cy="573473"/>
           </a:xfrm>
           <a:prstGeom prst="straightConnector1">
             <a:avLst/>
@@ -3810,53 +3194,55 @@
           </a:fontRef>
         </p:style>
       </p:cxnSp>
-      <p:sp>
-        <p:nvSpPr>
-          <p:cNvPr id="35" name="TextBox 34"/>
-          <p:cNvSpPr txBox="1"/>
-          <p:nvPr/>
-        </p:nvSpPr>
-        <p:spPr>
-          <a:xfrm>
-            <a:off x="8306873" y="1386441"/>
-            <a:ext cx="579549" cy="584775"/>
-          </a:xfrm>
-          <a:prstGeom prst="rect">
-            <a:avLst/>
-          </a:prstGeom>
-          <a:noFill/>
-        </p:spPr>
-        <p:txBody>
-          <a:bodyPr wrap="square" rtlCol="0">
-            <a:spAutoFit/>
-          </a:bodyPr>
-          <a:lstStyle/>
-          <a:p>
-            <a:r>
-              <a:rPr lang="en-US" sz="3200" b="1" dirty="0" smtClean="0">
-                <a:solidFill>
-                  <a:srgbClr val="00B050"/>
-                </a:solidFill>
-              </a:rPr>
-              <a:t>C.</a:t>
-            </a:r>
-            <a:endParaRPr lang="en-US" sz="3200" b="1" dirty="0">
-              <a:solidFill>
-                <a:srgbClr val="00B050"/>
-              </a:solidFill>
-            </a:endParaRPr>
-          </a:p>
-        </p:txBody>
-      </p:sp>
-      <p:sp>
-        <p:nvSpPr>
-          <p:cNvPr id="55" name="Oval 54"/>
+      <p:cxnSp>
+        <p:nvCxnSpPr>
+          <p:cNvPr id="39" name="Straight Arrow Connector 38"/>
+          <p:cNvCxnSpPr>
+            <a:cxnSpLocks/>
+            <a:stCxn id="30" idx="5"/>
+            <a:endCxn id="41" idx="0"/>
+          </p:cNvCxnSpPr>
+          <p:nvPr/>
+        </p:nvCxnSpPr>
+        <p:spPr>
+          <a:xfrm>
+            <a:off x="7870224" y="2775214"/>
+            <a:ext cx="669860" cy="573473"/>
+          </a:xfrm>
+          <a:prstGeom prst="straightConnector1">
+            <a:avLst/>
+          </a:prstGeom>
+          <a:ln w="28575">
+            <a:solidFill>
+              <a:schemeClr val="tx1"/>
+            </a:solidFill>
+            <a:tailEnd type="triangle"/>
+          </a:ln>
+        </p:spPr>
+        <p:style>
+          <a:lnRef idx="1">
+            <a:schemeClr val="accent1"/>
+          </a:lnRef>
+          <a:fillRef idx="0">
+            <a:schemeClr val="accent1"/>
+          </a:fillRef>
+          <a:effectRef idx="0">
+            <a:schemeClr val="accent1"/>
+          </a:effectRef>
+          <a:fontRef idx="minor">
+            <a:schemeClr val="tx1"/>
+          </a:fontRef>
+        </p:style>
+      </p:cxnSp>
+      <p:sp>
+        <p:nvSpPr>
+          <p:cNvPr id="18" name="Oval 17"/>
           <p:cNvSpPr/>
           <p:nvPr/>
         </p:nvSpPr>
         <p:spPr>
           <a:xfrm>
-            <a:off x="7267898" y="3728251"/>
+            <a:off x="3168270" y="3348687"/>
             <a:ext cx="746975" cy="734096"/>
           </a:xfrm>
           <a:prstGeom prst="ellipse">
@@ -3891,150 +3277,29 @@
           <a:p>
             <a:pPr algn="ctr"/>
             <a:r>
-              <a:rPr lang="en-US" sz="2800" dirty="0" smtClean="0">
-                <a:solidFill>
-                  <a:schemeClr val="tx1"/>
-                </a:solidFill>
-              </a:rPr>
-              <a:t>1</a:t>
-            </a:r>
-            <a:endParaRPr lang="en-US" sz="2800" dirty="0">
-              <a:solidFill>
-                <a:schemeClr val="tx1"/>
-              </a:solidFill>
-            </a:endParaRPr>
-          </a:p>
-        </p:txBody>
-      </p:sp>
-      <p:sp>
-        <p:nvSpPr>
-          <p:cNvPr id="57" name="Oval 56"/>
-          <p:cNvSpPr/>
-          <p:nvPr/>
-        </p:nvSpPr>
-        <p:spPr>
-          <a:xfrm>
-            <a:off x="8014873" y="4928314"/>
-            <a:ext cx="746975" cy="734096"/>
-          </a:xfrm>
-          <a:prstGeom prst="ellipse">
-            <a:avLst/>
-          </a:prstGeom>
-          <a:noFill/>
-          <a:ln w="28575">
-            <a:solidFill>
-              <a:schemeClr val="tx1"/>
-            </a:solidFill>
-          </a:ln>
-        </p:spPr>
-        <p:style>
-          <a:lnRef idx="2">
-            <a:schemeClr val="accent1">
-              <a:shade val="50000"/>
-            </a:schemeClr>
-          </a:lnRef>
-          <a:fillRef idx="1">
-            <a:schemeClr val="accent1"/>
-          </a:fillRef>
-          <a:effectRef idx="0">
-            <a:schemeClr val="accent1"/>
-          </a:effectRef>
-          <a:fontRef idx="minor">
-            <a:schemeClr val="lt1"/>
-          </a:fontRef>
-        </p:style>
-        <p:txBody>
-          <a:bodyPr rtlCol="0" anchor="ctr"/>
-          <a:lstStyle/>
-          <a:p>
-            <a:pPr algn="ctr"/>
-            <a:r>
-              <a:rPr lang="en-US" sz="2800" dirty="0" smtClean="0">
-                <a:solidFill>
-                  <a:schemeClr val="tx1"/>
-                </a:solidFill>
-              </a:rPr>
-              <a:t>3</a:t>
-            </a:r>
-            <a:endParaRPr lang="en-US" sz="2800" dirty="0">
-              <a:solidFill>
-                <a:schemeClr val="tx1"/>
-              </a:solidFill>
-            </a:endParaRPr>
-          </a:p>
-        </p:txBody>
-      </p:sp>
-      <p:sp>
-        <p:nvSpPr>
-          <p:cNvPr id="58" name="Oval 57"/>
-          <p:cNvSpPr/>
-          <p:nvPr/>
-        </p:nvSpPr>
-        <p:spPr>
-          <a:xfrm>
-            <a:off x="6520922" y="4928314"/>
-            <a:ext cx="746975" cy="734096"/>
-          </a:xfrm>
-          <a:prstGeom prst="ellipse">
-            <a:avLst/>
-          </a:prstGeom>
-          <a:noFill/>
-          <a:ln w="28575">
-            <a:solidFill>
-              <a:schemeClr val="tx1"/>
-            </a:solidFill>
-          </a:ln>
-        </p:spPr>
-        <p:style>
-          <a:lnRef idx="2">
-            <a:schemeClr val="accent1">
-              <a:shade val="50000"/>
-            </a:schemeClr>
-          </a:lnRef>
-          <a:fillRef idx="1">
-            <a:schemeClr val="accent1"/>
-          </a:fillRef>
-          <a:effectRef idx="0">
-            <a:schemeClr val="accent1"/>
-          </a:effectRef>
-          <a:fontRef idx="minor">
-            <a:schemeClr val="lt1"/>
-          </a:fontRef>
-        </p:style>
-        <p:txBody>
-          <a:bodyPr rtlCol="0" anchor="ctr"/>
-          <a:lstStyle/>
-          <a:p>
-            <a:pPr algn="ctr"/>
-            <a:r>
-              <a:rPr lang="en-US" sz="2800" dirty="0" smtClean="0">
+              <a:rPr lang="en-US" sz="2800" dirty="0">
                 <a:solidFill>
                   <a:schemeClr val="tx1"/>
                 </a:solidFill>
               </a:rPr>
               <a:t>2</a:t>
             </a:r>
-            <a:endParaRPr lang="en-US" sz="2800" dirty="0">
-              <a:solidFill>
-                <a:schemeClr val="tx1"/>
-              </a:solidFill>
-            </a:endParaRPr>
           </a:p>
         </p:txBody>
       </p:sp>
       <p:cxnSp>
         <p:nvCxnSpPr>
-          <p:cNvPr id="60" name="Straight Arrow Connector 59"/>
+          <p:cNvPr id="19" name="Straight Arrow Connector 18"/>
           <p:cNvCxnSpPr>
-            <a:stCxn id="55" idx="3"/>
-            <a:endCxn id="58" idx="0"/>
+            <a:stCxn id="31" idx="3"/>
+            <a:endCxn id="18" idx="0"/>
           </p:cNvCxnSpPr>
           <p:nvPr/>
         </p:nvCxnSpPr>
         <p:spPr>
           <a:xfrm flipH="1">
-            <a:off x="6894410" y="4354841"/>
-            <a:ext cx="482880" cy="573473"/>
+            <a:off x="3541758" y="2775214"/>
+            <a:ext cx="582703" cy="573473"/>
           </a:xfrm>
           <a:prstGeom prst="straightConnector1">
             <a:avLst/>
@@ -4063,17 +3328,18 @@
       </p:cxnSp>
       <p:cxnSp>
         <p:nvCxnSpPr>
-          <p:cNvPr id="61" name="Straight Arrow Connector 60"/>
+          <p:cNvPr id="20" name="Straight Arrow Connector 19"/>
           <p:cNvCxnSpPr>
-            <a:stCxn id="55" idx="5"/>
-            <a:endCxn id="57" idx="0"/>
+            <a:cxnSpLocks/>
+            <a:stCxn id="31" idx="5"/>
+            <a:endCxn id="21" idx="0"/>
           </p:cNvCxnSpPr>
           <p:nvPr/>
         </p:nvCxnSpPr>
         <p:spPr>
           <a:xfrm>
-            <a:off x="7905481" y="4354841"/>
-            <a:ext cx="482880" cy="573473"/>
+            <a:off x="4652652" y="2775214"/>
+            <a:ext cx="698443" cy="573473"/>
           </a:xfrm>
           <a:prstGeom prst="straightConnector1">
             <a:avLst/>
@@ -4102,51 +3368,19 @@
       </p:cxnSp>
       <p:sp>
         <p:nvSpPr>
-          <p:cNvPr id="62" name="TextBox 61"/>
-          <p:cNvSpPr txBox="1"/>
-          <p:nvPr/>
-        </p:nvSpPr>
-        <p:spPr>
-          <a:xfrm>
-            <a:off x="6688348" y="3676734"/>
-            <a:ext cx="579549" cy="584775"/>
-          </a:xfrm>
-          <a:prstGeom prst="rect">
-            <a:avLst/>
-          </a:prstGeom>
-          <a:noFill/>
-        </p:spPr>
-        <p:txBody>
-          <a:bodyPr wrap="square" rtlCol="0">
-            <a:spAutoFit/>
-          </a:bodyPr>
-          <a:lstStyle/>
-          <a:p>
-            <a:r>
-              <a:rPr lang="en-US" sz="3200" b="1" dirty="0" smtClean="0">
-                <a:solidFill>
-                  <a:srgbClr val="00B050"/>
-                </a:solidFill>
-              </a:rPr>
-              <a:t>E.</a:t>
-            </a:r>
-            <a:endParaRPr lang="en-US" sz="3200" b="1" dirty="0">
-              <a:solidFill>
-                <a:srgbClr val="00B050"/>
-              </a:solidFill>
-            </a:endParaRPr>
-          </a:p>
-        </p:txBody>
-      </p:sp>
-      <p:sp>
-        <p:nvSpPr>
-          <p:cNvPr id="65" name="Oval 64"/>
+          <p:cNvPr id="21" name="Oval 20">
+            <a:extLst>
+              <a:ext uri="{FF2B5EF4-FFF2-40B4-BE49-F238E27FC236}">
+                <a16:creationId xmlns:a16="http://schemas.microsoft.com/office/drawing/2014/main" id="{5C4BAF6C-6574-B14C-8EDE-0326B969963D}"/>
+              </a:ext>
+            </a:extLst>
+          </p:cNvPr>
           <p:cNvSpPr/>
           <p:nvPr/>
         </p:nvSpPr>
         <p:spPr>
           <a:xfrm>
-            <a:off x="3642414" y="3728251"/>
+            <a:off x="4977607" y="3348687"/>
             <a:ext cx="746975" cy="734096"/>
           </a:xfrm>
           <a:prstGeom prst="ellipse">
@@ -4181,30 +3415,31 @@
           <a:p>
             <a:pPr algn="ctr"/>
             <a:r>
-              <a:rPr lang="en-US" sz="2800" dirty="0" smtClean="0">
+              <a:rPr lang="en-US" sz="2800" dirty="0">
                 <a:solidFill>
                   <a:schemeClr val="tx1"/>
                 </a:solidFill>
               </a:rPr>
-              <a:t>1</a:t>
-            </a:r>
-            <a:endParaRPr lang="en-US" sz="2800" dirty="0">
-              <a:solidFill>
-                <a:schemeClr val="tx1"/>
-              </a:solidFill>
-            </a:endParaRPr>
-          </a:p>
-        </p:txBody>
-      </p:sp>
-      <p:sp>
-        <p:nvSpPr>
-          <p:cNvPr id="66" name="Oval 65"/>
+              <a:t>6</a:t>
+            </a:r>
+          </a:p>
+        </p:txBody>
+      </p:sp>
+      <p:sp>
+        <p:nvSpPr>
+          <p:cNvPr id="22" name="Oval 21">
+            <a:extLst>
+              <a:ext uri="{FF2B5EF4-FFF2-40B4-BE49-F238E27FC236}">
+                <a16:creationId xmlns:a16="http://schemas.microsoft.com/office/drawing/2014/main" id="{8BF5E9C1-7EE7-0442-8E6A-F6856F0D9B6E}"/>
+              </a:ext>
+            </a:extLst>
+          </p:cNvPr>
           <p:cNvSpPr/>
           <p:nvPr/>
         </p:nvSpPr>
         <p:spPr>
           <a:xfrm>
-            <a:off x="4389389" y="4928314"/>
+            <a:off x="5935239" y="4548750"/>
             <a:ext cx="746975" cy="734096"/>
           </a:xfrm>
           <a:prstGeom prst="ellipse">
@@ -4239,30 +3474,31 @@
           <a:p>
             <a:pPr algn="ctr"/>
             <a:r>
-              <a:rPr lang="en-US" sz="2800" dirty="0" smtClean="0">
+              <a:rPr lang="en-US" sz="2600" dirty="0">
                 <a:solidFill>
                   <a:schemeClr val="tx1"/>
                 </a:solidFill>
               </a:rPr>
-              <a:t>3</a:t>
-            </a:r>
-            <a:endParaRPr lang="en-US" sz="2800" dirty="0">
-              <a:solidFill>
-                <a:schemeClr val="tx1"/>
-              </a:solidFill>
-            </a:endParaRPr>
-          </a:p>
-        </p:txBody>
-      </p:sp>
-      <p:sp>
-        <p:nvSpPr>
-          <p:cNvPr id="67" name="Oval 66"/>
+              <a:t>11</a:t>
+            </a:r>
+          </a:p>
+        </p:txBody>
+      </p:sp>
+      <p:sp>
+        <p:nvSpPr>
+          <p:cNvPr id="25" name="Oval 24">
+            <a:extLst>
+              <a:ext uri="{FF2B5EF4-FFF2-40B4-BE49-F238E27FC236}">
+                <a16:creationId xmlns:a16="http://schemas.microsoft.com/office/drawing/2014/main" id="{37867916-8BF1-FA42-80CE-128DFB582C3D}"/>
+              </a:ext>
+            </a:extLst>
+          </p:cNvPr>
           <p:cNvSpPr/>
           <p:nvPr/>
         </p:nvSpPr>
         <p:spPr>
           <a:xfrm>
-            <a:off x="2895438" y="4928314"/>
+            <a:off x="4130808" y="4548750"/>
             <a:ext cx="746975" cy="734096"/>
           </a:xfrm>
           <a:prstGeom prst="ellipse">
@@ -4297,34 +3533,35 @@
           <a:p>
             <a:pPr algn="ctr"/>
             <a:r>
-              <a:rPr lang="en-US" sz="2800" dirty="0" smtClean="0">
+              <a:rPr lang="en-US" sz="2800" dirty="0">
                 <a:solidFill>
                   <a:schemeClr val="tx1"/>
                 </a:solidFill>
               </a:rPr>
-              <a:t>2</a:t>
-            </a:r>
-            <a:endParaRPr lang="en-US" sz="2800" dirty="0">
-              <a:solidFill>
-                <a:schemeClr val="tx1"/>
-              </a:solidFill>
-            </a:endParaRPr>
+              <a:t>5</a:t>
+            </a:r>
           </a:p>
         </p:txBody>
       </p:sp>
       <p:cxnSp>
         <p:nvCxnSpPr>
-          <p:cNvPr id="68" name="Straight Arrow Connector 67"/>
+          <p:cNvPr id="35" name="Straight Arrow Connector 34">
+            <a:extLst>
+              <a:ext uri="{FF2B5EF4-FFF2-40B4-BE49-F238E27FC236}">
+                <a16:creationId xmlns:a16="http://schemas.microsoft.com/office/drawing/2014/main" id="{5335AFF0-A57D-8A4C-86AC-8B80FB9551F2}"/>
+              </a:ext>
+            </a:extLst>
+          </p:cNvPr>
           <p:cNvCxnSpPr>
-            <a:stCxn id="65" idx="3"/>
-            <a:endCxn id="67" idx="0"/>
+            <a:stCxn id="21" idx="3"/>
+            <a:endCxn id="25" idx="0"/>
           </p:cNvCxnSpPr>
           <p:nvPr/>
         </p:nvCxnSpPr>
         <p:spPr>
           <a:xfrm flipH="1">
-            <a:off x="3268926" y="4354841"/>
-            <a:ext cx="482880" cy="573473"/>
+            <a:off x="4504296" y="3975277"/>
+            <a:ext cx="582703" cy="573473"/>
           </a:xfrm>
           <a:prstGeom prst="straightConnector1">
             <a:avLst/>
@@ -4353,17 +3590,23 @@
       </p:cxnSp>
       <p:cxnSp>
         <p:nvCxnSpPr>
-          <p:cNvPr id="69" name="Straight Arrow Connector 68"/>
+          <p:cNvPr id="40" name="Straight Arrow Connector 39">
+            <a:extLst>
+              <a:ext uri="{FF2B5EF4-FFF2-40B4-BE49-F238E27FC236}">
+                <a16:creationId xmlns:a16="http://schemas.microsoft.com/office/drawing/2014/main" id="{BAC2D585-1577-F14A-B223-6202592250DB}"/>
+              </a:ext>
+            </a:extLst>
+          </p:cNvPr>
           <p:cNvCxnSpPr>
-            <a:stCxn id="65" idx="5"/>
-            <a:endCxn id="66" idx="0"/>
+            <a:stCxn id="21" idx="5"/>
+            <a:endCxn id="22" idx="0"/>
           </p:cNvCxnSpPr>
           <p:nvPr/>
         </p:nvCxnSpPr>
         <p:spPr>
           <a:xfrm>
-            <a:off x="4279997" y="4354841"/>
-            <a:ext cx="482880" cy="573473"/>
+            <a:off x="5615190" y="3975277"/>
+            <a:ext cx="693537" cy="573473"/>
           </a:xfrm>
           <a:prstGeom prst="straightConnector1">
             <a:avLst/>
@@ -4392,55 +3635,141 @@
       </p:cxnSp>
       <p:sp>
         <p:nvSpPr>
-          <p:cNvPr id="70" name="TextBox 69"/>
-          <p:cNvSpPr txBox="1"/>
-          <p:nvPr/>
-        </p:nvSpPr>
-        <p:spPr>
-          <a:xfrm>
-            <a:off x="3062864" y="3676734"/>
-            <a:ext cx="579549" cy="584775"/>
-          </a:xfrm>
-          <a:prstGeom prst="rect">
+          <p:cNvPr id="41" name="Oval 40">
+            <a:extLst>
+              <a:ext uri="{FF2B5EF4-FFF2-40B4-BE49-F238E27FC236}">
+                <a16:creationId xmlns:a16="http://schemas.microsoft.com/office/drawing/2014/main" id="{9BB04498-4293-8C44-BDC0-3055A7240B51}"/>
+              </a:ext>
+            </a:extLst>
+          </p:cNvPr>
+          <p:cNvSpPr/>
+          <p:nvPr/>
+        </p:nvSpPr>
+        <p:spPr>
+          <a:xfrm>
+            <a:off x="8166596" y="3348687"/>
+            <a:ext cx="746975" cy="734096"/>
+          </a:xfrm>
+          <a:prstGeom prst="ellipse">
             <a:avLst/>
           </a:prstGeom>
           <a:noFill/>
-        </p:spPr>
-        <p:txBody>
-          <a:bodyPr wrap="square" rtlCol="0">
-            <a:spAutoFit/>
-          </a:bodyPr>
-          <a:lstStyle/>
-          <a:p>
-            <a:r>
-              <a:rPr lang="en-US" sz="3200" b="1" dirty="0" smtClean="0">
+          <a:ln w="28575">
+            <a:solidFill>
+              <a:schemeClr val="tx1"/>
+            </a:solidFill>
+          </a:ln>
+        </p:spPr>
+        <p:style>
+          <a:lnRef idx="2">
+            <a:schemeClr val="accent1">
+              <a:shade val="50000"/>
+            </a:schemeClr>
+          </a:lnRef>
+          <a:fillRef idx="1">
+            <a:schemeClr val="accent1"/>
+          </a:fillRef>
+          <a:effectRef idx="0">
+            <a:schemeClr val="accent1"/>
+          </a:effectRef>
+          <a:fontRef idx="minor">
+            <a:schemeClr val="lt1"/>
+          </a:fontRef>
+        </p:style>
+        <p:txBody>
+          <a:bodyPr rtlCol="0" anchor="ctr"/>
+          <a:lstStyle/>
+          <a:p>
+            <a:pPr algn="ctr"/>
+            <a:r>
+              <a:rPr lang="en-US" sz="2800" dirty="0">
                 <a:solidFill>
-                  <a:srgbClr val="00B050"/>
+                  <a:schemeClr val="tx1"/>
                 </a:solidFill>
               </a:rPr>
-              <a:t>D.</a:t>
-            </a:r>
-            <a:endParaRPr lang="en-US" sz="3200" b="1" dirty="0">
-              <a:solidFill>
-                <a:srgbClr val="00B050"/>
-              </a:solidFill>
-            </a:endParaRPr>
+              <a:t>9</a:t>
+            </a:r>
+          </a:p>
+        </p:txBody>
+      </p:sp>
+      <p:sp>
+        <p:nvSpPr>
+          <p:cNvPr id="42" name="Oval 41">
+            <a:extLst>
+              <a:ext uri="{FF2B5EF4-FFF2-40B4-BE49-F238E27FC236}">
+                <a16:creationId xmlns:a16="http://schemas.microsoft.com/office/drawing/2014/main" id="{38462406-77B4-9E4A-B9CE-C8604CAC18DD}"/>
+              </a:ext>
+            </a:extLst>
+          </p:cNvPr>
+          <p:cNvSpPr/>
+          <p:nvPr/>
+        </p:nvSpPr>
+        <p:spPr>
+          <a:xfrm>
+            <a:off x="7319797" y="4548750"/>
+            <a:ext cx="746975" cy="734096"/>
+          </a:xfrm>
+          <a:prstGeom prst="ellipse">
+            <a:avLst/>
+          </a:prstGeom>
+          <a:noFill/>
+          <a:ln w="28575">
+            <a:solidFill>
+              <a:schemeClr val="tx1"/>
+            </a:solidFill>
+          </a:ln>
+        </p:spPr>
+        <p:style>
+          <a:lnRef idx="2">
+            <a:schemeClr val="accent1">
+              <a:shade val="50000"/>
+            </a:schemeClr>
+          </a:lnRef>
+          <a:fillRef idx="1">
+            <a:schemeClr val="accent1"/>
+          </a:fillRef>
+          <a:effectRef idx="0">
+            <a:schemeClr val="accent1"/>
+          </a:effectRef>
+          <a:fontRef idx="minor">
+            <a:schemeClr val="lt1"/>
+          </a:fontRef>
+        </p:style>
+        <p:txBody>
+          <a:bodyPr rtlCol="0" anchor="ctr"/>
+          <a:lstStyle/>
+          <a:p>
+            <a:pPr algn="ctr"/>
+            <a:r>
+              <a:rPr lang="en-US" sz="2800" dirty="0">
+                <a:solidFill>
+                  <a:schemeClr val="tx1"/>
+                </a:solidFill>
+              </a:rPr>
+              <a:t>4</a:t>
+            </a:r>
           </a:p>
         </p:txBody>
       </p:sp>
       <p:cxnSp>
         <p:nvCxnSpPr>
-          <p:cNvPr id="71" name="Straight Arrow Connector 70"/>
+          <p:cNvPr id="43" name="Straight Arrow Connector 42">
+            <a:extLst>
+              <a:ext uri="{FF2B5EF4-FFF2-40B4-BE49-F238E27FC236}">
+                <a16:creationId xmlns:a16="http://schemas.microsoft.com/office/drawing/2014/main" id="{BD3FB09C-0BE0-4A4E-B4DA-90D1A55B3848}"/>
+              </a:ext>
+            </a:extLst>
+          </p:cNvPr>
           <p:cNvCxnSpPr>
-            <a:stCxn id="66" idx="2"/>
-            <a:endCxn id="67" idx="6"/>
+            <a:stCxn id="41" idx="3"/>
+            <a:endCxn id="42" idx="0"/>
           </p:cNvCxnSpPr>
           <p:nvPr/>
         </p:nvCxnSpPr>
         <p:spPr>
           <a:xfrm flipH="1">
-            <a:off x="3642413" y="5295362"/>
-            <a:ext cx="746976" cy="0"/>
+            <a:off x="7693285" y="3975277"/>
+            <a:ext cx="582703" cy="573473"/>
           </a:xfrm>
           <a:prstGeom prst="straightConnector1">
             <a:avLst/>
@@ -4470,7 +3799,7 @@
     </p:spTree>
     <p:extLst>
       <p:ext uri="{BB962C8B-B14F-4D97-AF65-F5344CB8AC3E}">
-        <p14:creationId xmlns:p14="http://schemas.microsoft.com/office/powerpoint/2010/main" val="1630744945"/>
+        <p14:creationId xmlns:p14="http://schemas.microsoft.com/office/powerpoint/2010/main" val="1561720316"/>
       </p:ext>
     </p:extLst>
   </p:cSld>
@@ -4540,18 +3869,13 @@
           <a:p>
             <a:pPr algn="ctr"/>
             <a:r>
-              <a:rPr lang="en-US" sz="2800" dirty="0" smtClean="0">
+              <a:rPr lang="en-US" sz="2800" dirty="0">
                 <a:solidFill>
                   <a:schemeClr val="tx1"/>
                 </a:solidFill>
               </a:rPr>
               <a:t>0</a:t>
             </a:r>
-            <a:endParaRPr lang="en-US" sz="2800" dirty="0">
-              <a:solidFill>
-                <a:schemeClr val="tx1"/>
-              </a:solidFill>
-            </a:endParaRPr>
           </a:p>
         </p:txBody>
       </p:sp>
@@ -4598,18 +3922,13 @@
           <a:p>
             <a:pPr algn="ctr"/>
             <a:r>
-              <a:rPr lang="en-US" sz="2800" dirty="0" smtClean="0">
+              <a:rPr lang="en-US" sz="2800" dirty="0">
                 <a:solidFill>
                   <a:schemeClr val="tx1"/>
                 </a:solidFill>
               </a:rPr>
               <a:t>2</a:t>
             </a:r>
-            <a:endParaRPr lang="en-US" sz="2800" dirty="0">
-              <a:solidFill>
-                <a:schemeClr val="tx1"/>
-              </a:solidFill>
-            </a:endParaRPr>
           </a:p>
         </p:txBody>
       </p:sp>
@@ -4656,18 +3975,13 @@
           <a:p>
             <a:pPr algn="ctr"/>
             <a:r>
-              <a:rPr lang="en-US" sz="2800" dirty="0" smtClean="0">
+              <a:rPr lang="en-US" sz="2800" dirty="0">
                 <a:solidFill>
                   <a:schemeClr val="tx1"/>
                 </a:solidFill>
               </a:rPr>
               <a:t>1</a:t>
             </a:r>
-            <a:endParaRPr lang="en-US" sz="2800" dirty="0">
-              <a:solidFill>
-                <a:schemeClr val="tx1"/>
-              </a:solidFill>
-            </a:endParaRPr>
           </a:p>
         </p:txBody>
       </p:sp>
@@ -4792,18 +4106,13 @@
           <a:p>
             <a:pPr algn="ctr"/>
             <a:r>
-              <a:rPr lang="en-US" sz="2800" dirty="0" smtClean="0">
+              <a:rPr lang="en-US" sz="2800" dirty="0">
                 <a:solidFill>
                   <a:schemeClr val="tx1"/>
                 </a:solidFill>
               </a:rPr>
               <a:t>6</a:t>
             </a:r>
-            <a:endParaRPr lang="en-US" sz="2800" dirty="0">
-              <a:solidFill>
-                <a:schemeClr val="tx1"/>
-              </a:solidFill>
-            </a:endParaRPr>
           </a:p>
         </p:txBody>
       </p:sp>
@@ -4850,18 +4159,13 @@
           <a:p>
             <a:pPr algn="ctr"/>
             <a:r>
-              <a:rPr lang="en-US" sz="2800" dirty="0" smtClean="0">
+              <a:rPr lang="en-US" sz="2800" dirty="0">
                 <a:solidFill>
                   <a:schemeClr val="tx1"/>
                 </a:solidFill>
               </a:rPr>
               <a:t>5</a:t>
             </a:r>
-            <a:endParaRPr lang="en-US" sz="2800" dirty="0">
-              <a:solidFill>
-                <a:schemeClr val="tx1"/>
-              </a:solidFill>
-            </a:endParaRPr>
           </a:p>
         </p:txBody>
       </p:sp>
@@ -4986,18 +4290,13 @@
           <a:p>
             <a:pPr algn="ctr"/>
             <a:r>
-              <a:rPr lang="en-US" sz="2800" dirty="0" smtClean="0">
+              <a:rPr lang="en-US" sz="2800" dirty="0">
                 <a:solidFill>
                   <a:schemeClr val="tx1"/>
                 </a:solidFill>
               </a:rPr>
               <a:t>4</a:t>
             </a:r>
-            <a:endParaRPr lang="en-US" sz="2800" dirty="0">
-              <a:solidFill>
-                <a:schemeClr val="tx1"/>
-              </a:solidFill>
-            </a:endParaRPr>
           </a:p>
         </p:txBody>
       </p:sp>
@@ -5044,18 +4343,13 @@
           <a:p>
             <a:pPr algn="ctr"/>
             <a:r>
-              <a:rPr lang="en-US" sz="2800" dirty="0" smtClean="0">
+              <a:rPr lang="en-US" sz="2800" dirty="0">
                 <a:solidFill>
                   <a:schemeClr val="tx1"/>
                 </a:solidFill>
               </a:rPr>
               <a:t>3</a:t>
             </a:r>
-            <a:endParaRPr lang="en-US" sz="2800" dirty="0">
-              <a:solidFill>
-                <a:schemeClr val="tx1"/>
-              </a:solidFill>
-            </a:endParaRPr>
           </a:p>
         </p:txBody>
       </p:sp>
@@ -5180,18 +4474,13 @@
           <a:p>
             <a:pPr algn="ctr"/>
             <a:r>
-              <a:rPr lang="en-US" sz="2800" dirty="0" smtClean="0">
+              <a:rPr lang="en-US" sz="2800" dirty="0">
                 <a:solidFill>
                   <a:schemeClr val="tx1"/>
                 </a:solidFill>
               </a:rPr>
               <a:t>7</a:t>
             </a:r>
-            <a:endParaRPr lang="en-US" sz="2800" dirty="0">
-              <a:solidFill>
-                <a:schemeClr val="tx1"/>
-              </a:solidFill>
-            </a:endParaRPr>
           </a:p>
         </p:txBody>
       </p:sp>
@@ -5277,18 +4566,13 @@
           <a:p>
             <a:pPr algn="ctr"/>
             <a:r>
-              <a:rPr lang="en-US" sz="2800" dirty="0" smtClean="0">
+              <a:rPr lang="en-US" sz="2800" dirty="0">
                 <a:solidFill>
                   <a:schemeClr val="tx1"/>
                 </a:solidFill>
               </a:rPr>
               <a:t>8</a:t>
             </a:r>
-            <a:endParaRPr lang="en-US" sz="2800" dirty="0">
-              <a:solidFill>
-                <a:schemeClr val="tx1"/>
-              </a:solidFill>
-            </a:endParaRPr>
           </a:p>
         </p:txBody>
       </p:sp>
@@ -5374,18 +4658,13 @@
           <a:p>
             <a:pPr algn="ctr"/>
             <a:r>
-              <a:rPr lang="en-US" sz="2800" dirty="0" smtClean="0">
+              <a:rPr lang="en-US" sz="2800" dirty="0">
                 <a:solidFill>
                   <a:schemeClr val="tx1"/>
                 </a:solidFill>
               </a:rPr>
               <a:t>9</a:t>
             </a:r>
-            <a:endParaRPr lang="en-US" sz="2800" dirty="0">
-              <a:solidFill>
-                <a:schemeClr val="tx1"/>
-              </a:solidFill>
-            </a:endParaRPr>
           </a:p>
         </p:txBody>
       </p:sp>
@@ -5460,13 +4739,13 @@
       </p:grpSpPr>
       <p:sp>
         <p:nvSpPr>
-          <p:cNvPr id="28" name="Oval 27"/>
+          <p:cNvPr id="4" name="Oval 3"/>
           <p:cNvSpPr/>
           <p:nvPr/>
         </p:nvSpPr>
         <p:spPr>
           <a:xfrm>
-            <a:off x="5280339" y="1553868"/>
+            <a:off x="5100033" y="1416675"/>
             <a:ext cx="746975" cy="734096"/>
           </a:xfrm>
           <a:prstGeom prst="ellipse">
@@ -5501,30 +4780,25 @@
           <a:p>
             <a:pPr algn="ctr"/>
             <a:r>
-              <a:rPr lang="en-US" sz="2800" dirty="0" smtClean="0">
+              <a:rPr lang="en-US" sz="2800" dirty="0">
                 <a:solidFill>
                   <a:schemeClr val="tx1"/>
                 </a:solidFill>
               </a:rPr>
               <a:t>1</a:t>
             </a:r>
-            <a:endParaRPr lang="en-US" sz="2800" dirty="0">
-              <a:solidFill>
-                <a:schemeClr val="tx1"/>
-              </a:solidFill>
-            </a:endParaRPr>
-          </a:p>
-        </p:txBody>
-      </p:sp>
-      <p:sp>
-        <p:nvSpPr>
-          <p:cNvPr id="29" name="Oval 28"/>
+          </a:p>
+        </p:txBody>
+      </p:sp>
+      <p:sp>
+        <p:nvSpPr>
+          <p:cNvPr id="5" name="Oval 4"/>
           <p:cNvSpPr/>
           <p:nvPr/>
         </p:nvSpPr>
         <p:spPr>
           <a:xfrm>
-            <a:off x="5282564" y="2753931"/>
+            <a:off x="6398653" y="1416675"/>
             <a:ext cx="746975" cy="734096"/>
           </a:xfrm>
           <a:prstGeom prst="ellipse">
@@ -5559,30 +4833,78 @@
           <a:p>
             <a:pPr algn="ctr"/>
             <a:r>
-              <a:rPr lang="en-US" sz="2800" dirty="0" smtClean="0">
+              <a:rPr lang="en-US" sz="2800" dirty="0">
+                <a:solidFill>
+                  <a:schemeClr val="tx1"/>
+                </a:solidFill>
+              </a:rPr>
+              <a:t>2</a:t>
+            </a:r>
+          </a:p>
+        </p:txBody>
+      </p:sp>
+      <p:sp>
+        <p:nvSpPr>
+          <p:cNvPr id="6" name="Oval 5"/>
+          <p:cNvSpPr/>
+          <p:nvPr/>
+        </p:nvSpPr>
+        <p:spPr>
+          <a:xfrm>
+            <a:off x="5100033" y="2638021"/>
+            <a:ext cx="746975" cy="734096"/>
+          </a:xfrm>
+          <a:prstGeom prst="ellipse">
+            <a:avLst/>
+          </a:prstGeom>
+          <a:noFill/>
+          <a:ln w="28575">
+            <a:solidFill>
+              <a:schemeClr val="tx1"/>
+            </a:solidFill>
+          </a:ln>
+        </p:spPr>
+        <p:style>
+          <a:lnRef idx="2">
+            <a:schemeClr val="accent1">
+              <a:shade val="50000"/>
+            </a:schemeClr>
+          </a:lnRef>
+          <a:fillRef idx="1">
+            <a:schemeClr val="accent1"/>
+          </a:fillRef>
+          <a:effectRef idx="0">
+            <a:schemeClr val="accent1"/>
+          </a:effectRef>
+          <a:fontRef idx="minor">
+            <a:schemeClr val="lt1"/>
+          </a:fontRef>
+        </p:style>
+        <p:txBody>
+          <a:bodyPr rtlCol="0" anchor="ctr"/>
+          <a:lstStyle/>
+          <a:p>
+            <a:pPr algn="ctr"/>
+            <a:r>
+              <a:rPr lang="en-US" sz="2800" dirty="0">
                 <a:solidFill>
                   <a:schemeClr val="tx1"/>
                 </a:solidFill>
               </a:rPr>
               <a:t>3</a:t>
             </a:r>
-            <a:endParaRPr lang="en-US" sz="2800" dirty="0">
-              <a:solidFill>
-                <a:schemeClr val="tx1"/>
-              </a:solidFill>
-            </a:endParaRPr>
-          </a:p>
-        </p:txBody>
-      </p:sp>
-      <p:sp>
-        <p:nvSpPr>
-          <p:cNvPr id="30" name="Oval 29"/>
+          </a:p>
+        </p:txBody>
+      </p:sp>
+      <p:sp>
+        <p:nvSpPr>
+          <p:cNvPr id="7" name="Oval 6"/>
           <p:cNvSpPr/>
           <p:nvPr/>
         </p:nvSpPr>
         <p:spPr>
           <a:xfrm>
-            <a:off x="6112179" y="2753931"/>
+            <a:off x="6398653" y="2638021"/>
             <a:ext cx="746975" cy="734096"/>
           </a:xfrm>
           <a:prstGeom prst="ellipse">
@@ -5617,30 +4939,175 @@
           <a:p>
             <a:pPr algn="ctr"/>
             <a:r>
-              <a:rPr lang="en-US" sz="2800" dirty="0" smtClean="0">
+              <a:rPr lang="en-US" sz="2800" dirty="0">
                 <a:solidFill>
                   <a:schemeClr val="tx1"/>
                 </a:solidFill>
               </a:rPr>
               <a:t>4</a:t>
             </a:r>
-            <a:endParaRPr lang="en-US" sz="2800" dirty="0">
-              <a:solidFill>
-                <a:schemeClr val="tx1"/>
-              </a:solidFill>
-            </a:endParaRPr>
-          </a:p>
-        </p:txBody>
-      </p:sp>
-      <p:sp>
-        <p:nvSpPr>
-          <p:cNvPr id="31" name="Oval 30"/>
+          </a:p>
+        </p:txBody>
+      </p:sp>
+      <p:cxnSp>
+        <p:nvCxnSpPr>
+          <p:cNvPr id="9" name="Straight Arrow Connector 8"/>
+          <p:cNvCxnSpPr>
+            <a:stCxn id="4" idx="6"/>
+            <a:endCxn id="5" idx="2"/>
+          </p:cNvCxnSpPr>
+          <p:nvPr/>
+        </p:nvCxnSpPr>
+        <p:spPr>
+          <a:xfrm>
+            <a:off x="5847008" y="1783723"/>
+            <a:ext cx="551645" cy="0"/>
+          </a:xfrm>
+          <a:prstGeom prst="straightConnector1">
+            <a:avLst/>
+          </a:prstGeom>
+          <a:ln w="28575">
+            <a:solidFill>
+              <a:schemeClr val="tx1"/>
+            </a:solidFill>
+            <a:tailEnd type="triangle"/>
+          </a:ln>
+        </p:spPr>
+        <p:style>
+          <a:lnRef idx="1">
+            <a:schemeClr val="accent1"/>
+          </a:lnRef>
+          <a:fillRef idx="0">
+            <a:schemeClr val="accent1"/>
+          </a:fillRef>
+          <a:effectRef idx="0">
+            <a:schemeClr val="accent1"/>
+          </a:effectRef>
+          <a:fontRef idx="minor">
+            <a:schemeClr val="tx1"/>
+          </a:fontRef>
+        </p:style>
+      </p:cxnSp>
+      <p:cxnSp>
+        <p:nvCxnSpPr>
+          <p:cNvPr id="10" name="Straight Arrow Connector 9"/>
+          <p:cNvCxnSpPr>
+            <a:stCxn id="4" idx="5"/>
+            <a:endCxn id="7" idx="1"/>
+          </p:cNvCxnSpPr>
+          <p:nvPr/>
+        </p:nvCxnSpPr>
+        <p:spPr>
+          <a:xfrm>
+            <a:off x="5737616" y="2043265"/>
+            <a:ext cx="770429" cy="702262"/>
+          </a:xfrm>
+          <a:prstGeom prst="straightConnector1">
+            <a:avLst/>
+          </a:prstGeom>
+          <a:ln w="28575">
+            <a:solidFill>
+              <a:schemeClr val="tx1"/>
+            </a:solidFill>
+            <a:tailEnd type="triangle"/>
+          </a:ln>
+        </p:spPr>
+        <p:style>
+          <a:lnRef idx="1">
+            <a:schemeClr val="accent1"/>
+          </a:lnRef>
+          <a:fillRef idx="0">
+            <a:schemeClr val="accent1"/>
+          </a:fillRef>
+          <a:effectRef idx="0">
+            <a:schemeClr val="accent1"/>
+          </a:effectRef>
+          <a:fontRef idx="minor">
+            <a:schemeClr val="tx1"/>
+          </a:fontRef>
+        </p:style>
+      </p:cxnSp>
+      <p:cxnSp>
+        <p:nvCxnSpPr>
+          <p:cNvPr id="13" name="Straight Arrow Connector 12"/>
+          <p:cNvCxnSpPr>
+            <a:stCxn id="5" idx="3"/>
+            <a:endCxn id="6" idx="7"/>
+          </p:cNvCxnSpPr>
+          <p:nvPr/>
+        </p:nvCxnSpPr>
+        <p:spPr>
+          <a:xfrm flipH="1">
+            <a:off x="5737616" y="2043265"/>
+            <a:ext cx="770429" cy="702262"/>
+          </a:xfrm>
+          <a:prstGeom prst="straightConnector1">
+            <a:avLst/>
+          </a:prstGeom>
+          <a:ln w="28575">
+            <a:solidFill>
+              <a:schemeClr val="tx1"/>
+            </a:solidFill>
+            <a:tailEnd type="triangle"/>
+          </a:ln>
+        </p:spPr>
+        <p:style>
+          <a:lnRef idx="1">
+            <a:schemeClr val="accent1"/>
+          </a:lnRef>
+          <a:fillRef idx="0">
+            <a:schemeClr val="accent1"/>
+          </a:fillRef>
+          <a:effectRef idx="0">
+            <a:schemeClr val="accent1"/>
+          </a:effectRef>
+          <a:fontRef idx="minor">
+            <a:schemeClr val="tx1"/>
+          </a:fontRef>
+        </p:style>
+      </p:cxnSp>
+      <p:sp>
+        <p:nvSpPr>
+          <p:cNvPr id="19" name="TextBox 18"/>
+          <p:cNvSpPr txBox="1"/>
+          <p:nvPr/>
+        </p:nvSpPr>
+        <p:spPr>
+          <a:xfrm>
+            <a:off x="4520483" y="1365158"/>
+            <a:ext cx="579549" cy="584775"/>
+          </a:xfrm>
+          <a:prstGeom prst="rect">
+            <a:avLst/>
+          </a:prstGeom>
+          <a:noFill/>
+        </p:spPr>
+        <p:txBody>
+          <a:bodyPr wrap="square" rtlCol="0">
+            <a:spAutoFit/>
+          </a:bodyPr>
+          <a:lstStyle/>
+          <a:p>
+            <a:r>
+              <a:rPr lang="en-US" sz="3200" b="1" dirty="0">
+                <a:solidFill>
+                  <a:srgbClr val="00B050"/>
+                </a:solidFill>
+              </a:rPr>
+              <a:t>B.</a:t>
+            </a:r>
+          </a:p>
+        </p:txBody>
+      </p:sp>
+      <p:sp>
+        <p:nvSpPr>
+          <p:cNvPr id="20" name="Oval 19"/>
           <p:cNvSpPr/>
           <p:nvPr/>
         </p:nvSpPr>
         <p:spPr>
           <a:xfrm>
-            <a:off x="4452949" y="2753931"/>
+            <a:off x="2612263" y="1437958"/>
             <a:ext cx="746975" cy="734096"/>
           </a:xfrm>
           <a:prstGeom prst="ellipse">
@@ -5675,18 +5142,258 @@
           <a:p>
             <a:pPr algn="ctr"/>
             <a:r>
-              <a:rPr lang="en-US" sz="2800" dirty="0" smtClean="0">
+              <a:rPr lang="en-US" sz="2800" dirty="0">
+                <a:solidFill>
+                  <a:schemeClr val="tx1"/>
+                </a:solidFill>
+              </a:rPr>
+              <a:t>1</a:t>
+            </a:r>
+          </a:p>
+        </p:txBody>
+      </p:sp>
+      <p:sp>
+        <p:nvSpPr>
+          <p:cNvPr id="27" name="TextBox 26"/>
+          <p:cNvSpPr txBox="1"/>
+          <p:nvPr/>
+        </p:nvSpPr>
+        <p:spPr>
+          <a:xfrm>
+            <a:off x="2032713" y="1386441"/>
+            <a:ext cx="579549" cy="584775"/>
+          </a:xfrm>
+          <a:prstGeom prst="rect">
+            <a:avLst/>
+          </a:prstGeom>
+          <a:noFill/>
+        </p:spPr>
+        <p:txBody>
+          <a:bodyPr wrap="square" rtlCol="0">
+            <a:spAutoFit/>
+          </a:bodyPr>
+          <a:lstStyle/>
+          <a:p>
+            <a:r>
+              <a:rPr lang="en-US" sz="3200" b="1" dirty="0">
+                <a:solidFill>
+                  <a:srgbClr val="00B050"/>
+                </a:solidFill>
+              </a:rPr>
+              <a:t>A.</a:t>
+            </a:r>
+          </a:p>
+        </p:txBody>
+      </p:sp>
+      <p:sp>
+        <p:nvSpPr>
+          <p:cNvPr id="28" name="Oval 27"/>
+          <p:cNvSpPr/>
+          <p:nvPr/>
+        </p:nvSpPr>
+        <p:spPr>
+          <a:xfrm>
+            <a:off x="8886423" y="1437958"/>
+            <a:ext cx="746975" cy="734096"/>
+          </a:xfrm>
+          <a:prstGeom prst="ellipse">
+            <a:avLst/>
+          </a:prstGeom>
+          <a:noFill/>
+          <a:ln w="28575">
+            <a:solidFill>
+              <a:schemeClr val="tx1"/>
+            </a:solidFill>
+          </a:ln>
+        </p:spPr>
+        <p:style>
+          <a:lnRef idx="2">
+            <a:schemeClr val="accent1">
+              <a:shade val="50000"/>
+            </a:schemeClr>
+          </a:lnRef>
+          <a:fillRef idx="1">
+            <a:schemeClr val="accent1"/>
+          </a:fillRef>
+          <a:effectRef idx="0">
+            <a:schemeClr val="accent1"/>
+          </a:effectRef>
+          <a:fontRef idx="minor">
+            <a:schemeClr val="lt1"/>
+          </a:fontRef>
+        </p:style>
+        <p:txBody>
+          <a:bodyPr rtlCol="0" anchor="ctr"/>
+          <a:lstStyle/>
+          <a:p>
+            <a:pPr algn="ctr"/>
+            <a:r>
+              <a:rPr lang="en-US" sz="2800" dirty="0">
+                <a:solidFill>
+                  <a:schemeClr val="tx1"/>
+                </a:solidFill>
+              </a:rPr>
+              <a:t>1</a:t>
+            </a:r>
+          </a:p>
+        </p:txBody>
+      </p:sp>
+      <p:sp>
+        <p:nvSpPr>
+          <p:cNvPr id="29" name="Oval 28"/>
+          <p:cNvSpPr/>
+          <p:nvPr/>
+        </p:nvSpPr>
+        <p:spPr>
+          <a:xfrm>
+            <a:off x="8888648" y="2638021"/>
+            <a:ext cx="746975" cy="734096"/>
+          </a:xfrm>
+          <a:prstGeom prst="ellipse">
+            <a:avLst/>
+          </a:prstGeom>
+          <a:noFill/>
+          <a:ln w="28575">
+            <a:solidFill>
+              <a:schemeClr val="tx1"/>
+            </a:solidFill>
+          </a:ln>
+        </p:spPr>
+        <p:style>
+          <a:lnRef idx="2">
+            <a:schemeClr val="accent1">
+              <a:shade val="50000"/>
+            </a:schemeClr>
+          </a:lnRef>
+          <a:fillRef idx="1">
+            <a:schemeClr val="accent1"/>
+          </a:fillRef>
+          <a:effectRef idx="0">
+            <a:schemeClr val="accent1"/>
+          </a:effectRef>
+          <a:fontRef idx="minor">
+            <a:schemeClr val="lt1"/>
+          </a:fontRef>
+        </p:style>
+        <p:txBody>
+          <a:bodyPr rtlCol="0" anchor="ctr"/>
+          <a:lstStyle/>
+          <a:p>
+            <a:pPr algn="ctr"/>
+            <a:r>
+              <a:rPr lang="en-US" sz="2800" dirty="0">
+                <a:solidFill>
+                  <a:schemeClr val="tx1"/>
+                </a:solidFill>
+              </a:rPr>
+              <a:t>3</a:t>
+            </a:r>
+          </a:p>
+        </p:txBody>
+      </p:sp>
+      <p:sp>
+        <p:nvSpPr>
+          <p:cNvPr id="30" name="Oval 29"/>
+          <p:cNvSpPr/>
+          <p:nvPr/>
+        </p:nvSpPr>
+        <p:spPr>
+          <a:xfrm>
+            <a:off x="9718263" y="2638021"/>
+            <a:ext cx="746975" cy="734096"/>
+          </a:xfrm>
+          <a:prstGeom prst="ellipse">
+            <a:avLst/>
+          </a:prstGeom>
+          <a:noFill/>
+          <a:ln w="28575">
+            <a:solidFill>
+              <a:schemeClr val="tx1"/>
+            </a:solidFill>
+          </a:ln>
+        </p:spPr>
+        <p:style>
+          <a:lnRef idx="2">
+            <a:schemeClr val="accent1">
+              <a:shade val="50000"/>
+            </a:schemeClr>
+          </a:lnRef>
+          <a:fillRef idx="1">
+            <a:schemeClr val="accent1"/>
+          </a:fillRef>
+          <a:effectRef idx="0">
+            <a:schemeClr val="accent1"/>
+          </a:effectRef>
+          <a:fontRef idx="minor">
+            <a:schemeClr val="lt1"/>
+          </a:fontRef>
+        </p:style>
+        <p:txBody>
+          <a:bodyPr rtlCol="0" anchor="ctr"/>
+          <a:lstStyle/>
+          <a:p>
+            <a:pPr algn="ctr"/>
+            <a:r>
+              <a:rPr lang="en-US" sz="2800" dirty="0">
+                <a:solidFill>
+                  <a:schemeClr val="tx1"/>
+                </a:solidFill>
+              </a:rPr>
+              <a:t>4</a:t>
+            </a:r>
+          </a:p>
+        </p:txBody>
+      </p:sp>
+      <p:sp>
+        <p:nvSpPr>
+          <p:cNvPr id="31" name="Oval 30"/>
+          <p:cNvSpPr/>
+          <p:nvPr/>
+        </p:nvSpPr>
+        <p:spPr>
+          <a:xfrm>
+            <a:off x="8059033" y="2638021"/>
+            <a:ext cx="746975" cy="734096"/>
+          </a:xfrm>
+          <a:prstGeom prst="ellipse">
+            <a:avLst/>
+          </a:prstGeom>
+          <a:noFill/>
+          <a:ln w="28575">
+            <a:solidFill>
+              <a:schemeClr val="tx1"/>
+            </a:solidFill>
+          </a:ln>
+        </p:spPr>
+        <p:style>
+          <a:lnRef idx="2">
+            <a:schemeClr val="accent1">
+              <a:shade val="50000"/>
+            </a:schemeClr>
+          </a:lnRef>
+          <a:fillRef idx="1">
+            <a:schemeClr val="accent1"/>
+          </a:fillRef>
+          <a:effectRef idx="0">
+            <a:schemeClr val="accent1"/>
+          </a:effectRef>
+          <a:fontRef idx="minor">
+            <a:schemeClr val="lt1"/>
+          </a:fontRef>
+        </p:style>
+        <p:txBody>
+          <a:bodyPr rtlCol="0" anchor="ctr"/>
+          <a:lstStyle/>
+          <a:p>
+            <a:pPr algn="ctr"/>
+            <a:r>
+              <a:rPr lang="en-US" sz="2800" dirty="0">
                 <a:solidFill>
                   <a:schemeClr val="tx1"/>
                 </a:solidFill>
               </a:rPr>
               <a:t>2</a:t>
             </a:r>
-            <a:endParaRPr lang="en-US" sz="2800" dirty="0">
-              <a:solidFill>
-                <a:schemeClr val="tx1"/>
-              </a:solidFill>
-            </a:endParaRPr>
           </a:p>
         </p:txBody>
       </p:sp>
@@ -5701,7 +5408,7 @@
         </p:nvCxnSpPr>
         <p:spPr>
           <a:xfrm>
-            <a:off x="5653827" y="2287964"/>
+            <a:off x="9259911" y="2172054"/>
             <a:ext cx="2225" cy="465967"/>
           </a:xfrm>
           <a:prstGeom prst="straightConnector1">
@@ -5740,7 +5447,7 @@
         </p:nvCxnSpPr>
         <p:spPr>
           <a:xfrm flipH="1">
-            <a:off x="4826437" y="2180458"/>
+            <a:off x="8432521" y="2064548"/>
             <a:ext cx="563294" cy="573473"/>
           </a:xfrm>
           <a:prstGeom prst="straightConnector1">
@@ -5779,7 +5486,7 @@
         </p:nvCxnSpPr>
         <p:spPr>
           <a:xfrm>
-            <a:off x="5917922" y="2180458"/>
+            <a:off x="9524006" y="2064548"/>
             <a:ext cx="567745" cy="573473"/>
           </a:xfrm>
           <a:prstGeom prst="straightConnector1">
@@ -5809,13 +5516,46 @@
       </p:cxnSp>
       <p:sp>
         <p:nvSpPr>
-          <p:cNvPr id="36" name="Oval 35"/>
+          <p:cNvPr id="35" name="TextBox 34"/>
+          <p:cNvSpPr txBox="1"/>
+          <p:nvPr/>
+        </p:nvSpPr>
+        <p:spPr>
+          <a:xfrm>
+            <a:off x="8306873" y="1386441"/>
+            <a:ext cx="579549" cy="584775"/>
+          </a:xfrm>
+          <a:prstGeom prst="rect">
+            <a:avLst/>
+          </a:prstGeom>
+          <a:noFill/>
+        </p:spPr>
+        <p:txBody>
+          <a:bodyPr wrap="square" rtlCol="0">
+            <a:spAutoFit/>
+          </a:bodyPr>
+          <a:lstStyle/>
+          <a:p>
+            <a:r>
+              <a:rPr lang="en-US" sz="3200" b="1" dirty="0">
+                <a:solidFill>
+                  <a:srgbClr val="00B050"/>
+                </a:solidFill>
+              </a:rPr>
+              <a:t>C.</a:t>
+            </a:r>
+          </a:p>
+        </p:txBody>
+      </p:sp>
+      <p:sp>
+        <p:nvSpPr>
+          <p:cNvPr id="55" name="Oval 54"/>
           <p:cNvSpPr/>
           <p:nvPr/>
         </p:nvSpPr>
         <p:spPr>
           <a:xfrm>
-            <a:off x="6555510" y="3953994"/>
+            <a:off x="7267898" y="3728251"/>
             <a:ext cx="746975" cy="734096"/>
           </a:xfrm>
           <a:prstGeom prst="ellipse">
@@ -5850,30 +5590,25 @@
           <a:p>
             <a:pPr algn="ctr"/>
             <a:r>
-              <a:rPr lang="en-US" sz="2800" dirty="0" smtClean="0">
+              <a:rPr lang="en-US" sz="2800" dirty="0">
                 <a:solidFill>
                   <a:schemeClr val="tx1"/>
                 </a:solidFill>
               </a:rPr>
-              <a:t>6</a:t>
-            </a:r>
-            <a:endParaRPr lang="en-US" sz="2800" dirty="0">
-              <a:solidFill>
-                <a:schemeClr val="tx1"/>
-              </a:solidFill>
-            </a:endParaRPr>
-          </a:p>
-        </p:txBody>
-      </p:sp>
-      <p:sp>
-        <p:nvSpPr>
-          <p:cNvPr id="37" name="Oval 36"/>
+              <a:t>1</a:t>
+            </a:r>
+          </a:p>
+        </p:txBody>
+      </p:sp>
+      <p:sp>
+        <p:nvSpPr>
+          <p:cNvPr id="57" name="Oval 56"/>
           <p:cNvSpPr/>
           <p:nvPr/>
         </p:nvSpPr>
         <p:spPr>
           <a:xfrm>
-            <a:off x="5685148" y="3953994"/>
+            <a:off x="8014873" y="4928314"/>
             <a:ext cx="746975" cy="734096"/>
           </a:xfrm>
           <a:prstGeom prst="ellipse">
@@ -5908,34 +5643,82 @@
           <a:p>
             <a:pPr algn="ctr"/>
             <a:r>
-              <a:rPr lang="en-US" sz="2800" dirty="0" smtClean="0">
+              <a:rPr lang="en-US" sz="2800" dirty="0">
                 <a:solidFill>
                   <a:schemeClr val="tx1"/>
                 </a:solidFill>
               </a:rPr>
-              <a:t>5</a:t>
-            </a:r>
-            <a:endParaRPr lang="en-US" sz="2800" dirty="0">
-              <a:solidFill>
-                <a:schemeClr val="tx1"/>
-              </a:solidFill>
-            </a:endParaRPr>
+              <a:t>3</a:t>
+            </a:r>
+          </a:p>
+        </p:txBody>
+      </p:sp>
+      <p:sp>
+        <p:nvSpPr>
+          <p:cNvPr id="58" name="Oval 57"/>
+          <p:cNvSpPr/>
+          <p:nvPr/>
+        </p:nvSpPr>
+        <p:spPr>
+          <a:xfrm>
+            <a:off x="6520922" y="4928314"/>
+            <a:ext cx="746975" cy="734096"/>
+          </a:xfrm>
+          <a:prstGeom prst="ellipse">
+            <a:avLst/>
+          </a:prstGeom>
+          <a:noFill/>
+          <a:ln w="28575">
+            <a:solidFill>
+              <a:schemeClr val="tx1"/>
+            </a:solidFill>
+          </a:ln>
+        </p:spPr>
+        <p:style>
+          <a:lnRef idx="2">
+            <a:schemeClr val="accent1">
+              <a:shade val="50000"/>
+            </a:schemeClr>
+          </a:lnRef>
+          <a:fillRef idx="1">
+            <a:schemeClr val="accent1"/>
+          </a:fillRef>
+          <a:effectRef idx="0">
+            <a:schemeClr val="accent1"/>
+          </a:effectRef>
+          <a:fontRef idx="minor">
+            <a:schemeClr val="lt1"/>
+          </a:fontRef>
+        </p:style>
+        <p:txBody>
+          <a:bodyPr rtlCol="0" anchor="ctr"/>
+          <a:lstStyle/>
+          <a:p>
+            <a:pPr algn="ctr"/>
+            <a:r>
+              <a:rPr lang="en-US" sz="2800" dirty="0">
+                <a:solidFill>
+                  <a:schemeClr val="tx1"/>
+                </a:solidFill>
+              </a:rPr>
+              <a:t>2</a:t>
+            </a:r>
           </a:p>
         </p:txBody>
       </p:sp>
       <p:cxnSp>
         <p:nvCxnSpPr>
-          <p:cNvPr id="38" name="Straight Arrow Connector 37"/>
+          <p:cNvPr id="60" name="Straight Arrow Connector 59"/>
           <p:cNvCxnSpPr>
-            <a:stCxn id="30" idx="3"/>
-            <a:endCxn id="37" idx="0"/>
+            <a:stCxn id="55" idx="3"/>
+            <a:endCxn id="58" idx="0"/>
           </p:cNvCxnSpPr>
           <p:nvPr/>
         </p:nvCxnSpPr>
         <p:spPr>
           <a:xfrm flipH="1">
-            <a:off x="6058636" y="3380521"/>
-            <a:ext cx="162935" cy="573473"/>
+            <a:off x="6894410" y="4354841"/>
+            <a:ext cx="482880" cy="573473"/>
           </a:xfrm>
           <a:prstGeom prst="straightConnector1">
             <a:avLst/>
@@ -5964,17 +5747,359 @@
       </p:cxnSp>
       <p:cxnSp>
         <p:nvCxnSpPr>
-          <p:cNvPr id="39" name="Straight Arrow Connector 38"/>
+          <p:cNvPr id="61" name="Straight Arrow Connector 60"/>
           <p:cNvCxnSpPr>
-            <a:stCxn id="30" idx="5"/>
-            <a:endCxn id="36" idx="0"/>
+            <a:stCxn id="55" idx="5"/>
+            <a:endCxn id="57" idx="0"/>
           </p:cNvCxnSpPr>
           <p:nvPr/>
         </p:nvCxnSpPr>
         <p:spPr>
           <a:xfrm>
-            <a:off x="6749762" y="3380521"/>
-            <a:ext cx="179236" cy="573473"/>
+            <a:off x="7905481" y="4354841"/>
+            <a:ext cx="482880" cy="573473"/>
+          </a:xfrm>
+          <a:prstGeom prst="straightConnector1">
+            <a:avLst/>
+          </a:prstGeom>
+          <a:ln w="28575">
+            <a:solidFill>
+              <a:schemeClr val="tx1"/>
+            </a:solidFill>
+            <a:tailEnd type="triangle"/>
+          </a:ln>
+        </p:spPr>
+        <p:style>
+          <a:lnRef idx="1">
+            <a:schemeClr val="accent1"/>
+          </a:lnRef>
+          <a:fillRef idx="0">
+            <a:schemeClr val="accent1"/>
+          </a:fillRef>
+          <a:effectRef idx="0">
+            <a:schemeClr val="accent1"/>
+          </a:effectRef>
+          <a:fontRef idx="minor">
+            <a:schemeClr val="tx1"/>
+          </a:fontRef>
+        </p:style>
+      </p:cxnSp>
+      <p:sp>
+        <p:nvSpPr>
+          <p:cNvPr id="62" name="TextBox 61"/>
+          <p:cNvSpPr txBox="1"/>
+          <p:nvPr/>
+        </p:nvSpPr>
+        <p:spPr>
+          <a:xfrm>
+            <a:off x="6688348" y="3676734"/>
+            <a:ext cx="579549" cy="584775"/>
+          </a:xfrm>
+          <a:prstGeom prst="rect">
+            <a:avLst/>
+          </a:prstGeom>
+          <a:noFill/>
+        </p:spPr>
+        <p:txBody>
+          <a:bodyPr wrap="square" rtlCol="0">
+            <a:spAutoFit/>
+          </a:bodyPr>
+          <a:lstStyle/>
+          <a:p>
+            <a:r>
+              <a:rPr lang="en-US" sz="3200" b="1" dirty="0">
+                <a:solidFill>
+                  <a:srgbClr val="00B050"/>
+                </a:solidFill>
+              </a:rPr>
+              <a:t>E.</a:t>
+            </a:r>
+          </a:p>
+        </p:txBody>
+      </p:sp>
+      <p:sp>
+        <p:nvSpPr>
+          <p:cNvPr id="65" name="Oval 64"/>
+          <p:cNvSpPr/>
+          <p:nvPr/>
+        </p:nvSpPr>
+        <p:spPr>
+          <a:xfrm>
+            <a:off x="3642414" y="3728251"/>
+            <a:ext cx="746975" cy="734096"/>
+          </a:xfrm>
+          <a:prstGeom prst="ellipse">
+            <a:avLst/>
+          </a:prstGeom>
+          <a:noFill/>
+          <a:ln w="28575">
+            <a:solidFill>
+              <a:schemeClr val="tx1"/>
+            </a:solidFill>
+          </a:ln>
+        </p:spPr>
+        <p:style>
+          <a:lnRef idx="2">
+            <a:schemeClr val="accent1">
+              <a:shade val="50000"/>
+            </a:schemeClr>
+          </a:lnRef>
+          <a:fillRef idx="1">
+            <a:schemeClr val="accent1"/>
+          </a:fillRef>
+          <a:effectRef idx="0">
+            <a:schemeClr val="accent1"/>
+          </a:effectRef>
+          <a:fontRef idx="minor">
+            <a:schemeClr val="lt1"/>
+          </a:fontRef>
+        </p:style>
+        <p:txBody>
+          <a:bodyPr rtlCol="0" anchor="ctr"/>
+          <a:lstStyle/>
+          <a:p>
+            <a:pPr algn="ctr"/>
+            <a:r>
+              <a:rPr lang="en-US" sz="2800" dirty="0">
+                <a:solidFill>
+                  <a:schemeClr val="tx1"/>
+                </a:solidFill>
+              </a:rPr>
+              <a:t>1</a:t>
+            </a:r>
+          </a:p>
+        </p:txBody>
+      </p:sp>
+      <p:sp>
+        <p:nvSpPr>
+          <p:cNvPr id="66" name="Oval 65"/>
+          <p:cNvSpPr/>
+          <p:nvPr/>
+        </p:nvSpPr>
+        <p:spPr>
+          <a:xfrm>
+            <a:off x="4389389" y="4928314"/>
+            <a:ext cx="746975" cy="734096"/>
+          </a:xfrm>
+          <a:prstGeom prst="ellipse">
+            <a:avLst/>
+          </a:prstGeom>
+          <a:noFill/>
+          <a:ln w="28575">
+            <a:solidFill>
+              <a:schemeClr val="tx1"/>
+            </a:solidFill>
+          </a:ln>
+        </p:spPr>
+        <p:style>
+          <a:lnRef idx="2">
+            <a:schemeClr val="accent1">
+              <a:shade val="50000"/>
+            </a:schemeClr>
+          </a:lnRef>
+          <a:fillRef idx="1">
+            <a:schemeClr val="accent1"/>
+          </a:fillRef>
+          <a:effectRef idx="0">
+            <a:schemeClr val="accent1"/>
+          </a:effectRef>
+          <a:fontRef idx="minor">
+            <a:schemeClr val="lt1"/>
+          </a:fontRef>
+        </p:style>
+        <p:txBody>
+          <a:bodyPr rtlCol="0" anchor="ctr"/>
+          <a:lstStyle/>
+          <a:p>
+            <a:pPr algn="ctr"/>
+            <a:r>
+              <a:rPr lang="en-US" sz="2800" dirty="0">
+                <a:solidFill>
+                  <a:schemeClr val="tx1"/>
+                </a:solidFill>
+              </a:rPr>
+              <a:t>3</a:t>
+            </a:r>
+          </a:p>
+        </p:txBody>
+      </p:sp>
+      <p:sp>
+        <p:nvSpPr>
+          <p:cNvPr id="67" name="Oval 66"/>
+          <p:cNvSpPr/>
+          <p:nvPr/>
+        </p:nvSpPr>
+        <p:spPr>
+          <a:xfrm>
+            <a:off x="2895438" y="4928314"/>
+            <a:ext cx="746975" cy="734096"/>
+          </a:xfrm>
+          <a:prstGeom prst="ellipse">
+            <a:avLst/>
+          </a:prstGeom>
+          <a:noFill/>
+          <a:ln w="28575">
+            <a:solidFill>
+              <a:schemeClr val="tx1"/>
+            </a:solidFill>
+          </a:ln>
+        </p:spPr>
+        <p:style>
+          <a:lnRef idx="2">
+            <a:schemeClr val="accent1">
+              <a:shade val="50000"/>
+            </a:schemeClr>
+          </a:lnRef>
+          <a:fillRef idx="1">
+            <a:schemeClr val="accent1"/>
+          </a:fillRef>
+          <a:effectRef idx="0">
+            <a:schemeClr val="accent1"/>
+          </a:effectRef>
+          <a:fontRef idx="minor">
+            <a:schemeClr val="lt1"/>
+          </a:fontRef>
+        </p:style>
+        <p:txBody>
+          <a:bodyPr rtlCol="0" anchor="ctr"/>
+          <a:lstStyle/>
+          <a:p>
+            <a:pPr algn="ctr"/>
+            <a:r>
+              <a:rPr lang="en-US" sz="2800" dirty="0">
+                <a:solidFill>
+                  <a:schemeClr val="tx1"/>
+                </a:solidFill>
+              </a:rPr>
+              <a:t>2</a:t>
+            </a:r>
+          </a:p>
+        </p:txBody>
+      </p:sp>
+      <p:cxnSp>
+        <p:nvCxnSpPr>
+          <p:cNvPr id="68" name="Straight Arrow Connector 67"/>
+          <p:cNvCxnSpPr>
+            <a:stCxn id="65" idx="3"/>
+            <a:endCxn id="67" idx="0"/>
+          </p:cNvCxnSpPr>
+          <p:nvPr/>
+        </p:nvCxnSpPr>
+        <p:spPr>
+          <a:xfrm flipH="1">
+            <a:off x="3268926" y="4354841"/>
+            <a:ext cx="482880" cy="573473"/>
+          </a:xfrm>
+          <a:prstGeom prst="straightConnector1">
+            <a:avLst/>
+          </a:prstGeom>
+          <a:ln w="28575">
+            <a:solidFill>
+              <a:schemeClr val="tx1"/>
+            </a:solidFill>
+            <a:tailEnd type="triangle"/>
+          </a:ln>
+        </p:spPr>
+        <p:style>
+          <a:lnRef idx="1">
+            <a:schemeClr val="accent1"/>
+          </a:lnRef>
+          <a:fillRef idx="0">
+            <a:schemeClr val="accent1"/>
+          </a:fillRef>
+          <a:effectRef idx="0">
+            <a:schemeClr val="accent1"/>
+          </a:effectRef>
+          <a:fontRef idx="minor">
+            <a:schemeClr val="tx1"/>
+          </a:fontRef>
+        </p:style>
+      </p:cxnSp>
+      <p:cxnSp>
+        <p:nvCxnSpPr>
+          <p:cNvPr id="69" name="Straight Arrow Connector 68"/>
+          <p:cNvCxnSpPr>
+            <a:stCxn id="65" idx="5"/>
+            <a:endCxn id="66" idx="0"/>
+          </p:cNvCxnSpPr>
+          <p:nvPr/>
+        </p:nvCxnSpPr>
+        <p:spPr>
+          <a:xfrm>
+            <a:off x="4279997" y="4354841"/>
+            <a:ext cx="482880" cy="573473"/>
+          </a:xfrm>
+          <a:prstGeom prst="straightConnector1">
+            <a:avLst/>
+          </a:prstGeom>
+          <a:ln w="28575">
+            <a:solidFill>
+              <a:schemeClr val="tx1"/>
+            </a:solidFill>
+            <a:tailEnd type="triangle"/>
+          </a:ln>
+        </p:spPr>
+        <p:style>
+          <a:lnRef idx="1">
+            <a:schemeClr val="accent1"/>
+          </a:lnRef>
+          <a:fillRef idx="0">
+            <a:schemeClr val="accent1"/>
+          </a:fillRef>
+          <a:effectRef idx="0">
+            <a:schemeClr val="accent1"/>
+          </a:effectRef>
+          <a:fontRef idx="minor">
+            <a:schemeClr val="tx1"/>
+          </a:fontRef>
+        </p:style>
+      </p:cxnSp>
+      <p:sp>
+        <p:nvSpPr>
+          <p:cNvPr id="70" name="TextBox 69"/>
+          <p:cNvSpPr txBox="1"/>
+          <p:nvPr/>
+        </p:nvSpPr>
+        <p:spPr>
+          <a:xfrm>
+            <a:off x="3062864" y="3676734"/>
+            <a:ext cx="579549" cy="584775"/>
+          </a:xfrm>
+          <a:prstGeom prst="rect">
+            <a:avLst/>
+          </a:prstGeom>
+          <a:noFill/>
+        </p:spPr>
+        <p:txBody>
+          <a:bodyPr wrap="square" rtlCol="0">
+            <a:spAutoFit/>
+          </a:bodyPr>
+          <a:lstStyle/>
+          <a:p>
+            <a:r>
+              <a:rPr lang="en-US" sz="3200" b="1" dirty="0">
+                <a:solidFill>
+                  <a:srgbClr val="00B050"/>
+                </a:solidFill>
+              </a:rPr>
+              <a:t>D.</a:t>
+            </a:r>
+          </a:p>
+        </p:txBody>
+      </p:sp>
+      <p:cxnSp>
+        <p:nvCxnSpPr>
+          <p:cNvPr id="71" name="Straight Arrow Connector 70"/>
+          <p:cNvCxnSpPr>
+            <a:stCxn id="66" idx="2"/>
+            <a:endCxn id="67" idx="6"/>
+          </p:cNvCxnSpPr>
+          <p:nvPr/>
+        </p:nvCxnSpPr>
+        <p:spPr>
+          <a:xfrm flipH="1">
+            <a:off x="3642413" y="5295362"/>
+            <a:ext cx="746976" cy="0"/>
           </a:xfrm>
           <a:prstGeom prst="straightConnector1">
             <a:avLst/>
@@ -6004,7 +6129,7 @@
     </p:spTree>
     <p:extLst>
       <p:ext uri="{BB962C8B-B14F-4D97-AF65-F5344CB8AC3E}">
-        <p14:creationId xmlns:p14="http://schemas.microsoft.com/office/powerpoint/2010/main" val="3374474135"/>
+        <p14:creationId xmlns:p14="http://schemas.microsoft.com/office/powerpoint/2010/main" val="1630744945"/>
       </p:ext>
     </p:extLst>
   </p:cSld>
@@ -6039,7 +6164,7 @@
         </p:nvSpPr>
         <p:spPr>
           <a:xfrm>
-            <a:off x="4649274" y="2687209"/>
+            <a:off x="5280339" y="1553868"/>
             <a:ext cx="746975" cy="734096"/>
           </a:xfrm>
           <a:prstGeom prst="ellipse">
@@ -6074,18 +6199,13 @@
           <a:p>
             <a:pPr algn="ctr"/>
             <a:r>
-              <a:rPr lang="en-US" sz="2800" dirty="0" smtClean="0">
+              <a:rPr lang="en-US" sz="2800" dirty="0">
                 <a:solidFill>
                   <a:schemeClr val="tx1"/>
                 </a:solidFill>
               </a:rPr>
               <a:t>1</a:t>
             </a:r>
-            <a:endParaRPr lang="en-US" sz="2800" dirty="0">
-              <a:solidFill>
-                <a:schemeClr val="tx1"/>
-              </a:solidFill>
-            </a:endParaRPr>
           </a:p>
         </p:txBody>
       </p:sp>
@@ -6097,7 +6217,7 @@
         </p:nvSpPr>
         <p:spPr>
           <a:xfrm>
-            <a:off x="3783248" y="3643463"/>
+            <a:off x="5282564" y="2753931"/>
             <a:ext cx="746975" cy="734096"/>
           </a:xfrm>
           <a:prstGeom prst="ellipse">
@@ -6132,18 +6252,13 @@
           <a:p>
             <a:pPr algn="ctr"/>
             <a:r>
-              <a:rPr lang="en-US" sz="2800" dirty="0" smtClean="0">
+              <a:rPr lang="en-US" sz="2800" dirty="0">
                 <a:solidFill>
                   <a:schemeClr val="tx1"/>
                 </a:solidFill>
               </a:rPr>
               <a:t>3</a:t>
             </a:r>
-            <a:endParaRPr lang="en-US" sz="2800" dirty="0">
-              <a:solidFill>
-                <a:schemeClr val="tx1"/>
-              </a:solidFill>
-            </a:endParaRPr>
           </a:p>
         </p:txBody>
       </p:sp>
@@ -6155,7 +6270,7 @@
         </p:nvSpPr>
         <p:spPr>
           <a:xfrm>
-            <a:off x="6292647" y="2678622"/>
+            <a:off x="6112179" y="2753931"/>
             <a:ext cx="746975" cy="734096"/>
           </a:xfrm>
           <a:prstGeom prst="ellipse">
@@ -6190,18 +6305,13 @@
           <a:p>
             <a:pPr algn="ctr"/>
             <a:r>
-              <a:rPr lang="en-US" sz="2800" dirty="0" smtClean="0">
+              <a:rPr lang="en-US" sz="2800" dirty="0">
                 <a:solidFill>
                   <a:schemeClr val="tx1"/>
                 </a:solidFill>
               </a:rPr>
               <a:t>4</a:t>
             </a:r>
-            <a:endParaRPr lang="en-US" sz="2800" dirty="0">
-              <a:solidFill>
-                <a:schemeClr val="tx1"/>
-              </a:solidFill>
-            </a:endParaRPr>
           </a:p>
         </p:txBody>
       </p:sp>
@@ -6213,7 +6323,7 @@
         </p:nvSpPr>
         <p:spPr>
           <a:xfrm>
-            <a:off x="3783248" y="1775137"/>
+            <a:off x="4452949" y="2753931"/>
             <a:ext cx="746975" cy="734096"/>
           </a:xfrm>
           <a:prstGeom prst="ellipse">
@@ -6248,18 +6358,13 @@
           <a:p>
             <a:pPr algn="ctr"/>
             <a:r>
-              <a:rPr lang="en-US" sz="2800" dirty="0" smtClean="0">
+              <a:rPr lang="en-US" sz="2800" dirty="0">
                 <a:solidFill>
                   <a:schemeClr val="tx1"/>
                 </a:solidFill>
               </a:rPr>
               <a:t>2</a:t>
             </a:r>
-            <a:endParaRPr lang="en-US" sz="2800" dirty="0">
-              <a:solidFill>
-                <a:schemeClr val="tx1"/>
-              </a:solidFill>
-            </a:endParaRPr>
           </a:p>
         </p:txBody>
       </p:sp>
@@ -6267,15 +6372,15 @@
         <p:nvCxnSpPr>
           <p:cNvPr id="32" name="Straight Arrow Connector 31"/>
           <p:cNvCxnSpPr>
-            <a:stCxn id="28" idx="3"/>
-            <a:endCxn id="29" idx="7"/>
+            <a:stCxn id="28" idx="4"/>
+            <a:endCxn id="29" idx="0"/>
           </p:cNvCxnSpPr>
           <p:nvPr/>
         </p:nvCxnSpPr>
         <p:spPr>
-          <a:xfrm flipH="1">
-            <a:off x="4420831" y="3313799"/>
-            <a:ext cx="337835" cy="437170"/>
+          <a:xfrm>
+            <a:off x="5653827" y="2287964"/>
+            <a:ext cx="2225" cy="465967"/>
           </a:xfrm>
           <a:prstGeom prst="straightConnector1">
             <a:avLst/>
@@ -6284,7 +6389,7 @@
             <a:solidFill>
               <a:schemeClr val="tx1"/>
             </a:solidFill>
-            <a:tailEnd type="none"/>
+            <a:tailEnd type="triangle"/>
           </a:ln>
         </p:spPr>
         <p:style>
@@ -6306,15 +6411,15 @@
         <p:nvCxnSpPr>
           <p:cNvPr id="33" name="Straight Arrow Connector 32"/>
           <p:cNvCxnSpPr>
-            <a:stCxn id="28" idx="1"/>
-            <a:endCxn id="31" idx="5"/>
+            <a:stCxn id="28" idx="3"/>
+            <a:endCxn id="31" idx="0"/>
           </p:cNvCxnSpPr>
           <p:nvPr/>
         </p:nvCxnSpPr>
         <p:spPr>
-          <a:xfrm flipH="1" flipV="1">
-            <a:off x="4420831" y="2401727"/>
-            <a:ext cx="337835" cy="392988"/>
+          <a:xfrm flipH="1">
+            <a:off x="4826437" y="2180458"/>
+            <a:ext cx="563294" cy="573473"/>
           </a:xfrm>
           <a:prstGeom prst="straightConnector1">
             <a:avLst/>
@@ -6323,7 +6428,7 @@
             <a:solidFill>
               <a:schemeClr val="tx1"/>
             </a:solidFill>
-            <a:tailEnd type="none"/>
+            <a:tailEnd type="triangle"/>
           </a:ln>
         </p:spPr>
         <p:style>
@@ -6345,15 +6450,15 @@
         <p:nvCxnSpPr>
           <p:cNvPr id="34" name="Straight Arrow Connector 33"/>
           <p:cNvCxnSpPr>
-            <a:stCxn id="28" idx="6"/>
-            <a:endCxn id="30" idx="2"/>
+            <a:stCxn id="28" idx="5"/>
+            <a:endCxn id="30" idx="0"/>
           </p:cNvCxnSpPr>
           <p:nvPr/>
         </p:nvCxnSpPr>
         <p:spPr>
-          <a:xfrm flipV="1">
-            <a:off x="5396249" y="3045670"/>
-            <a:ext cx="896398" cy="8587"/>
+          <a:xfrm>
+            <a:off x="5917922" y="2180458"/>
+            <a:ext cx="567745" cy="573473"/>
           </a:xfrm>
           <a:prstGeom prst="straightConnector1">
             <a:avLst/>
@@ -6362,7 +6467,7 @@
             <a:solidFill>
               <a:schemeClr val="tx1"/>
             </a:solidFill>
-            <a:tailEnd type="none"/>
+            <a:tailEnd type="triangle"/>
           </a:ln>
         </p:spPr>
         <p:style>
@@ -6388,7 +6493,7 @@
         </p:nvSpPr>
         <p:spPr>
           <a:xfrm>
-            <a:off x="7160817" y="1775137"/>
+            <a:off x="6555510" y="3953994"/>
             <a:ext cx="746975" cy="734096"/>
           </a:xfrm>
           <a:prstGeom prst="ellipse">
@@ -6423,18 +6528,13 @@
           <a:p>
             <a:pPr algn="ctr"/>
             <a:r>
-              <a:rPr lang="en-US" sz="2800" dirty="0" smtClean="0">
+              <a:rPr lang="en-US" sz="2800" dirty="0">
                 <a:solidFill>
                   <a:schemeClr val="tx1"/>
                 </a:solidFill>
               </a:rPr>
               <a:t>6</a:t>
             </a:r>
-            <a:endParaRPr lang="en-US" sz="2800" dirty="0">
-              <a:solidFill>
-                <a:schemeClr val="tx1"/>
-              </a:solidFill>
-            </a:endParaRPr>
           </a:p>
         </p:txBody>
       </p:sp>
@@ -6446,7 +6546,7 @@
         </p:nvSpPr>
         <p:spPr>
           <a:xfrm>
-            <a:off x="7160816" y="3641495"/>
+            <a:off x="5685148" y="3953994"/>
             <a:ext cx="746975" cy="734096"/>
           </a:xfrm>
           <a:prstGeom prst="ellipse">
@@ -6481,18 +6581,13 @@
           <a:p>
             <a:pPr algn="ctr"/>
             <a:r>
-              <a:rPr lang="en-US" sz="2800" dirty="0" smtClean="0">
+              <a:rPr lang="en-US" sz="2800" dirty="0">
                 <a:solidFill>
                   <a:schemeClr val="tx1"/>
                 </a:solidFill>
               </a:rPr>
               <a:t>5</a:t>
             </a:r>
-            <a:endParaRPr lang="en-US" sz="2800" dirty="0">
-              <a:solidFill>
-                <a:schemeClr val="tx1"/>
-              </a:solidFill>
-            </a:endParaRPr>
           </a:p>
         </p:txBody>
       </p:sp>
@@ -6500,15 +6595,15 @@
         <p:nvCxnSpPr>
           <p:cNvPr id="38" name="Straight Arrow Connector 37"/>
           <p:cNvCxnSpPr>
-            <a:stCxn id="30" idx="5"/>
-            <a:endCxn id="37" idx="1"/>
+            <a:stCxn id="30" idx="3"/>
+            <a:endCxn id="37" idx="0"/>
           </p:cNvCxnSpPr>
           <p:nvPr/>
         </p:nvCxnSpPr>
         <p:spPr>
-          <a:xfrm>
-            <a:off x="6930230" y="3305212"/>
-            <a:ext cx="339978" cy="443789"/>
+          <a:xfrm flipH="1">
+            <a:off x="6058636" y="3380521"/>
+            <a:ext cx="162935" cy="573473"/>
           </a:xfrm>
           <a:prstGeom prst="straightConnector1">
             <a:avLst/>
@@ -6517,7 +6612,7 @@
             <a:solidFill>
               <a:schemeClr val="tx1"/>
             </a:solidFill>
-            <a:tailEnd type="none"/>
+            <a:tailEnd type="triangle"/>
           </a:ln>
         </p:spPr>
         <p:style>
@@ -6539,15 +6634,15 @@
         <p:nvCxnSpPr>
           <p:cNvPr id="39" name="Straight Arrow Connector 38"/>
           <p:cNvCxnSpPr>
-            <a:stCxn id="30" idx="7"/>
-            <a:endCxn id="36" idx="3"/>
+            <a:stCxn id="30" idx="5"/>
+            <a:endCxn id="36" idx="0"/>
           </p:cNvCxnSpPr>
           <p:nvPr/>
         </p:nvCxnSpPr>
         <p:spPr>
-          <a:xfrm flipV="1">
-            <a:off x="6930230" y="2401727"/>
-            <a:ext cx="339979" cy="384401"/>
+          <a:xfrm>
+            <a:off x="6749762" y="3380521"/>
+            <a:ext cx="179236" cy="573473"/>
           </a:xfrm>
           <a:prstGeom prst="straightConnector1">
             <a:avLst/>
@@ -6556,7 +6651,7 @@
             <a:solidFill>
               <a:schemeClr val="tx1"/>
             </a:solidFill>
-            <a:tailEnd type="none"/>
+            <a:tailEnd type="triangle"/>
           </a:ln>
         </p:spPr>
         <p:style>
@@ -6577,7 +6672,7 @@
     </p:spTree>
     <p:extLst>
       <p:ext uri="{BB962C8B-B14F-4D97-AF65-F5344CB8AC3E}">
-        <p14:creationId xmlns:p14="http://schemas.microsoft.com/office/powerpoint/2010/main" val="979624316"/>
+        <p14:creationId xmlns:p14="http://schemas.microsoft.com/office/powerpoint/2010/main" val="3374474135"/>
       </p:ext>
     </p:extLst>
   </p:cSld>
@@ -6604,40 +6699,523 @@
           <a:chExt cx="0" cy="0"/>
         </a:xfrm>
       </p:grpSpPr>
-      <p:pic>
-        <p:nvPicPr>
-          <p:cNvPr id="4" name="Picture 3"/>
-          <p:cNvPicPr>
-            <a:picLocks noChangeAspect="1"/>
-          </p:cNvPicPr>
-          <p:nvPr/>
-        </p:nvPicPr>
-        <p:blipFill>
-          <a:blip r:embed="rId2">
-            <a:extLst>
-              <a:ext uri="{28A0092B-C50C-407E-A947-70E740481C1C}">
-                <a14:useLocalDpi xmlns:a14="http://schemas.microsoft.com/office/drawing/2010/main" val="0"/>
-              </a:ext>
-            </a:extLst>
-          </a:blip>
-          <a:stretch>
-            <a:fillRect/>
-          </a:stretch>
-        </p:blipFill>
-        <p:spPr>
-          <a:xfrm>
-            <a:off x="2921000" y="1968500"/>
-            <a:ext cx="6350000" cy="2908300"/>
-          </a:xfrm>
-          <a:prstGeom prst="rect">
-            <a:avLst/>
-          </a:prstGeom>
-        </p:spPr>
-      </p:pic>
+      <p:sp>
+        <p:nvSpPr>
+          <p:cNvPr id="28" name="Oval 27"/>
+          <p:cNvSpPr/>
+          <p:nvPr/>
+        </p:nvSpPr>
+        <p:spPr>
+          <a:xfrm>
+            <a:off x="4649274" y="2687209"/>
+            <a:ext cx="746975" cy="734096"/>
+          </a:xfrm>
+          <a:prstGeom prst="ellipse">
+            <a:avLst/>
+          </a:prstGeom>
+          <a:noFill/>
+          <a:ln w="28575">
+            <a:solidFill>
+              <a:schemeClr val="tx1"/>
+            </a:solidFill>
+          </a:ln>
+        </p:spPr>
+        <p:style>
+          <a:lnRef idx="2">
+            <a:schemeClr val="accent1">
+              <a:shade val="50000"/>
+            </a:schemeClr>
+          </a:lnRef>
+          <a:fillRef idx="1">
+            <a:schemeClr val="accent1"/>
+          </a:fillRef>
+          <a:effectRef idx="0">
+            <a:schemeClr val="accent1"/>
+          </a:effectRef>
+          <a:fontRef idx="minor">
+            <a:schemeClr val="lt1"/>
+          </a:fontRef>
+        </p:style>
+        <p:txBody>
+          <a:bodyPr rtlCol="0" anchor="ctr"/>
+          <a:lstStyle/>
+          <a:p>
+            <a:pPr algn="ctr"/>
+            <a:r>
+              <a:rPr lang="en-US" sz="2800" dirty="0">
+                <a:solidFill>
+                  <a:schemeClr val="tx1"/>
+                </a:solidFill>
+              </a:rPr>
+              <a:t>1</a:t>
+            </a:r>
+          </a:p>
+        </p:txBody>
+      </p:sp>
+      <p:sp>
+        <p:nvSpPr>
+          <p:cNvPr id="29" name="Oval 28"/>
+          <p:cNvSpPr/>
+          <p:nvPr/>
+        </p:nvSpPr>
+        <p:spPr>
+          <a:xfrm>
+            <a:off x="3783248" y="3643463"/>
+            <a:ext cx="746975" cy="734096"/>
+          </a:xfrm>
+          <a:prstGeom prst="ellipse">
+            <a:avLst/>
+          </a:prstGeom>
+          <a:noFill/>
+          <a:ln w="28575">
+            <a:solidFill>
+              <a:schemeClr val="tx1"/>
+            </a:solidFill>
+          </a:ln>
+        </p:spPr>
+        <p:style>
+          <a:lnRef idx="2">
+            <a:schemeClr val="accent1">
+              <a:shade val="50000"/>
+            </a:schemeClr>
+          </a:lnRef>
+          <a:fillRef idx="1">
+            <a:schemeClr val="accent1"/>
+          </a:fillRef>
+          <a:effectRef idx="0">
+            <a:schemeClr val="accent1"/>
+          </a:effectRef>
+          <a:fontRef idx="minor">
+            <a:schemeClr val="lt1"/>
+          </a:fontRef>
+        </p:style>
+        <p:txBody>
+          <a:bodyPr rtlCol="0" anchor="ctr"/>
+          <a:lstStyle/>
+          <a:p>
+            <a:pPr algn="ctr"/>
+            <a:r>
+              <a:rPr lang="en-US" sz="2800" dirty="0">
+                <a:solidFill>
+                  <a:schemeClr val="tx1"/>
+                </a:solidFill>
+              </a:rPr>
+              <a:t>3</a:t>
+            </a:r>
+          </a:p>
+        </p:txBody>
+      </p:sp>
+      <p:sp>
+        <p:nvSpPr>
+          <p:cNvPr id="30" name="Oval 29"/>
+          <p:cNvSpPr/>
+          <p:nvPr/>
+        </p:nvSpPr>
+        <p:spPr>
+          <a:xfrm>
+            <a:off x="6292647" y="2678622"/>
+            <a:ext cx="746975" cy="734096"/>
+          </a:xfrm>
+          <a:prstGeom prst="ellipse">
+            <a:avLst/>
+          </a:prstGeom>
+          <a:noFill/>
+          <a:ln w="28575">
+            <a:solidFill>
+              <a:schemeClr val="tx1"/>
+            </a:solidFill>
+          </a:ln>
+        </p:spPr>
+        <p:style>
+          <a:lnRef idx="2">
+            <a:schemeClr val="accent1">
+              <a:shade val="50000"/>
+            </a:schemeClr>
+          </a:lnRef>
+          <a:fillRef idx="1">
+            <a:schemeClr val="accent1"/>
+          </a:fillRef>
+          <a:effectRef idx="0">
+            <a:schemeClr val="accent1"/>
+          </a:effectRef>
+          <a:fontRef idx="minor">
+            <a:schemeClr val="lt1"/>
+          </a:fontRef>
+        </p:style>
+        <p:txBody>
+          <a:bodyPr rtlCol="0" anchor="ctr"/>
+          <a:lstStyle/>
+          <a:p>
+            <a:pPr algn="ctr"/>
+            <a:r>
+              <a:rPr lang="en-US" sz="2800" dirty="0">
+                <a:solidFill>
+                  <a:schemeClr val="tx1"/>
+                </a:solidFill>
+              </a:rPr>
+              <a:t>4</a:t>
+            </a:r>
+          </a:p>
+        </p:txBody>
+      </p:sp>
+      <p:sp>
+        <p:nvSpPr>
+          <p:cNvPr id="31" name="Oval 30"/>
+          <p:cNvSpPr/>
+          <p:nvPr/>
+        </p:nvSpPr>
+        <p:spPr>
+          <a:xfrm>
+            <a:off x="3783248" y="1775137"/>
+            <a:ext cx="746975" cy="734096"/>
+          </a:xfrm>
+          <a:prstGeom prst="ellipse">
+            <a:avLst/>
+          </a:prstGeom>
+          <a:noFill/>
+          <a:ln w="28575">
+            <a:solidFill>
+              <a:schemeClr val="tx1"/>
+            </a:solidFill>
+          </a:ln>
+        </p:spPr>
+        <p:style>
+          <a:lnRef idx="2">
+            <a:schemeClr val="accent1">
+              <a:shade val="50000"/>
+            </a:schemeClr>
+          </a:lnRef>
+          <a:fillRef idx="1">
+            <a:schemeClr val="accent1"/>
+          </a:fillRef>
+          <a:effectRef idx="0">
+            <a:schemeClr val="accent1"/>
+          </a:effectRef>
+          <a:fontRef idx="minor">
+            <a:schemeClr val="lt1"/>
+          </a:fontRef>
+        </p:style>
+        <p:txBody>
+          <a:bodyPr rtlCol="0" anchor="ctr"/>
+          <a:lstStyle/>
+          <a:p>
+            <a:pPr algn="ctr"/>
+            <a:r>
+              <a:rPr lang="en-US" sz="2800" dirty="0">
+                <a:solidFill>
+                  <a:schemeClr val="tx1"/>
+                </a:solidFill>
+              </a:rPr>
+              <a:t>2</a:t>
+            </a:r>
+          </a:p>
+        </p:txBody>
+      </p:sp>
+      <p:cxnSp>
+        <p:nvCxnSpPr>
+          <p:cNvPr id="32" name="Straight Arrow Connector 31"/>
+          <p:cNvCxnSpPr>
+            <a:stCxn id="28" idx="3"/>
+            <a:endCxn id="29" idx="7"/>
+          </p:cNvCxnSpPr>
+          <p:nvPr/>
+        </p:nvCxnSpPr>
+        <p:spPr>
+          <a:xfrm flipH="1">
+            <a:off x="4420831" y="3313799"/>
+            <a:ext cx="337835" cy="437170"/>
+          </a:xfrm>
+          <a:prstGeom prst="straightConnector1">
+            <a:avLst/>
+          </a:prstGeom>
+          <a:ln w="28575">
+            <a:solidFill>
+              <a:schemeClr val="tx1"/>
+            </a:solidFill>
+            <a:tailEnd type="none"/>
+          </a:ln>
+        </p:spPr>
+        <p:style>
+          <a:lnRef idx="1">
+            <a:schemeClr val="accent1"/>
+          </a:lnRef>
+          <a:fillRef idx="0">
+            <a:schemeClr val="accent1"/>
+          </a:fillRef>
+          <a:effectRef idx="0">
+            <a:schemeClr val="accent1"/>
+          </a:effectRef>
+          <a:fontRef idx="minor">
+            <a:schemeClr val="tx1"/>
+          </a:fontRef>
+        </p:style>
+      </p:cxnSp>
+      <p:cxnSp>
+        <p:nvCxnSpPr>
+          <p:cNvPr id="33" name="Straight Arrow Connector 32"/>
+          <p:cNvCxnSpPr>
+            <a:stCxn id="28" idx="1"/>
+            <a:endCxn id="31" idx="5"/>
+          </p:cNvCxnSpPr>
+          <p:nvPr/>
+        </p:nvCxnSpPr>
+        <p:spPr>
+          <a:xfrm flipH="1" flipV="1">
+            <a:off x="4420831" y="2401727"/>
+            <a:ext cx="337835" cy="392988"/>
+          </a:xfrm>
+          <a:prstGeom prst="straightConnector1">
+            <a:avLst/>
+          </a:prstGeom>
+          <a:ln w="28575">
+            <a:solidFill>
+              <a:schemeClr val="tx1"/>
+            </a:solidFill>
+            <a:tailEnd type="none"/>
+          </a:ln>
+        </p:spPr>
+        <p:style>
+          <a:lnRef idx="1">
+            <a:schemeClr val="accent1"/>
+          </a:lnRef>
+          <a:fillRef idx="0">
+            <a:schemeClr val="accent1"/>
+          </a:fillRef>
+          <a:effectRef idx="0">
+            <a:schemeClr val="accent1"/>
+          </a:effectRef>
+          <a:fontRef idx="minor">
+            <a:schemeClr val="tx1"/>
+          </a:fontRef>
+        </p:style>
+      </p:cxnSp>
+      <p:cxnSp>
+        <p:nvCxnSpPr>
+          <p:cNvPr id="34" name="Straight Arrow Connector 33"/>
+          <p:cNvCxnSpPr>
+            <a:stCxn id="28" idx="6"/>
+            <a:endCxn id="30" idx="2"/>
+          </p:cNvCxnSpPr>
+          <p:nvPr/>
+        </p:nvCxnSpPr>
+        <p:spPr>
+          <a:xfrm flipV="1">
+            <a:off x="5396249" y="3045670"/>
+            <a:ext cx="896398" cy="8587"/>
+          </a:xfrm>
+          <a:prstGeom prst="straightConnector1">
+            <a:avLst/>
+          </a:prstGeom>
+          <a:ln w="28575">
+            <a:solidFill>
+              <a:schemeClr val="tx1"/>
+            </a:solidFill>
+            <a:tailEnd type="none"/>
+          </a:ln>
+        </p:spPr>
+        <p:style>
+          <a:lnRef idx="1">
+            <a:schemeClr val="accent1"/>
+          </a:lnRef>
+          <a:fillRef idx="0">
+            <a:schemeClr val="accent1"/>
+          </a:fillRef>
+          <a:effectRef idx="0">
+            <a:schemeClr val="accent1"/>
+          </a:effectRef>
+          <a:fontRef idx="minor">
+            <a:schemeClr val="tx1"/>
+          </a:fontRef>
+        </p:style>
+      </p:cxnSp>
+      <p:sp>
+        <p:nvSpPr>
+          <p:cNvPr id="36" name="Oval 35"/>
+          <p:cNvSpPr/>
+          <p:nvPr/>
+        </p:nvSpPr>
+        <p:spPr>
+          <a:xfrm>
+            <a:off x="7160817" y="1775137"/>
+            <a:ext cx="746975" cy="734096"/>
+          </a:xfrm>
+          <a:prstGeom prst="ellipse">
+            <a:avLst/>
+          </a:prstGeom>
+          <a:noFill/>
+          <a:ln w="28575">
+            <a:solidFill>
+              <a:schemeClr val="tx1"/>
+            </a:solidFill>
+          </a:ln>
+        </p:spPr>
+        <p:style>
+          <a:lnRef idx="2">
+            <a:schemeClr val="accent1">
+              <a:shade val="50000"/>
+            </a:schemeClr>
+          </a:lnRef>
+          <a:fillRef idx="1">
+            <a:schemeClr val="accent1"/>
+          </a:fillRef>
+          <a:effectRef idx="0">
+            <a:schemeClr val="accent1"/>
+          </a:effectRef>
+          <a:fontRef idx="minor">
+            <a:schemeClr val="lt1"/>
+          </a:fontRef>
+        </p:style>
+        <p:txBody>
+          <a:bodyPr rtlCol="0" anchor="ctr"/>
+          <a:lstStyle/>
+          <a:p>
+            <a:pPr algn="ctr"/>
+            <a:r>
+              <a:rPr lang="en-US" sz="2800" dirty="0">
+                <a:solidFill>
+                  <a:schemeClr val="tx1"/>
+                </a:solidFill>
+              </a:rPr>
+              <a:t>6</a:t>
+            </a:r>
+          </a:p>
+        </p:txBody>
+      </p:sp>
+      <p:sp>
+        <p:nvSpPr>
+          <p:cNvPr id="37" name="Oval 36"/>
+          <p:cNvSpPr/>
+          <p:nvPr/>
+        </p:nvSpPr>
+        <p:spPr>
+          <a:xfrm>
+            <a:off x="7160816" y="3641495"/>
+            <a:ext cx="746975" cy="734096"/>
+          </a:xfrm>
+          <a:prstGeom prst="ellipse">
+            <a:avLst/>
+          </a:prstGeom>
+          <a:noFill/>
+          <a:ln w="28575">
+            <a:solidFill>
+              <a:schemeClr val="tx1"/>
+            </a:solidFill>
+          </a:ln>
+        </p:spPr>
+        <p:style>
+          <a:lnRef idx="2">
+            <a:schemeClr val="accent1">
+              <a:shade val="50000"/>
+            </a:schemeClr>
+          </a:lnRef>
+          <a:fillRef idx="1">
+            <a:schemeClr val="accent1"/>
+          </a:fillRef>
+          <a:effectRef idx="0">
+            <a:schemeClr val="accent1"/>
+          </a:effectRef>
+          <a:fontRef idx="minor">
+            <a:schemeClr val="lt1"/>
+          </a:fontRef>
+        </p:style>
+        <p:txBody>
+          <a:bodyPr rtlCol="0" anchor="ctr"/>
+          <a:lstStyle/>
+          <a:p>
+            <a:pPr algn="ctr"/>
+            <a:r>
+              <a:rPr lang="en-US" sz="2800" dirty="0">
+                <a:solidFill>
+                  <a:schemeClr val="tx1"/>
+                </a:solidFill>
+              </a:rPr>
+              <a:t>5</a:t>
+            </a:r>
+          </a:p>
+        </p:txBody>
+      </p:sp>
+      <p:cxnSp>
+        <p:nvCxnSpPr>
+          <p:cNvPr id="38" name="Straight Arrow Connector 37"/>
+          <p:cNvCxnSpPr>
+            <a:stCxn id="30" idx="5"/>
+            <a:endCxn id="37" idx="1"/>
+          </p:cNvCxnSpPr>
+          <p:nvPr/>
+        </p:nvCxnSpPr>
+        <p:spPr>
+          <a:xfrm>
+            <a:off x="6930230" y="3305212"/>
+            <a:ext cx="339978" cy="443789"/>
+          </a:xfrm>
+          <a:prstGeom prst="straightConnector1">
+            <a:avLst/>
+          </a:prstGeom>
+          <a:ln w="28575">
+            <a:solidFill>
+              <a:schemeClr val="tx1"/>
+            </a:solidFill>
+            <a:tailEnd type="none"/>
+          </a:ln>
+        </p:spPr>
+        <p:style>
+          <a:lnRef idx="1">
+            <a:schemeClr val="accent1"/>
+          </a:lnRef>
+          <a:fillRef idx="0">
+            <a:schemeClr val="accent1"/>
+          </a:fillRef>
+          <a:effectRef idx="0">
+            <a:schemeClr val="accent1"/>
+          </a:effectRef>
+          <a:fontRef idx="minor">
+            <a:schemeClr val="tx1"/>
+          </a:fontRef>
+        </p:style>
+      </p:cxnSp>
+      <p:cxnSp>
+        <p:nvCxnSpPr>
+          <p:cNvPr id="39" name="Straight Arrow Connector 38"/>
+          <p:cNvCxnSpPr>
+            <a:stCxn id="30" idx="7"/>
+            <a:endCxn id="36" idx="3"/>
+          </p:cNvCxnSpPr>
+          <p:nvPr/>
+        </p:nvCxnSpPr>
+        <p:spPr>
+          <a:xfrm flipV="1">
+            <a:off x="6930230" y="2401727"/>
+            <a:ext cx="339979" cy="384401"/>
+          </a:xfrm>
+          <a:prstGeom prst="straightConnector1">
+            <a:avLst/>
+          </a:prstGeom>
+          <a:ln w="28575">
+            <a:solidFill>
+              <a:schemeClr val="tx1"/>
+            </a:solidFill>
+            <a:tailEnd type="none"/>
+          </a:ln>
+        </p:spPr>
+        <p:style>
+          <a:lnRef idx="1">
+            <a:schemeClr val="accent1"/>
+          </a:lnRef>
+          <a:fillRef idx="0">
+            <a:schemeClr val="accent1"/>
+          </a:fillRef>
+          <a:effectRef idx="0">
+            <a:schemeClr val="accent1"/>
+          </a:effectRef>
+          <a:fontRef idx="minor">
+            <a:schemeClr val="tx1"/>
+          </a:fontRef>
+        </p:style>
+      </p:cxnSp>
     </p:spTree>
     <p:extLst>
       <p:ext uri="{BB962C8B-B14F-4D97-AF65-F5344CB8AC3E}">
-        <p14:creationId xmlns:p14="http://schemas.microsoft.com/office/powerpoint/2010/main" val="650382631"/>
+        <p14:creationId xmlns:p14="http://schemas.microsoft.com/office/powerpoint/2010/main" val="979624316"/>
       </p:ext>
     </p:extLst>
   </p:cSld>
@@ -6686,8 +7264,8 @@
         </p:blipFill>
         <p:spPr>
           <a:xfrm>
-            <a:off x="1790700" y="0"/>
-            <a:ext cx="8608368" cy="6858000"/>
+            <a:off x="2921000" y="1968500"/>
+            <a:ext cx="6350000" cy="2908300"/>
           </a:xfrm>
           <a:prstGeom prst="rect">
             <a:avLst/>
@@ -6697,7 +7275,7 @@
     </p:spTree>
     <p:extLst>
       <p:ext uri="{BB962C8B-B14F-4D97-AF65-F5344CB8AC3E}">
-        <p14:creationId xmlns:p14="http://schemas.microsoft.com/office/powerpoint/2010/main" val="1242809451"/>
+        <p14:creationId xmlns:p14="http://schemas.microsoft.com/office/powerpoint/2010/main" val="650382631"/>
       </p:ext>
     </p:extLst>
   </p:cSld>
@@ -6724,551 +7302,40 @@
           <a:chExt cx="0" cy="0"/>
         </a:xfrm>
       </p:grpSpPr>
-      <p:sp>
-        <p:nvSpPr>
-          <p:cNvPr id="4" name="Oval 3"/>
-          <p:cNvSpPr/>
-          <p:nvPr/>
-        </p:nvSpPr>
-        <p:spPr>
-          <a:xfrm>
-            <a:off x="4185714" y="690983"/>
-            <a:ext cx="2255869" cy="734096"/>
-          </a:xfrm>
-          <a:prstGeom prst="ellipse">
-            <a:avLst/>
-          </a:prstGeom>
-          <a:noFill/>
-          <a:ln w="28575">
-            <a:solidFill>
-              <a:schemeClr val="tx1"/>
-            </a:solidFill>
-          </a:ln>
-        </p:spPr>
-        <p:style>
-          <a:lnRef idx="2">
-            <a:schemeClr val="accent1">
-              <a:shade val="50000"/>
-            </a:schemeClr>
-          </a:lnRef>
-          <a:fillRef idx="1">
-            <a:schemeClr val="accent1"/>
-          </a:fillRef>
-          <a:effectRef idx="0">
-            <a:schemeClr val="accent1"/>
-          </a:effectRef>
-          <a:fontRef idx="minor">
-            <a:schemeClr val="lt1"/>
-          </a:fontRef>
-        </p:style>
-        <p:txBody>
-          <a:bodyPr rtlCol="0" anchor="ctr"/>
-          <a:lstStyle/>
-          <a:p>
-            <a:pPr algn="ctr"/>
-            <a:r>
-              <a:rPr lang="en-US" sz="2800" dirty="0" smtClean="0">
-                <a:solidFill>
-                  <a:schemeClr val="tx1"/>
-                </a:solidFill>
-              </a:rPr>
-              <a:t>Cherry</a:t>
-            </a:r>
-            <a:endParaRPr lang="en-US" sz="2800" dirty="0">
-              <a:solidFill>
-                <a:schemeClr val="tx1"/>
-              </a:solidFill>
-            </a:endParaRPr>
-          </a:p>
-        </p:txBody>
-      </p:sp>
-      <p:cxnSp>
-        <p:nvCxnSpPr>
-          <p:cNvPr id="8" name="Straight Arrow Connector 7"/>
-          <p:cNvCxnSpPr>
-            <a:stCxn id="4" idx="4"/>
-          </p:cNvCxnSpPr>
-          <p:nvPr/>
-        </p:nvCxnSpPr>
-        <p:spPr>
-          <a:xfrm>
-            <a:off x="5313649" y="1425079"/>
-            <a:ext cx="0" cy="465967"/>
-          </a:xfrm>
-          <a:prstGeom prst="straightConnector1">
-            <a:avLst/>
-          </a:prstGeom>
-          <a:ln w="28575">
-            <a:solidFill>
-              <a:schemeClr val="tx1"/>
-            </a:solidFill>
-            <a:tailEnd type="triangle"/>
-          </a:ln>
-        </p:spPr>
-        <p:style>
-          <a:lnRef idx="1">
-            <a:schemeClr val="accent1"/>
-          </a:lnRef>
-          <a:fillRef idx="0">
-            <a:schemeClr val="accent1"/>
-          </a:fillRef>
-          <a:effectRef idx="0">
-            <a:schemeClr val="accent1"/>
-          </a:effectRef>
-          <a:fontRef idx="minor">
-            <a:schemeClr val="tx1"/>
-          </a:fontRef>
-        </p:style>
-      </p:cxnSp>
-      <p:cxnSp>
-        <p:nvCxnSpPr>
-          <p:cNvPr id="20" name="Straight Arrow Connector 19"/>
-          <p:cNvCxnSpPr>
-            <a:stCxn id="43" idx="3"/>
-            <a:endCxn id="39" idx="0"/>
-          </p:cNvCxnSpPr>
-          <p:nvPr/>
-        </p:nvCxnSpPr>
-        <p:spPr>
-          <a:xfrm flipH="1">
-            <a:off x="3469823" y="2490442"/>
-            <a:ext cx="1046255" cy="600667"/>
-          </a:xfrm>
-          <a:prstGeom prst="straightConnector1">
-            <a:avLst/>
-          </a:prstGeom>
-          <a:ln w="28575">
-            <a:solidFill>
-              <a:schemeClr val="tx1"/>
-            </a:solidFill>
-            <a:tailEnd type="triangle"/>
-          </a:ln>
-        </p:spPr>
-        <p:style>
-          <a:lnRef idx="1">
-            <a:schemeClr val="accent1"/>
-          </a:lnRef>
-          <a:fillRef idx="0">
-            <a:schemeClr val="accent1"/>
-          </a:fillRef>
-          <a:effectRef idx="0">
-            <a:schemeClr val="accent1"/>
-          </a:effectRef>
-          <a:fontRef idx="minor">
-            <a:schemeClr val="tx1"/>
-          </a:fontRef>
-        </p:style>
-      </p:cxnSp>
-      <p:sp>
-        <p:nvSpPr>
-          <p:cNvPr id="23" name="Oval 22"/>
-          <p:cNvSpPr/>
-          <p:nvPr/>
-        </p:nvSpPr>
-        <p:spPr>
-          <a:xfrm>
-            <a:off x="2341888" y="4291172"/>
-            <a:ext cx="2255869" cy="734096"/>
-          </a:xfrm>
-          <a:prstGeom prst="ellipse">
-            <a:avLst/>
-          </a:prstGeom>
-          <a:noFill/>
-          <a:ln w="28575">
-            <a:solidFill>
-              <a:schemeClr val="tx1"/>
-            </a:solidFill>
-          </a:ln>
-        </p:spPr>
-        <p:style>
-          <a:lnRef idx="2">
-            <a:schemeClr val="accent1">
-              <a:shade val="50000"/>
-            </a:schemeClr>
-          </a:lnRef>
-          <a:fillRef idx="1">
-            <a:schemeClr val="accent1"/>
-          </a:fillRef>
-          <a:effectRef idx="0">
-            <a:schemeClr val="accent1"/>
-          </a:effectRef>
-          <a:fontRef idx="minor">
-            <a:schemeClr val="lt1"/>
-          </a:fontRef>
-        </p:style>
-        <p:txBody>
-          <a:bodyPr rtlCol="0" anchor="ctr"/>
-          <a:lstStyle/>
-          <a:p>
-            <a:pPr algn="ctr"/>
-            <a:r>
-              <a:rPr lang="en-US" sz="2800" dirty="0" smtClean="0">
-                <a:solidFill>
-                  <a:schemeClr val="tx1"/>
-                </a:solidFill>
-              </a:rPr>
-              <a:t>Mango</a:t>
-            </a:r>
-            <a:endParaRPr lang="en-US" sz="2800" dirty="0">
-              <a:solidFill>
-                <a:schemeClr val="tx1"/>
-              </a:solidFill>
-            </a:endParaRPr>
-          </a:p>
-        </p:txBody>
-      </p:sp>
-      <p:cxnSp>
-        <p:nvCxnSpPr>
-          <p:cNvPr id="24" name="Straight Arrow Connector 23"/>
-          <p:cNvCxnSpPr>
-            <a:endCxn id="23" idx="0"/>
-          </p:cNvCxnSpPr>
-          <p:nvPr/>
-        </p:nvCxnSpPr>
-        <p:spPr>
-          <a:xfrm>
-            <a:off x="3469823" y="3825205"/>
-            <a:ext cx="0" cy="465967"/>
-          </a:xfrm>
-          <a:prstGeom prst="straightConnector1">
-            <a:avLst/>
-          </a:prstGeom>
-          <a:ln w="28575">
-            <a:solidFill>
-              <a:schemeClr val="tx1"/>
-            </a:solidFill>
-            <a:tailEnd type="triangle"/>
-          </a:ln>
-        </p:spPr>
-        <p:style>
-          <a:lnRef idx="1">
-            <a:schemeClr val="accent1"/>
-          </a:lnRef>
-          <a:fillRef idx="0">
-            <a:schemeClr val="accent1"/>
-          </a:fillRef>
-          <a:effectRef idx="0">
-            <a:schemeClr val="accent1"/>
-          </a:effectRef>
-          <a:fontRef idx="minor">
-            <a:schemeClr val="tx1"/>
-          </a:fontRef>
-        </p:style>
-      </p:cxnSp>
-      <p:sp>
-        <p:nvSpPr>
-          <p:cNvPr id="27" name="Oval 26"/>
-          <p:cNvSpPr/>
-          <p:nvPr/>
-        </p:nvSpPr>
-        <p:spPr>
-          <a:xfrm>
-            <a:off x="6435223" y="3091109"/>
-            <a:ext cx="2255869" cy="734096"/>
-          </a:xfrm>
-          <a:prstGeom prst="ellipse">
-            <a:avLst/>
-          </a:prstGeom>
-          <a:noFill/>
-          <a:ln w="28575">
-            <a:solidFill>
-              <a:schemeClr val="tx1"/>
-            </a:solidFill>
-          </a:ln>
-        </p:spPr>
-        <p:style>
-          <a:lnRef idx="2">
-            <a:schemeClr val="accent1">
-              <a:shade val="50000"/>
-            </a:schemeClr>
-          </a:lnRef>
-          <a:fillRef idx="1">
-            <a:schemeClr val="accent1"/>
-          </a:fillRef>
-          <a:effectRef idx="0">
-            <a:schemeClr val="accent1"/>
-          </a:effectRef>
-          <a:fontRef idx="minor">
-            <a:schemeClr val="lt1"/>
-          </a:fontRef>
-        </p:style>
-        <p:txBody>
-          <a:bodyPr rtlCol="0" anchor="ctr"/>
-          <a:lstStyle/>
-          <a:p>
-            <a:pPr algn="ctr"/>
-            <a:r>
-              <a:rPr lang="en-US" sz="2800" dirty="0" smtClean="0">
-                <a:solidFill>
-                  <a:schemeClr val="tx1"/>
-                </a:solidFill>
-              </a:rPr>
-              <a:t>Lemon</a:t>
-            </a:r>
-            <a:endParaRPr lang="en-US" sz="2800" dirty="0">
-              <a:solidFill>
-                <a:schemeClr val="tx1"/>
-              </a:solidFill>
-            </a:endParaRPr>
-          </a:p>
-        </p:txBody>
-      </p:sp>
-      <p:cxnSp>
-        <p:nvCxnSpPr>
-          <p:cNvPr id="28" name="Straight Arrow Connector 27"/>
-          <p:cNvCxnSpPr>
-            <a:stCxn id="43" idx="5"/>
-            <a:endCxn id="27" idx="0"/>
-          </p:cNvCxnSpPr>
-          <p:nvPr/>
-        </p:nvCxnSpPr>
-        <p:spPr>
-          <a:xfrm>
-            <a:off x="6111219" y="2490442"/>
-            <a:ext cx="1451939" cy="600667"/>
-          </a:xfrm>
-          <a:prstGeom prst="straightConnector1">
-            <a:avLst/>
-          </a:prstGeom>
-          <a:ln w="28575">
-            <a:solidFill>
-              <a:schemeClr val="tx1"/>
-            </a:solidFill>
-            <a:tailEnd type="triangle"/>
-          </a:ln>
-        </p:spPr>
-        <p:style>
-          <a:lnRef idx="1">
-            <a:schemeClr val="accent1"/>
-          </a:lnRef>
-          <a:fillRef idx="0">
-            <a:schemeClr val="accent1"/>
-          </a:fillRef>
-          <a:effectRef idx="0">
-            <a:schemeClr val="accent1"/>
-          </a:effectRef>
-          <a:fontRef idx="minor">
-            <a:schemeClr val="tx1"/>
-          </a:fontRef>
-        </p:style>
-      </p:cxnSp>
-      <p:sp>
-        <p:nvSpPr>
-          <p:cNvPr id="29" name="Oval 28"/>
-          <p:cNvSpPr/>
-          <p:nvPr/>
-        </p:nvSpPr>
-        <p:spPr>
-          <a:xfrm>
-            <a:off x="6435223" y="4291172"/>
-            <a:ext cx="2255870" cy="734096"/>
-          </a:xfrm>
-          <a:prstGeom prst="ellipse">
-            <a:avLst/>
-          </a:prstGeom>
-          <a:noFill/>
-          <a:ln w="28575">
-            <a:solidFill>
-              <a:schemeClr val="tx1"/>
-            </a:solidFill>
-          </a:ln>
-        </p:spPr>
-        <p:style>
-          <a:lnRef idx="2">
-            <a:schemeClr val="accent1">
-              <a:shade val="50000"/>
-            </a:schemeClr>
-          </a:lnRef>
-          <a:fillRef idx="1">
-            <a:schemeClr val="accent1"/>
-          </a:fillRef>
-          <a:effectRef idx="0">
-            <a:schemeClr val="accent1"/>
-          </a:effectRef>
-          <a:fontRef idx="minor">
-            <a:schemeClr val="lt1"/>
-          </a:fontRef>
-        </p:style>
-        <p:txBody>
-          <a:bodyPr rtlCol="0" anchor="ctr"/>
-          <a:lstStyle/>
-          <a:p>
-            <a:pPr algn="ctr"/>
-            <a:r>
-              <a:rPr lang="en-US" sz="2800" smtClean="0">
-                <a:solidFill>
-                  <a:schemeClr val="tx1"/>
-                </a:solidFill>
-              </a:rPr>
-              <a:t>Imbe</a:t>
-            </a:r>
-            <a:endParaRPr lang="en-US" sz="2800" dirty="0">
-              <a:solidFill>
-                <a:schemeClr val="tx1"/>
-              </a:solidFill>
-            </a:endParaRPr>
-          </a:p>
-        </p:txBody>
-      </p:sp>
-      <p:cxnSp>
-        <p:nvCxnSpPr>
-          <p:cNvPr id="30" name="Straight Arrow Connector 29"/>
-          <p:cNvCxnSpPr>
-            <a:stCxn id="27" idx="4"/>
-            <a:endCxn id="29" idx="0"/>
-          </p:cNvCxnSpPr>
-          <p:nvPr/>
-        </p:nvCxnSpPr>
-        <p:spPr>
-          <a:xfrm>
-            <a:off x="7563158" y="3825205"/>
-            <a:ext cx="0" cy="465967"/>
-          </a:xfrm>
-          <a:prstGeom prst="straightConnector1">
-            <a:avLst/>
-          </a:prstGeom>
-          <a:ln w="28575">
-            <a:solidFill>
-              <a:schemeClr val="tx1"/>
-            </a:solidFill>
-            <a:tailEnd type="triangle"/>
-          </a:ln>
-        </p:spPr>
-        <p:style>
-          <a:lnRef idx="1">
-            <a:schemeClr val="accent1"/>
-          </a:lnRef>
-          <a:fillRef idx="0">
-            <a:schemeClr val="accent1"/>
-          </a:fillRef>
-          <a:effectRef idx="0">
-            <a:schemeClr val="accent1"/>
-          </a:effectRef>
-          <a:fontRef idx="minor">
-            <a:schemeClr val="tx1"/>
-          </a:fontRef>
-        </p:style>
-      </p:cxnSp>
-      <p:sp>
-        <p:nvSpPr>
-          <p:cNvPr id="39" name="Oval 38"/>
-          <p:cNvSpPr/>
-          <p:nvPr/>
-        </p:nvSpPr>
-        <p:spPr>
-          <a:xfrm>
-            <a:off x="2341888" y="3091109"/>
-            <a:ext cx="2255869" cy="734096"/>
-          </a:xfrm>
-          <a:prstGeom prst="ellipse">
-            <a:avLst/>
-          </a:prstGeom>
-          <a:noFill/>
-          <a:ln w="28575">
-            <a:solidFill>
-              <a:schemeClr val="tx1"/>
-            </a:solidFill>
-          </a:ln>
-        </p:spPr>
-        <p:style>
-          <a:lnRef idx="2">
-            <a:schemeClr val="accent1">
-              <a:shade val="50000"/>
-            </a:schemeClr>
-          </a:lnRef>
-          <a:fillRef idx="1">
-            <a:schemeClr val="accent1"/>
-          </a:fillRef>
-          <a:effectRef idx="0">
-            <a:schemeClr val="accent1"/>
-          </a:effectRef>
-          <a:fontRef idx="minor">
-            <a:schemeClr val="lt1"/>
-          </a:fontRef>
-        </p:style>
-        <p:txBody>
-          <a:bodyPr rtlCol="0" anchor="ctr"/>
-          <a:lstStyle/>
-          <a:p>
-            <a:pPr algn="ctr"/>
-            <a:r>
-              <a:rPr lang="en-US" sz="2800" dirty="0" smtClean="0">
-                <a:solidFill>
-                  <a:schemeClr val="tx1"/>
-                </a:solidFill>
-              </a:rPr>
-              <a:t>Nectarine</a:t>
-            </a:r>
-            <a:endParaRPr lang="en-US" sz="2800" dirty="0">
-              <a:solidFill>
-                <a:schemeClr val="tx1"/>
-              </a:solidFill>
-            </a:endParaRPr>
-          </a:p>
-        </p:txBody>
-      </p:sp>
-      <p:sp>
-        <p:nvSpPr>
-          <p:cNvPr id="43" name="Oval 42"/>
-          <p:cNvSpPr/>
-          <p:nvPr/>
-        </p:nvSpPr>
-        <p:spPr>
-          <a:xfrm>
-            <a:off x="4185714" y="1863852"/>
-            <a:ext cx="2255869" cy="734096"/>
-          </a:xfrm>
-          <a:prstGeom prst="ellipse">
-            <a:avLst/>
-          </a:prstGeom>
-          <a:noFill/>
-          <a:ln w="28575">
-            <a:solidFill>
-              <a:schemeClr val="tx1"/>
-            </a:solidFill>
-          </a:ln>
-        </p:spPr>
-        <p:style>
-          <a:lnRef idx="2">
-            <a:schemeClr val="accent1">
-              <a:shade val="50000"/>
-            </a:schemeClr>
-          </a:lnRef>
-          <a:fillRef idx="1">
-            <a:schemeClr val="accent1"/>
-          </a:fillRef>
-          <a:effectRef idx="0">
-            <a:schemeClr val="accent1"/>
-          </a:effectRef>
-          <a:fontRef idx="minor">
-            <a:schemeClr val="lt1"/>
-          </a:fontRef>
-        </p:style>
-        <p:txBody>
-          <a:bodyPr rtlCol="0" anchor="ctr"/>
-          <a:lstStyle/>
-          <a:p>
-            <a:pPr algn="ctr"/>
-            <a:r>
-              <a:rPr lang="en-US" sz="2800" dirty="0" smtClean="0">
-                <a:solidFill>
-                  <a:schemeClr val="tx1"/>
-                </a:solidFill>
-              </a:rPr>
-              <a:t>Apple</a:t>
-            </a:r>
-            <a:endParaRPr lang="en-US" sz="2800" dirty="0">
-              <a:solidFill>
-                <a:schemeClr val="tx1"/>
-              </a:solidFill>
-            </a:endParaRPr>
-          </a:p>
-        </p:txBody>
-      </p:sp>
+      <p:pic>
+        <p:nvPicPr>
+          <p:cNvPr id="4" name="Picture 3"/>
+          <p:cNvPicPr>
+            <a:picLocks noChangeAspect="1"/>
+          </p:cNvPicPr>
+          <p:nvPr/>
+        </p:nvPicPr>
+        <p:blipFill>
+          <a:blip r:embed="rId2">
+            <a:extLst>
+              <a:ext uri="{28A0092B-C50C-407E-A947-70E740481C1C}">
+                <a14:useLocalDpi xmlns:a14="http://schemas.microsoft.com/office/drawing/2010/main" val="0"/>
+              </a:ext>
+            </a:extLst>
+          </a:blip>
+          <a:stretch>
+            <a:fillRect/>
+          </a:stretch>
+        </p:blipFill>
+        <p:spPr>
+          <a:xfrm>
+            <a:off x="1790700" y="0"/>
+            <a:ext cx="8608368" cy="6858000"/>
+          </a:xfrm>
+          <a:prstGeom prst="rect">
+            <a:avLst/>
+          </a:prstGeom>
+        </p:spPr>
+      </p:pic>
     </p:spTree>
     <p:extLst>
       <p:ext uri="{BB962C8B-B14F-4D97-AF65-F5344CB8AC3E}">
-        <p14:creationId xmlns:p14="http://schemas.microsoft.com/office/powerpoint/2010/main" val="1664202211"/>
+        <p14:creationId xmlns:p14="http://schemas.microsoft.com/office/powerpoint/2010/main" val="1242809451"/>
       </p:ext>
     </p:extLst>
   </p:cSld>
@@ -7297,14 +7364,14 @@
       </p:grpSpPr>
       <p:sp>
         <p:nvSpPr>
-          <p:cNvPr id="28" name="Oval 27"/>
+          <p:cNvPr id="4" name="Oval 3"/>
           <p:cNvSpPr/>
           <p:nvPr/>
         </p:nvSpPr>
         <p:spPr>
           <a:xfrm>
-            <a:off x="5280339" y="1553868"/>
-            <a:ext cx="746975" cy="734096"/>
+            <a:off x="4185714" y="690983"/>
+            <a:ext cx="2255869" cy="734096"/>
           </a:xfrm>
           <a:prstGeom prst="ellipse">
             <a:avLst/>
@@ -7338,12 +7405,325 @@
           <a:p>
             <a:pPr algn="ctr"/>
             <a:r>
-              <a:rPr lang="en-US" sz="2800" dirty="0" smtClean="0">
+              <a:rPr lang="en-US" sz="2800" dirty="0">
                 <a:solidFill>
                   <a:schemeClr val="tx1"/>
                 </a:solidFill>
               </a:rPr>
-              <a:t>1</a:t>
+              <a:t>Cherry</a:t>
+            </a:r>
+          </a:p>
+        </p:txBody>
+      </p:sp>
+      <p:cxnSp>
+        <p:nvCxnSpPr>
+          <p:cNvPr id="8" name="Straight Arrow Connector 7"/>
+          <p:cNvCxnSpPr>
+            <a:stCxn id="4" idx="4"/>
+          </p:cNvCxnSpPr>
+          <p:nvPr/>
+        </p:nvCxnSpPr>
+        <p:spPr>
+          <a:xfrm>
+            <a:off x="5313649" y="1425079"/>
+            <a:ext cx="0" cy="465967"/>
+          </a:xfrm>
+          <a:prstGeom prst="straightConnector1">
+            <a:avLst/>
+          </a:prstGeom>
+          <a:ln w="28575">
+            <a:solidFill>
+              <a:schemeClr val="tx1"/>
+            </a:solidFill>
+            <a:tailEnd type="triangle"/>
+          </a:ln>
+        </p:spPr>
+        <p:style>
+          <a:lnRef idx="1">
+            <a:schemeClr val="accent1"/>
+          </a:lnRef>
+          <a:fillRef idx="0">
+            <a:schemeClr val="accent1"/>
+          </a:fillRef>
+          <a:effectRef idx="0">
+            <a:schemeClr val="accent1"/>
+          </a:effectRef>
+          <a:fontRef idx="minor">
+            <a:schemeClr val="tx1"/>
+          </a:fontRef>
+        </p:style>
+      </p:cxnSp>
+      <p:cxnSp>
+        <p:nvCxnSpPr>
+          <p:cNvPr id="20" name="Straight Arrow Connector 19"/>
+          <p:cNvCxnSpPr>
+            <a:stCxn id="43" idx="3"/>
+            <a:endCxn id="39" idx="0"/>
+          </p:cNvCxnSpPr>
+          <p:nvPr/>
+        </p:nvCxnSpPr>
+        <p:spPr>
+          <a:xfrm flipH="1">
+            <a:off x="3469823" y="2490442"/>
+            <a:ext cx="1046255" cy="600667"/>
+          </a:xfrm>
+          <a:prstGeom prst="straightConnector1">
+            <a:avLst/>
+          </a:prstGeom>
+          <a:ln w="28575">
+            <a:solidFill>
+              <a:schemeClr val="tx1"/>
+            </a:solidFill>
+            <a:tailEnd type="triangle"/>
+          </a:ln>
+        </p:spPr>
+        <p:style>
+          <a:lnRef idx="1">
+            <a:schemeClr val="accent1"/>
+          </a:lnRef>
+          <a:fillRef idx="0">
+            <a:schemeClr val="accent1"/>
+          </a:fillRef>
+          <a:effectRef idx="0">
+            <a:schemeClr val="accent1"/>
+          </a:effectRef>
+          <a:fontRef idx="minor">
+            <a:schemeClr val="tx1"/>
+          </a:fontRef>
+        </p:style>
+      </p:cxnSp>
+      <p:sp>
+        <p:nvSpPr>
+          <p:cNvPr id="23" name="Oval 22"/>
+          <p:cNvSpPr/>
+          <p:nvPr/>
+        </p:nvSpPr>
+        <p:spPr>
+          <a:xfrm>
+            <a:off x="2341888" y="4291172"/>
+            <a:ext cx="2255869" cy="734096"/>
+          </a:xfrm>
+          <a:prstGeom prst="ellipse">
+            <a:avLst/>
+          </a:prstGeom>
+          <a:noFill/>
+          <a:ln w="28575">
+            <a:solidFill>
+              <a:schemeClr val="tx1"/>
+            </a:solidFill>
+          </a:ln>
+        </p:spPr>
+        <p:style>
+          <a:lnRef idx="2">
+            <a:schemeClr val="accent1">
+              <a:shade val="50000"/>
+            </a:schemeClr>
+          </a:lnRef>
+          <a:fillRef idx="1">
+            <a:schemeClr val="accent1"/>
+          </a:fillRef>
+          <a:effectRef idx="0">
+            <a:schemeClr val="accent1"/>
+          </a:effectRef>
+          <a:fontRef idx="minor">
+            <a:schemeClr val="lt1"/>
+          </a:fontRef>
+        </p:style>
+        <p:txBody>
+          <a:bodyPr rtlCol="0" anchor="ctr"/>
+          <a:lstStyle/>
+          <a:p>
+            <a:pPr algn="ctr"/>
+            <a:r>
+              <a:rPr lang="en-US" sz="2800" dirty="0">
+                <a:solidFill>
+                  <a:schemeClr val="tx1"/>
+                </a:solidFill>
+              </a:rPr>
+              <a:t>Mango</a:t>
+            </a:r>
+          </a:p>
+        </p:txBody>
+      </p:sp>
+      <p:cxnSp>
+        <p:nvCxnSpPr>
+          <p:cNvPr id="24" name="Straight Arrow Connector 23"/>
+          <p:cNvCxnSpPr>
+            <a:endCxn id="23" idx="0"/>
+          </p:cNvCxnSpPr>
+          <p:nvPr/>
+        </p:nvCxnSpPr>
+        <p:spPr>
+          <a:xfrm>
+            <a:off x="3469823" y="3825205"/>
+            <a:ext cx="0" cy="465967"/>
+          </a:xfrm>
+          <a:prstGeom prst="straightConnector1">
+            <a:avLst/>
+          </a:prstGeom>
+          <a:ln w="28575">
+            <a:solidFill>
+              <a:schemeClr val="tx1"/>
+            </a:solidFill>
+            <a:tailEnd type="triangle"/>
+          </a:ln>
+        </p:spPr>
+        <p:style>
+          <a:lnRef idx="1">
+            <a:schemeClr val="accent1"/>
+          </a:lnRef>
+          <a:fillRef idx="0">
+            <a:schemeClr val="accent1"/>
+          </a:fillRef>
+          <a:effectRef idx="0">
+            <a:schemeClr val="accent1"/>
+          </a:effectRef>
+          <a:fontRef idx="minor">
+            <a:schemeClr val="tx1"/>
+          </a:fontRef>
+        </p:style>
+      </p:cxnSp>
+      <p:sp>
+        <p:nvSpPr>
+          <p:cNvPr id="27" name="Oval 26"/>
+          <p:cNvSpPr/>
+          <p:nvPr/>
+        </p:nvSpPr>
+        <p:spPr>
+          <a:xfrm>
+            <a:off x="6435223" y="3091109"/>
+            <a:ext cx="2255869" cy="734096"/>
+          </a:xfrm>
+          <a:prstGeom prst="ellipse">
+            <a:avLst/>
+          </a:prstGeom>
+          <a:noFill/>
+          <a:ln w="28575">
+            <a:solidFill>
+              <a:schemeClr val="tx1"/>
+            </a:solidFill>
+          </a:ln>
+        </p:spPr>
+        <p:style>
+          <a:lnRef idx="2">
+            <a:schemeClr val="accent1">
+              <a:shade val="50000"/>
+            </a:schemeClr>
+          </a:lnRef>
+          <a:fillRef idx="1">
+            <a:schemeClr val="accent1"/>
+          </a:fillRef>
+          <a:effectRef idx="0">
+            <a:schemeClr val="accent1"/>
+          </a:effectRef>
+          <a:fontRef idx="minor">
+            <a:schemeClr val="lt1"/>
+          </a:fontRef>
+        </p:style>
+        <p:txBody>
+          <a:bodyPr rtlCol="0" anchor="ctr"/>
+          <a:lstStyle/>
+          <a:p>
+            <a:pPr algn="ctr"/>
+            <a:r>
+              <a:rPr lang="en-US" sz="2800" dirty="0">
+                <a:solidFill>
+                  <a:schemeClr val="tx1"/>
+                </a:solidFill>
+              </a:rPr>
+              <a:t>Lemon</a:t>
+            </a:r>
+          </a:p>
+        </p:txBody>
+      </p:sp>
+      <p:cxnSp>
+        <p:nvCxnSpPr>
+          <p:cNvPr id="28" name="Straight Arrow Connector 27"/>
+          <p:cNvCxnSpPr>
+            <a:stCxn id="43" idx="5"/>
+            <a:endCxn id="27" idx="0"/>
+          </p:cNvCxnSpPr>
+          <p:nvPr/>
+        </p:nvCxnSpPr>
+        <p:spPr>
+          <a:xfrm>
+            <a:off x="6111219" y="2490442"/>
+            <a:ext cx="1451939" cy="600667"/>
+          </a:xfrm>
+          <a:prstGeom prst="straightConnector1">
+            <a:avLst/>
+          </a:prstGeom>
+          <a:ln w="28575">
+            <a:solidFill>
+              <a:schemeClr val="tx1"/>
+            </a:solidFill>
+            <a:tailEnd type="triangle"/>
+          </a:ln>
+        </p:spPr>
+        <p:style>
+          <a:lnRef idx="1">
+            <a:schemeClr val="accent1"/>
+          </a:lnRef>
+          <a:fillRef idx="0">
+            <a:schemeClr val="accent1"/>
+          </a:fillRef>
+          <a:effectRef idx="0">
+            <a:schemeClr val="accent1"/>
+          </a:effectRef>
+          <a:fontRef idx="minor">
+            <a:schemeClr val="tx1"/>
+          </a:fontRef>
+        </p:style>
+      </p:cxnSp>
+      <p:sp>
+        <p:nvSpPr>
+          <p:cNvPr id="29" name="Oval 28"/>
+          <p:cNvSpPr/>
+          <p:nvPr/>
+        </p:nvSpPr>
+        <p:spPr>
+          <a:xfrm>
+            <a:off x="6435223" y="4291172"/>
+            <a:ext cx="2255870" cy="734096"/>
+          </a:xfrm>
+          <a:prstGeom prst="ellipse">
+            <a:avLst/>
+          </a:prstGeom>
+          <a:noFill/>
+          <a:ln w="28575">
+            <a:solidFill>
+              <a:schemeClr val="tx1"/>
+            </a:solidFill>
+          </a:ln>
+        </p:spPr>
+        <p:style>
+          <a:lnRef idx="2">
+            <a:schemeClr val="accent1">
+              <a:shade val="50000"/>
+            </a:schemeClr>
+          </a:lnRef>
+          <a:fillRef idx="1">
+            <a:schemeClr val="accent1"/>
+          </a:fillRef>
+          <a:effectRef idx="0">
+            <a:schemeClr val="accent1"/>
+          </a:effectRef>
+          <a:fontRef idx="minor">
+            <a:schemeClr val="lt1"/>
+          </a:fontRef>
+        </p:style>
+        <p:txBody>
+          <a:bodyPr rtlCol="0" anchor="ctr"/>
+          <a:lstStyle/>
+          <a:p>
+            <a:pPr algn="ctr"/>
+            <a:r>
+              <a:rPr lang="en-US" sz="2800">
+                <a:solidFill>
+                  <a:schemeClr val="tx1"/>
+                </a:solidFill>
+              </a:rPr>
+              <a:t>Imbe</a:t>
             </a:r>
             <a:endParaRPr lang="en-US" sz="2800" dirty="0">
               <a:solidFill>
@@ -7353,16 +7733,55 @@
           </a:p>
         </p:txBody>
       </p:sp>
-      <p:sp>
-        <p:nvSpPr>
-          <p:cNvPr id="30" name="Oval 29"/>
+      <p:cxnSp>
+        <p:nvCxnSpPr>
+          <p:cNvPr id="30" name="Straight Arrow Connector 29"/>
+          <p:cNvCxnSpPr>
+            <a:stCxn id="27" idx="4"/>
+            <a:endCxn id="29" idx="0"/>
+          </p:cNvCxnSpPr>
+          <p:nvPr/>
+        </p:nvCxnSpPr>
+        <p:spPr>
+          <a:xfrm>
+            <a:off x="7563158" y="3825205"/>
+            <a:ext cx="0" cy="465967"/>
+          </a:xfrm>
+          <a:prstGeom prst="straightConnector1">
+            <a:avLst/>
+          </a:prstGeom>
+          <a:ln w="28575">
+            <a:solidFill>
+              <a:schemeClr val="tx1"/>
+            </a:solidFill>
+            <a:tailEnd type="triangle"/>
+          </a:ln>
+        </p:spPr>
+        <p:style>
+          <a:lnRef idx="1">
+            <a:schemeClr val="accent1"/>
+          </a:lnRef>
+          <a:fillRef idx="0">
+            <a:schemeClr val="accent1"/>
+          </a:fillRef>
+          <a:effectRef idx="0">
+            <a:schemeClr val="accent1"/>
+          </a:effectRef>
+          <a:fontRef idx="minor">
+            <a:schemeClr val="tx1"/>
+          </a:fontRef>
+        </p:style>
+      </p:cxnSp>
+      <p:sp>
+        <p:nvSpPr>
+          <p:cNvPr id="39" name="Oval 38"/>
           <p:cNvSpPr/>
           <p:nvPr/>
         </p:nvSpPr>
         <p:spPr>
           <a:xfrm>
-            <a:off x="6112179" y="2753931"/>
-            <a:ext cx="746975" cy="734096"/>
+            <a:off x="2341888" y="3091109"/>
+            <a:ext cx="2255869" cy="734096"/>
           </a:xfrm>
           <a:prstGeom prst="ellipse">
             <a:avLst/>
@@ -7396,31 +7815,26 @@
           <a:p>
             <a:pPr algn="ctr"/>
             <a:r>
-              <a:rPr lang="en-US" sz="2800" dirty="0" smtClean="0">
+              <a:rPr lang="en-US" sz="2800" dirty="0">
                 <a:solidFill>
                   <a:schemeClr val="tx1"/>
                 </a:solidFill>
               </a:rPr>
-              <a:t>3</a:t>
-            </a:r>
-            <a:endParaRPr lang="en-US" sz="2800" dirty="0">
-              <a:solidFill>
-                <a:schemeClr val="tx1"/>
-              </a:solidFill>
-            </a:endParaRPr>
-          </a:p>
-        </p:txBody>
-      </p:sp>
-      <p:sp>
-        <p:nvSpPr>
-          <p:cNvPr id="31" name="Oval 30"/>
+              <a:t>Nectarine</a:t>
+            </a:r>
+          </a:p>
+        </p:txBody>
+      </p:sp>
+      <p:sp>
+        <p:nvSpPr>
+          <p:cNvPr id="43" name="Oval 42"/>
           <p:cNvSpPr/>
           <p:nvPr/>
         </p:nvSpPr>
         <p:spPr>
           <a:xfrm>
-            <a:off x="4594618" y="2753931"/>
-            <a:ext cx="746975" cy="734096"/>
+            <a:off x="4185714" y="1863852"/>
+            <a:ext cx="2255869" cy="734096"/>
           </a:xfrm>
           <a:prstGeom prst="ellipse">
             <a:avLst/>
@@ -7454,297 +7868,20 @@
           <a:p>
             <a:pPr algn="ctr"/>
             <a:r>
-              <a:rPr lang="en-US" sz="2800" dirty="0" smtClean="0">
+              <a:rPr lang="en-US" sz="2800" dirty="0">
                 <a:solidFill>
                   <a:schemeClr val="tx1"/>
                 </a:solidFill>
               </a:rPr>
-              <a:t>2</a:t>
-            </a:r>
-            <a:endParaRPr lang="en-US" sz="2800" dirty="0">
-              <a:solidFill>
-                <a:schemeClr val="tx1"/>
-              </a:solidFill>
-            </a:endParaRPr>
-          </a:p>
-        </p:txBody>
-      </p:sp>
-      <p:cxnSp>
-        <p:nvCxnSpPr>
-          <p:cNvPr id="33" name="Straight Arrow Connector 32"/>
-          <p:cNvCxnSpPr>
-            <a:stCxn id="28" idx="3"/>
-            <a:endCxn id="31" idx="0"/>
-          </p:cNvCxnSpPr>
-          <p:nvPr/>
-        </p:nvCxnSpPr>
-        <p:spPr>
-          <a:xfrm flipH="1">
-            <a:off x="4968106" y="2180458"/>
-            <a:ext cx="421625" cy="573473"/>
-          </a:xfrm>
-          <a:prstGeom prst="straightConnector1">
-            <a:avLst/>
-          </a:prstGeom>
-          <a:ln w="28575">
-            <a:solidFill>
-              <a:schemeClr val="tx1"/>
-            </a:solidFill>
-            <a:tailEnd type="triangle"/>
-          </a:ln>
-        </p:spPr>
-        <p:style>
-          <a:lnRef idx="1">
-            <a:schemeClr val="accent1"/>
-          </a:lnRef>
-          <a:fillRef idx="0">
-            <a:schemeClr val="accent1"/>
-          </a:fillRef>
-          <a:effectRef idx="0">
-            <a:schemeClr val="accent1"/>
-          </a:effectRef>
-          <a:fontRef idx="minor">
-            <a:schemeClr val="tx1"/>
-          </a:fontRef>
-        </p:style>
-      </p:cxnSp>
-      <p:cxnSp>
-        <p:nvCxnSpPr>
-          <p:cNvPr id="34" name="Straight Arrow Connector 33"/>
-          <p:cNvCxnSpPr>
-            <a:stCxn id="28" idx="5"/>
-            <a:endCxn id="30" idx="0"/>
-          </p:cNvCxnSpPr>
-          <p:nvPr/>
-        </p:nvCxnSpPr>
-        <p:spPr>
-          <a:xfrm>
-            <a:off x="5917922" y="2180458"/>
-            <a:ext cx="567745" cy="573473"/>
-          </a:xfrm>
-          <a:prstGeom prst="straightConnector1">
-            <a:avLst/>
-          </a:prstGeom>
-          <a:ln w="28575">
-            <a:solidFill>
-              <a:schemeClr val="tx1"/>
-            </a:solidFill>
-            <a:tailEnd type="triangle"/>
-          </a:ln>
-        </p:spPr>
-        <p:style>
-          <a:lnRef idx="1">
-            <a:schemeClr val="accent1"/>
-          </a:lnRef>
-          <a:fillRef idx="0">
-            <a:schemeClr val="accent1"/>
-          </a:fillRef>
-          <a:effectRef idx="0">
-            <a:schemeClr val="accent1"/>
-          </a:effectRef>
-          <a:fontRef idx="minor">
-            <a:schemeClr val="tx1"/>
-          </a:fontRef>
-        </p:style>
-      </p:cxnSp>
-      <p:sp>
-        <p:nvSpPr>
-          <p:cNvPr id="36" name="Oval 35"/>
-          <p:cNvSpPr/>
-          <p:nvPr/>
-        </p:nvSpPr>
-        <p:spPr>
-          <a:xfrm>
-            <a:off x="6775678" y="3953994"/>
-            <a:ext cx="746975" cy="734096"/>
-          </a:xfrm>
-          <a:prstGeom prst="ellipse">
-            <a:avLst/>
-          </a:prstGeom>
-          <a:noFill/>
-          <a:ln w="28575">
-            <a:solidFill>
-              <a:schemeClr val="tx1"/>
-            </a:solidFill>
-          </a:ln>
-        </p:spPr>
-        <p:style>
-          <a:lnRef idx="2">
-            <a:schemeClr val="accent1">
-              <a:shade val="50000"/>
-            </a:schemeClr>
-          </a:lnRef>
-          <a:fillRef idx="1">
-            <a:schemeClr val="accent1"/>
-          </a:fillRef>
-          <a:effectRef idx="0">
-            <a:schemeClr val="accent1"/>
-          </a:effectRef>
-          <a:fontRef idx="minor">
-            <a:schemeClr val="lt1"/>
-          </a:fontRef>
-        </p:style>
-        <p:txBody>
-          <a:bodyPr rtlCol="0" anchor="ctr"/>
-          <a:lstStyle/>
-          <a:p>
-            <a:pPr algn="ctr"/>
-            <a:r>
-              <a:rPr lang="en-US" sz="2800" dirty="0" smtClean="0">
-                <a:solidFill>
-                  <a:schemeClr val="tx1"/>
-                </a:solidFill>
-              </a:rPr>
-              <a:t>5</a:t>
-            </a:r>
-            <a:endParaRPr lang="en-US" sz="2800" dirty="0">
-              <a:solidFill>
-                <a:schemeClr val="tx1"/>
-              </a:solidFill>
-            </a:endParaRPr>
-          </a:p>
-        </p:txBody>
-      </p:sp>
-      <p:sp>
-        <p:nvSpPr>
-          <p:cNvPr id="37" name="Oval 36"/>
-          <p:cNvSpPr/>
-          <p:nvPr/>
-        </p:nvSpPr>
-        <p:spPr>
-          <a:xfrm>
-            <a:off x="5544434" y="3953994"/>
-            <a:ext cx="746975" cy="734096"/>
-          </a:xfrm>
-          <a:prstGeom prst="ellipse">
-            <a:avLst/>
-          </a:prstGeom>
-          <a:noFill/>
-          <a:ln w="28575">
-            <a:solidFill>
-              <a:schemeClr val="tx1"/>
-            </a:solidFill>
-          </a:ln>
-        </p:spPr>
-        <p:style>
-          <a:lnRef idx="2">
-            <a:schemeClr val="accent1">
-              <a:shade val="50000"/>
-            </a:schemeClr>
-          </a:lnRef>
-          <a:fillRef idx="1">
-            <a:schemeClr val="accent1"/>
-          </a:fillRef>
-          <a:effectRef idx="0">
-            <a:schemeClr val="accent1"/>
-          </a:effectRef>
-          <a:fontRef idx="minor">
-            <a:schemeClr val="lt1"/>
-          </a:fontRef>
-        </p:style>
-        <p:txBody>
-          <a:bodyPr rtlCol="0" anchor="ctr"/>
-          <a:lstStyle/>
-          <a:p>
-            <a:pPr algn="ctr"/>
-            <a:r>
-              <a:rPr lang="en-US" sz="2800" dirty="0" smtClean="0">
-                <a:solidFill>
-                  <a:schemeClr val="tx1"/>
-                </a:solidFill>
-              </a:rPr>
-              <a:t>4</a:t>
-            </a:r>
-            <a:endParaRPr lang="en-US" sz="2800" dirty="0">
-              <a:solidFill>
-                <a:schemeClr val="tx1"/>
-              </a:solidFill>
-            </a:endParaRPr>
-          </a:p>
-        </p:txBody>
-      </p:sp>
-      <p:cxnSp>
-        <p:nvCxnSpPr>
-          <p:cNvPr id="38" name="Straight Arrow Connector 37"/>
-          <p:cNvCxnSpPr>
-            <a:stCxn id="30" idx="3"/>
-            <a:endCxn id="37" idx="0"/>
-          </p:cNvCxnSpPr>
-          <p:nvPr/>
-        </p:nvCxnSpPr>
-        <p:spPr>
-          <a:xfrm flipH="1">
-            <a:off x="5917922" y="3380521"/>
-            <a:ext cx="303649" cy="573473"/>
-          </a:xfrm>
-          <a:prstGeom prst="straightConnector1">
-            <a:avLst/>
-          </a:prstGeom>
-          <a:ln w="28575">
-            <a:solidFill>
-              <a:schemeClr val="tx1"/>
-            </a:solidFill>
-            <a:tailEnd type="triangle"/>
-          </a:ln>
-        </p:spPr>
-        <p:style>
-          <a:lnRef idx="1">
-            <a:schemeClr val="accent1"/>
-          </a:lnRef>
-          <a:fillRef idx="0">
-            <a:schemeClr val="accent1"/>
-          </a:fillRef>
-          <a:effectRef idx="0">
-            <a:schemeClr val="accent1"/>
-          </a:effectRef>
-          <a:fontRef idx="minor">
-            <a:schemeClr val="tx1"/>
-          </a:fontRef>
-        </p:style>
-      </p:cxnSp>
-      <p:cxnSp>
-        <p:nvCxnSpPr>
-          <p:cNvPr id="39" name="Straight Arrow Connector 38"/>
-          <p:cNvCxnSpPr>
-            <a:stCxn id="30" idx="5"/>
-            <a:endCxn id="36" idx="0"/>
-          </p:cNvCxnSpPr>
-          <p:nvPr/>
-        </p:nvCxnSpPr>
-        <p:spPr>
-          <a:xfrm>
-            <a:off x="6749762" y="3380521"/>
-            <a:ext cx="399404" cy="573473"/>
-          </a:xfrm>
-          <a:prstGeom prst="straightConnector1">
-            <a:avLst/>
-          </a:prstGeom>
-          <a:ln w="28575">
-            <a:solidFill>
-              <a:schemeClr val="tx1"/>
-            </a:solidFill>
-            <a:tailEnd type="triangle"/>
-          </a:ln>
-        </p:spPr>
-        <p:style>
-          <a:lnRef idx="1">
-            <a:schemeClr val="accent1"/>
-          </a:lnRef>
-          <a:fillRef idx="0">
-            <a:schemeClr val="accent1"/>
-          </a:fillRef>
-          <a:effectRef idx="0">
-            <a:schemeClr val="accent1"/>
-          </a:effectRef>
-          <a:fontRef idx="minor">
-            <a:schemeClr val="tx1"/>
-          </a:fontRef>
-        </p:style>
-      </p:cxnSp>
+              <a:t>Apple</a:t>
+            </a:r>
+          </a:p>
+        </p:txBody>
+      </p:sp>
     </p:spTree>
     <p:extLst>
       <p:ext uri="{BB962C8B-B14F-4D97-AF65-F5344CB8AC3E}">
-        <p14:creationId xmlns:p14="http://schemas.microsoft.com/office/powerpoint/2010/main" val="3308079876"/>
+        <p14:creationId xmlns:p14="http://schemas.microsoft.com/office/powerpoint/2010/main" val="1664202211"/>
       </p:ext>
     </p:extLst>
   </p:cSld>
@@ -7773,13 +7910,13 @@
       </p:grpSpPr>
       <p:sp>
         <p:nvSpPr>
-          <p:cNvPr id="4" name="Oval 3"/>
+          <p:cNvPr id="28" name="Oval 27"/>
           <p:cNvSpPr/>
           <p:nvPr/>
         </p:nvSpPr>
         <p:spPr>
           <a:xfrm>
-            <a:off x="5100033" y="1416675"/>
+            <a:off x="5280339" y="1553868"/>
             <a:ext cx="746975" cy="734096"/>
           </a:xfrm>
           <a:prstGeom prst="ellipse">
@@ -7814,30 +7951,25 @@
           <a:p>
             <a:pPr algn="ctr"/>
             <a:r>
-              <a:rPr lang="en-US" sz="2800" dirty="0" smtClean="0">
+              <a:rPr lang="en-US" sz="2800" dirty="0">
                 <a:solidFill>
                   <a:schemeClr val="tx1"/>
                 </a:solidFill>
               </a:rPr>
               <a:t>1</a:t>
             </a:r>
-            <a:endParaRPr lang="en-US" sz="2800" dirty="0">
-              <a:solidFill>
-                <a:schemeClr val="tx1"/>
-              </a:solidFill>
-            </a:endParaRPr>
-          </a:p>
-        </p:txBody>
-      </p:sp>
-      <p:sp>
-        <p:nvSpPr>
-          <p:cNvPr id="5" name="Oval 4"/>
+          </a:p>
+        </p:txBody>
+      </p:sp>
+      <p:sp>
+        <p:nvSpPr>
+          <p:cNvPr id="30" name="Oval 29"/>
           <p:cNvSpPr/>
           <p:nvPr/>
         </p:nvSpPr>
         <p:spPr>
           <a:xfrm>
-            <a:off x="6398653" y="1416675"/>
+            <a:off x="6112179" y="2753931"/>
             <a:ext cx="746975" cy="734096"/>
           </a:xfrm>
           <a:prstGeom prst="ellipse">
@@ -7872,601 +8004,69 @@
           <a:p>
             <a:pPr algn="ctr"/>
             <a:r>
-              <a:rPr lang="en-US" sz="2800" dirty="0" smtClean="0">
+              <a:rPr lang="en-US" sz="2800" dirty="0">
+                <a:solidFill>
+                  <a:schemeClr val="tx1"/>
+                </a:solidFill>
+              </a:rPr>
+              <a:t>3</a:t>
+            </a:r>
+          </a:p>
+        </p:txBody>
+      </p:sp>
+      <p:sp>
+        <p:nvSpPr>
+          <p:cNvPr id="31" name="Oval 30"/>
+          <p:cNvSpPr/>
+          <p:nvPr/>
+        </p:nvSpPr>
+        <p:spPr>
+          <a:xfrm>
+            <a:off x="4594618" y="2753931"/>
+            <a:ext cx="746975" cy="734096"/>
+          </a:xfrm>
+          <a:prstGeom prst="ellipse">
+            <a:avLst/>
+          </a:prstGeom>
+          <a:noFill/>
+          <a:ln w="28575">
+            <a:solidFill>
+              <a:schemeClr val="tx1"/>
+            </a:solidFill>
+          </a:ln>
+        </p:spPr>
+        <p:style>
+          <a:lnRef idx="2">
+            <a:schemeClr val="accent1">
+              <a:shade val="50000"/>
+            </a:schemeClr>
+          </a:lnRef>
+          <a:fillRef idx="1">
+            <a:schemeClr val="accent1"/>
+          </a:fillRef>
+          <a:effectRef idx="0">
+            <a:schemeClr val="accent1"/>
+          </a:effectRef>
+          <a:fontRef idx="minor">
+            <a:schemeClr val="lt1"/>
+          </a:fontRef>
+        </p:style>
+        <p:txBody>
+          <a:bodyPr rtlCol="0" anchor="ctr"/>
+          <a:lstStyle/>
+          <a:p>
+            <a:pPr algn="ctr"/>
+            <a:r>
+              <a:rPr lang="en-US" sz="2800" dirty="0">
                 <a:solidFill>
                   <a:schemeClr val="tx1"/>
                 </a:solidFill>
               </a:rPr>
               <a:t>2</a:t>
             </a:r>
-            <a:endParaRPr lang="en-US" sz="2800" dirty="0">
-              <a:solidFill>
-                <a:schemeClr val="tx1"/>
-              </a:solidFill>
-            </a:endParaRPr>
-          </a:p>
-        </p:txBody>
-      </p:sp>
-      <p:sp>
-        <p:nvSpPr>
-          <p:cNvPr id="6" name="Oval 5"/>
-          <p:cNvSpPr/>
-          <p:nvPr/>
-        </p:nvSpPr>
-        <p:spPr>
-          <a:xfrm>
-            <a:off x="5100033" y="2638021"/>
-            <a:ext cx="746975" cy="734096"/>
-          </a:xfrm>
-          <a:prstGeom prst="ellipse">
-            <a:avLst/>
-          </a:prstGeom>
-          <a:noFill/>
-          <a:ln w="28575">
-            <a:solidFill>
-              <a:schemeClr val="tx1"/>
-            </a:solidFill>
-          </a:ln>
-        </p:spPr>
-        <p:style>
-          <a:lnRef idx="2">
-            <a:schemeClr val="accent1">
-              <a:shade val="50000"/>
-            </a:schemeClr>
-          </a:lnRef>
-          <a:fillRef idx="1">
-            <a:schemeClr val="accent1"/>
-          </a:fillRef>
-          <a:effectRef idx="0">
-            <a:schemeClr val="accent1"/>
-          </a:effectRef>
-          <a:fontRef idx="minor">
-            <a:schemeClr val="lt1"/>
-          </a:fontRef>
-        </p:style>
-        <p:txBody>
-          <a:bodyPr rtlCol="0" anchor="ctr"/>
-          <a:lstStyle/>
-          <a:p>
-            <a:pPr algn="ctr"/>
-            <a:r>
-              <a:rPr lang="en-US" sz="2800" dirty="0" smtClean="0">
-                <a:solidFill>
-                  <a:schemeClr val="tx1"/>
-                </a:solidFill>
-              </a:rPr>
-              <a:t>3</a:t>
-            </a:r>
-            <a:endParaRPr lang="en-US" sz="2800" dirty="0">
-              <a:solidFill>
-                <a:schemeClr val="tx1"/>
-              </a:solidFill>
-            </a:endParaRPr>
-          </a:p>
-        </p:txBody>
-      </p:sp>
-      <p:sp>
-        <p:nvSpPr>
-          <p:cNvPr id="7" name="Oval 6"/>
-          <p:cNvSpPr/>
-          <p:nvPr/>
-        </p:nvSpPr>
-        <p:spPr>
-          <a:xfrm>
-            <a:off x="6398653" y="2638021"/>
-            <a:ext cx="746975" cy="734096"/>
-          </a:xfrm>
-          <a:prstGeom prst="ellipse">
-            <a:avLst/>
-          </a:prstGeom>
-          <a:noFill/>
-          <a:ln w="28575">
-            <a:solidFill>
-              <a:schemeClr val="tx1"/>
-            </a:solidFill>
-          </a:ln>
-        </p:spPr>
-        <p:style>
-          <a:lnRef idx="2">
-            <a:schemeClr val="accent1">
-              <a:shade val="50000"/>
-            </a:schemeClr>
-          </a:lnRef>
-          <a:fillRef idx="1">
-            <a:schemeClr val="accent1"/>
-          </a:fillRef>
-          <a:effectRef idx="0">
-            <a:schemeClr val="accent1"/>
-          </a:effectRef>
-          <a:fontRef idx="minor">
-            <a:schemeClr val="lt1"/>
-          </a:fontRef>
-        </p:style>
-        <p:txBody>
-          <a:bodyPr rtlCol="0" anchor="ctr"/>
-          <a:lstStyle/>
-          <a:p>
-            <a:pPr algn="ctr"/>
-            <a:r>
-              <a:rPr lang="en-US" sz="2800" dirty="0" smtClean="0">
-                <a:solidFill>
-                  <a:schemeClr val="tx1"/>
-                </a:solidFill>
-              </a:rPr>
-              <a:t>4</a:t>
-            </a:r>
-            <a:endParaRPr lang="en-US" sz="2800" dirty="0">
-              <a:solidFill>
-                <a:schemeClr val="tx1"/>
-              </a:solidFill>
-            </a:endParaRPr>
-          </a:p>
-        </p:txBody>
-      </p:sp>
-      <p:cxnSp>
-        <p:nvCxnSpPr>
-          <p:cNvPr id="9" name="Straight Arrow Connector 8"/>
-          <p:cNvCxnSpPr>
-            <a:stCxn id="4" idx="6"/>
-            <a:endCxn id="5" idx="2"/>
-          </p:cNvCxnSpPr>
-          <p:nvPr/>
-        </p:nvCxnSpPr>
-        <p:spPr>
-          <a:xfrm>
-            <a:off x="5847008" y="1783723"/>
-            <a:ext cx="551645" cy="0"/>
-          </a:xfrm>
-          <a:prstGeom prst="straightConnector1">
-            <a:avLst/>
-          </a:prstGeom>
-          <a:ln w="28575">
-            <a:solidFill>
-              <a:schemeClr val="tx1"/>
-            </a:solidFill>
-            <a:tailEnd type="triangle"/>
-          </a:ln>
-        </p:spPr>
-        <p:style>
-          <a:lnRef idx="1">
-            <a:schemeClr val="accent1"/>
-          </a:lnRef>
-          <a:fillRef idx="0">
-            <a:schemeClr val="accent1"/>
-          </a:fillRef>
-          <a:effectRef idx="0">
-            <a:schemeClr val="accent1"/>
-          </a:effectRef>
-          <a:fontRef idx="minor">
-            <a:schemeClr val="tx1"/>
-          </a:fontRef>
-        </p:style>
-      </p:cxnSp>
-      <p:cxnSp>
-        <p:nvCxnSpPr>
-          <p:cNvPr id="10" name="Straight Arrow Connector 9"/>
-          <p:cNvCxnSpPr>
-            <a:stCxn id="4" idx="5"/>
-            <a:endCxn id="7" idx="1"/>
-          </p:cNvCxnSpPr>
-          <p:nvPr/>
-        </p:nvCxnSpPr>
-        <p:spPr>
-          <a:xfrm>
-            <a:off x="5737616" y="2043265"/>
-            <a:ext cx="770429" cy="702262"/>
-          </a:xfrm>
-          <a:prstGeom prst="straightConnector1">
-            <a:avLst/>
-          </a:prstGeom>
-          <a:ln w="28575">
-            <a:solidFill>
-              <a:schemeClr val="tx1"/>
-            </a:solidFill>
-            <a:tailEnd type="triangle"/>
-          </a:ln>
-        </p:spPr>
-        <p:style>
-          <a:lnRef idx="1">
-            <a:schemeClr val="accent1"/>
-          </a:lnRef>
-          <a:fillRef idx="0">
-            <a:schemeClr val="accent1"/>
-          </a:fillRef>
-          <a:effectRef idx="0">
-            <a:schemeClr val="accent1"/>
-          </a:effectRef>
-          <a:fontRef idx="minor">
-            <a:schemeClr val="tx1"/>
-          </a:fontRef>
-        </p:style>
-      </p:cxnSp>
-      <p:cxnSp>
-        <p:nvCxnSpPr>
-          <p:cNvPr id="13" name="Straight Arrow Connector 12"/>
-          <p:cNvCxnSpPr>
-            <a:stCxn id="5" idx="3"/>
-            <a:endCxn id="6" idx="7"/>
-          </p:cNvCxnSpPr>
-          <p:nvPr/>
-        </p:nvCxnSpPr>
-        <p:spPr>
-          <a:xfrm flipH="1">
-            <a:off x="5737616" y="2043265"/>
-            <a:ext cx="770429" cy="702262"/>
-          </a:xfrm>
-          <a:prstGeom prst="straightConnector1">
-            <a:avLst/>
-          </a:prstGeom>
-          <a:ln w="28575">
-            <a:solidFill>
-              <a:schemeClr val="tx1"/>
-            </a:solidFill>
-            <a:tailEnd type="triangle"/>
-          </a:ln>
-        </p:spPr>
-        <p:style>
-          <a:lnRef idx="1">
-            <a:schemeClr val="accent1"/>
-          </a:lnRef>
-          <a:fillRef idx="0">
-            <a:schemeClr val="accent1"/>
-          </a:fillRef>
-          <a:effectRef idx="0">
-            <a:schemeClr val="accent1"/>
-          </a:effectRef>
-          <a:fontRef idx="minor">
-            <a:schemeClr val="tx1"/>
-          </a:fontRef>
-        </p:style>
-      </p:cxnSp>
-      <p:sp>
-        <p:nvSpPr>
-          <p:cNvPr id="19" name="TextBox 18"/>
-          <p:cNvSpPr txBox="1"/>
-          <p:nvPr/>
-        </p:nvSpPr>
-        <p:spPr>
-          <a:xfrm>
-            <a:off x="4520483" y="1365158"/>
-            <a:ext cx="579549" cy="584775"/>
-          </a:xfrm>
-          <a:prstGeom prst="rect">
-            <a:avLst/>
-          </a:prstGeom>
-          <a:noFill/>
-        </p:spPr>
-        <p:txBody>
-          <a:bodyPr wrap="square" rtlCol="0">
-            <a:spAutoFit/>
-          </a:bodyPr>
-          <a:lstStyle/>
-          <a:p>
-            <a:r>
-              <a:rPr lang="en-US" sz="3200" b="1" dirty="0" smtClean="0">
-                <a:solidFill>
-                  <a:srgbClr val="00B050"/>
-                </a:solidFill>
-              </a:rPr>
-              <a:t>B.</a:t>
-            </a:r>
-            <a:endParaRPr lang="en-US" sz="3200" b="1" dirty="0">
-              <a:solidFill>
-                <a:srgbClr val="00B050"/>
-              </a:solidFill>
-            </a:endParaRPr>
-          </a:p>
-        </p:txBody>
-      </p:sp>
-      <p:sp>
-        <p:nvSpPr>
-          <p:cNvPr id="27" name="TextBox 26"/>
-          <p:cNvSpPr txBox="1"/>
-          <p:nvPr/>
-        </p:nvSpPr>
-        <p:spPr>
-          <a:xfrm>
-            <a:off x="2032713" y="1386441"/>
-            <a:ext cx="1609700" cy="584775"/>
-          </a:xfrm>
-          <a:prstGeom prst="rect">
-            <a:avLst/>
-          </a:prstGeom>
-          <a:noFill/>
-        </p:spPr>
-        <p:txBody>
-          <a:bodyPr wrap="square" rtlCol="0">
-            <a:spAutoFit/>
-          </a:bodyPr>
-          <a:lstStyle/>
-          <a:p>
-            <a:r>
-              <a:rPr lang="en-US" sz="3200" b="1" dirty="0" smtClean="0">
-                <a:solidFill>
-                  <a:srgbClr val="00B050"/>
-                </a:solidFill>
-              </a:rPr>
-              <a:t>A.</a:t>
-            </a:r>
-            <a:r>
-              <a:rPr lang="en-US" sz="2400" dirty="0" smtClean="0"/>
-              <a:t> (empty)</a:t>
-            </a:r>
-            <a:endParaRPr lang="en-US" sz="3200" dirty="0"/>
-          </a:p>
-        </p:txBody>
-      </p:sp>
-      <p:sp>
-        <p:nvSpPr>
-          <p:cNvPr id="28" name="Oval 27"/>
-          <p:cNvSpPr/>
-          <p:nvPr/>
-        </p:nvSpPr>
-        <p:spPr>
-          <a:xfrm>
-            <a:off x="8886423" y="1437958"/>
-            <a:ext cx="746975" cy="734096"/>
-          </a:xfrm>
-          <a:prstGeom prst="ellipse">
-            <a:avLst/>
-          </a:prstGeom>
-          <a:noFill/>
-          <a:ln w="28575">
-            <a:solidFill>
-              <a:schemeClr val="tx1"/>
-            </a:solidFill>
-          </a:ln>
-        </p:spPr>
-        <p:style>
-          <a:lnRef idx="2">
-            <a:schemeClr val="accent1">
-              <a:shade val="50000"/>
-            </a:schemeClr>
-          </a:lnRef>
-          <a:fillRef idx="1">
-            <a:schemeClr val="accent1"/>
-          </a:fillRef>
-          <a:effectRef idx="0">
-            <a:schemeClr val="accent1"/>
-          </a:effectRef>
-          <a:fontRef idx="minor">
-            <a:schemeClr val="lt1"/>
-          </a:fontRef>
-        </p:style>
-        <p:txBody>
-          <a:bodyPr rtlCol="0" anchor="ctr"/>
-          <a:lstStyle/>
-          <a:p>
-            <a:pPr algn="ctr"/>
-            <a:r>
-              <a:rPr lang="en-US" sz="2800" dirty="0" smtClean="0">
-                <a:solidFill>
-                  <a:schemeClr val="tx1"/>
-                </a:solidFill>
-              </a:rPr>
-              <a:t>1</a:t>
-            </a:r>
-            <a:endParaRPr lang="en-US" sz="2800" dirty="0">
-              <a:solidFill>
-                <a:schemeClr val="tx1"/>
-              </a:solidFill>
-            </a:endParaRPr>
-          </a:p>
-        </p:txBody>
-      </p:sp>
-      <p:sp>
-        <p:nvSpPr>
-          <p:cNvPr id="29" name="Oval 28"/>
-          <p:cNvSpPr/>
-          <p:nvPr/>
-        </p:nvSpPr>
-        <p:spPr>
-          <a:xfrm>
-            <a:off x="8888648" y="2638021"/>
-            <a:ext cx="746975" cy="734096"/>
-          </a:xfrm>
-          <a:prstGeom prst="ellipse">
-            <a:avLst/>
-          </a:prstGeom>
-          <a:noFill/>
-          <a:ln w="28575">
-            <a:solidFill>
-              <a:schemeClr val="tx1"/>
-            </a:solidFill>
-          </a:ln>
-        </p:spPr>
-        <p:style>
-          <a:lnRef idx="2">
-            <a:schemeClr val="accent1">
-              <a:shade val="50000"/>
-            </a:schemeClr>
-          </a:lnRef>
-          <a:fillRef idx="1">
-            <a:schemeClr val="accent1"/>
-          </a:fillRef>
-          <a:effectRef idx="0">
-            <a:schemeClr val="accent1"/>
-          </a:effectRef>
-          <a:fontRef idx="minor">
-            <a:schemeClr val="lt1"/>
-          </a:fontRef>
-        </p:style>
-        <p:txBody>
-          <a:bodyPr rtlCol="0" anchor="ctr"/>
-          <a:lstStyle/>
-          <a:p>
-            <a:pPr algn="ctr"/>
-            <a:r>
-              <a:rPr lang="en-US" sz="2800" dirty="0" smtClean="0">
-                <a:solidFill>
-                  <a:schemeClr val="tx1"/>
-                </a:solidFill>
-              </a:rPr>
-              <a:t>3</a:t>
-            </a:r>
-            <a:endParaRPr lang="en-US" sz="2800" dirty="0">
-              <a:solidFill>
-                <a:schemeClr val="tx1"/>
-              </a:solidFill>
-            </a:endParaRPr>
-          </a:p>
-        </p:txBody>
-      </p:sp>
-      <p:sp>
-        <p:nvSpPr>
-          <p:cNvPr id="30" name="Oval 29"/>
-          <p:cNvSpPr/>
-          <p:nvPr/>
-        </p:nvSpPr>
-        <p:spPr>
-          <a:xfrm>
-            <a:off x="9718263" y="2638021"/>
-            <a:ext cx="746975" cy="734096"/>
-          </a:xfrm>
-          <a:prstGeom prst="ellipse">
-            <a:avLst/>
-          </a:prstGeom>
-          <a:noFill/>
-          <a:ln w="28575">
-            <a:solidFill>
-              <a:schemeClr val="tx1"/>
-            </a:solidFill>
-          </a:ln>
-        </p:spPr>
-        <p:style>
-          <a:lnRef idx="2">
-            <a:schemeClr val="accent1">
-              <a:shade val="50000"/>
-            </a:schemeClr>
-          </a:lnRef>
-          <a:fillRef idx="1">
-            <a:schemeClr val="accent1"/>
-          </a:fillRef>
-          <a:effectRef idx="0">
-            <a:schemeClr val="accent1"/>
-          </a:effectRef>
-          <a:fontRef idx="minor">
-            <a:schemeClr val="lt1"/>
-          </a:fontRef>
-        </p:style>
-        <p:txBody>
-          <a:bodyPr rtlCol="0" anchor="ctr"/>
-          <a:lstStyle/>
-          <a:p>
-            <a:pPr algn="ctr"/>
-            <a:r>
-              <a:rPr lang="en-US" sz="2800" dirty="0" smtClean="0">
-                <a:solidFill>
-                  <a:schemeClr val="tx1"/>
-                </a:solidFill>
-              </a:rPr>
-              <a:t>4</a:t>
-            </a:r>
-            <a:endParaRPr lang="en-US" sz="2800" dirty="0">
-              <a:solidFill>
-                <a:schemeClr val="tx1"/>
-              </a:solidFill>
-            </a:endParaRPr>
-          </a:p>
-        </p:txBody>
-      </p:sp>
-      <p:sp>
-        <p:nvSpPr>
-          <p:cNvPr id="31" name="Oval 30"/>
-          <p:cNvSpPr/>
-          <p:nvPr/>
-        </p:nvSpPr>
-        <p:spPr>
-          <a:xfrm>
-            <a:off x="8059033" y="2638021"/>
-            <a:ext cx="746975" cy="734096"/>
-          </a:xfrm>
-          <a:prstGeom prst="ellipse">
-            <a:avLst/>
-          </a:prstGeom>
-          <a:noFill/>
-          <a:ln w="28575">
-            <a:solidFill>
-              <a:schemeClr val="tx1"/>
-            </a:solidFill>
-          </a:ln>
-        </p:spPr>
-        <p:style>
-          <a:lnRef idx="2">
-            <a:schemeClr val="accent1">
-              <a:shade val="50000"/>
-            </a:schemeClr>
-          </a:lnRef>
-          <a:fillRef idx="1">
-            <a:schemeClr val="accent1"/>
-          </a:fillRef>
-          <a:effectRef idx="0">
-            <a:schemeClr val="accent1"/>
-          </a:effectRef>
-          <a:fontRef idx="minor">
-            <a:schemeClr val="lt1"/>
-          </a:fontRef>
-        </p:style>
-        <p:txBody>
-          <a:bodyPr rtlCol="0" anchor="ctr"/>
-          <a:lstStyle/>
-          <a:p>
-            <a:pPr algn="ctr"/>
-            <a:r>
-              <a:rPr lang="en-US" sz="2800" dirty="0" smtClean="0">
-                <a:solidFill>
-                  <a:schemeClr val="tx1"/>
-                </a:solidFill>
-              </a:rPr>
-              <a:t>2</a:t>
-            </a:r>
-            <a:endParaRPr lang="en-US" sz="2800" dirty="0">
-              <a:solidFill>
-                <a:schemeClr val="tx1"/>
-              </a:solidFill>
-            </a:endParaRPr>
-          </a:p>
-        </p:txBody>
-      </p:sp>
-      <p:cxnSp>
-        <p:nvCxnSpPr>
-          <p:cNvPr id="32" name="Straight Arrow Connector 31"/>
-          <p:cNvCxnSpPr>
-            <a:stCxn id="28" idx="4"/>
-            <a:endCxn id="29" idx="0"/>
-          </p:cNvCxnSpPr>
-          <p:nvPr/>
-        </p:nvCxnSpPr>
-        <p:spPr>
-          <a:xfrm>
-            <a:off x="9259911" y="2172054"/>
-            <a:ext cx="2225" cy="465967"/>
-          </a:xfrm>
-          <a:prstGeom prst="straightConnector1">
-            <a:avLst/>
-          </a:prstGeom>
-          <a:ln w="28575">
-            <a:solidFill>
-              <a:schemeClr val="tx1"/>
-            </a:solidFill>
-            <a:tailEnd type="triangle"/>
-          </a:ln>
-        </p:spPr>
-        <p:style>
-          <a:lnRef idx="1">
-            <a:schemeClr val="accent1"/>
-          </a:lnRef>
-          <a:fillRef idx="0">
-            <a:schemeClr val="accent1"/>
-          </a:fillRef>
-          <a:effectRef idx="0">
-            <a:schemeClr val="accent1"/>
-          </a:effectRef>
-          <a:fontRef idx="minor">
-            <a:schemeClr val="tx1"/>
-          </a:fontRef>
-        </p:style>
-      </p:cxnSp>
+          </a:p>
+        </p:txBody>
+      </p:sp>
       <p:cxnSp>
         <p:nvCxnSpPr>
           <p:cNvPr id="33" name="Straight Arrow Connector 32"/>
@@ -8478,8 +8078,8 @@
         </p:nvCxnSpPr>
         <p:spPr>
           <a:xfrm flipH="1">
-            <a:off x="8432521" y="2064548"/>
-            <a:ext cx="563294" cy="573473"/>
+            <a:off x="4968106" y="2180458"/>
+            <a:ext cx="421625" cy="573473"/>
           </a:xfrm>
           <a:prstGeom prst="straightConnector1">
             <a:avLst/>
@@ -8517,7 +8117,7 @@
         </p:nvCxnSpPr>
         <p:spPr>
           <a:xfrm>
-            <a:off x="9524006" y="2064548"/>
+            <a:off x="5917922" y="2180458"/>
             <a:ext cx="567745" cy="573473"/>
           </a:xfrm>
           <a:prstGeom prst="straightConnector1">
@@ -8547,51 +8147,13 @@
       </p:cxnSp>
       <p:sp>
         <p:nvSpPr>
-          <p:cNvPr id="35" name="TextBox 34"/>
-          <p:cNvSpPr txBox="1"/>
-          <p:nvPr/>
-        </p:nvSpPr>
-        <p:spPr>
-          <a:xfrm>
-            <a:off x="8306873" y="1386441"/>
-            <a:ext cx="579549" cy="584775"/>
-          </a:xfrm>
-          <a:prstGeom prst="rect">
-            <a:avLst/>
-          </a:prstGeom>
-          <a:noFill/>
-        </p:spPr>
-        <p:txBody>
-          <a:bodyPr wrap="square" rtlCol="0">
-            <a:spAutoFit/>
-          </a:bodyPr>
-          <a:lstStyle/>
-          <a:p>
-            <a:r>
-              <a:rPr lang="en-US" sz="3200" b="1" dirty="0" smtClean="0">
-                <a:solidFill>
-                  <a:srgbClr val="00B050"/>
-                </a:solidFill>
-              </a:rPr>
-              <a:t>C.</a:t>
-            </a:r>
-            <a:endParaRPr lang="en-US" sz="3200" b="1" dirty="0">
-              <a:solidFill>
-                <a:srgbClr val="00B050"/>
-              </a:solidFill>
-            </a:endParaRPr>
-          </a:p>
-        </p:txBody>
-      </p:sp>
-      <p:sp>
-        <p:nvSpPr>
-          <p:cNvPr id="55" name="Oval 54"/>
+          <p:cNvPr id="36" name="Oval 35"/>
           <p:cNvSpPr/>
           <p:nvPr/>
         </p:nvSpPr>
         <p:spPr>
           <a:xfrm>
-            <a:off x="7267898" y="3728251"/>
+            <a:off x="6775678" y="3953994"/>
             <a:ext cx="746975" cy="734096"/>
           </a:xfrm>
           <a:prstGeom prst="ellipse">
@@ -8626,30 +8188,25 @@
           <a:p>
             <a:pPr algn="ctr"/>
             <a:r>
-              <a:rPr lang="en-US" sz="2800" dirty="0" smtClean="0">
+              <a:rPr lang="en-US" sz="2800" dirty="0">
                 <a:solidFill>
                   <a:schemeClr val="tx1"/>
                 </a:solidFill>
               </a:rPr>
-              <a:t>1</a:t>
-            </a:r>
-            <a:endParaRPr lang="en-US" sz="2800" dirty="0">
-              <a:solidFill>
-                <a:schemeClr val="tx1"/>
-              </a:solidFill>
-            </a:endParaRPr>
-          </a:p>
-        </p:txBody>
-      </p:sp>
-      <p:sp>
-        <p:nvSpPr>
-          <p:cNvPr id="57" name="Oval 56"/>
+              <a:t>5</a:t>
+            </a:r>
+          </a:p>
+        </p:txBody>
+      </p:sp>
+      <p:sp>
+        <p:nvSpPr>
+          <p:cNvPr id="37" name="Oval 36"/>
           <p:cNvSpPr/>
           <p:nvPr/>
         </p:nvSpPr>
         <p:spPr>
           <a:xfrm>
-            <a:off x="8014873" y="4928314"/>
+            <a:off x="5544434" y="3953994"/>
             <a:ext cx="746975" cy="734096"/>
           </a:xfrm>
           <a:prstGeom prst="ellipse">
@@ -8684,92 +8241,29 @@
           <a:p>
             <a:pPr algn="ctr"/>
             <a:r>
-              <a:rPr lang="en-US" sz="2800" dirty="0" smtClean="0">
+              <a:rPr lang="en-US" sz="2800" dirty="0">
                 <a:solidFill>
                   <a:schemeClr val="tx1"/>
                 </a:solidFill>
               </a:rPr>
-              <a:t>3</a:t>
-            </a:r>
-            <a:endParaRPr lang="en-US" sz="2800" dirty="0">
-              <a:solidFill>
-                <a:schemeClr val="tx1"/>
-              </a:solidFill>
-            </a:endParaRPr>
-          </a:p>
-        </p:txBody>
-      </p:sp>
-      <p:sp>
-        <p:nvSpPr>
-          <p:cNvPr id="58" name="Oval 57"/>
-          <p:cNvSpPr/>
-          <p:nvPr/>
-        </p:nvSpPr>
-        <p:spPr>
-          <a:xfrm>
-            <a:off x="6520922" y="4928314"/>
-            <a:ext cx="746975" cy="734096"/>
-          </a:xfrm>
-          <a:prstGeom prst="ellipse">
-            <a:avLst/>
-          </a:prstGeom>
-          <a:noFill/>
-          <a:ln w="28575">
-            <a:solidFill>
-              <a:schemeClr val="tx1"/>
-            </a:solidFill>
-          </a:ln>
-        </p:spPr>
-        <p:style>
-          <a:lnRef idx="2">
-            <a:schemeClr val="accent1">
-              <a:shade val="50000"/>
-            </a:schemeClr>
-          </a:lnRef>
-          <a:fillRef idx="1">
-            <a:schemeClr val="accent1"/>
-          </a:fillRef>
-          <a:effectRef idx="0">
-            <a:schemeClr val="accent1"/>
-          </a:effectRef>
-          <a:fontRef idx="minor">
-            <a:schemeClr val="lt1"/>
-          </a:fontRef>
-        </p:style>
-        <p:txBody>
-          <a:bodyPr rtlCol="0" anchor="ctr"/>
-          <a:lstStyle/>
-          <a:p>
-            <a:pPr algn="ctr"/>
-            <a:r>
-              <a:rPr lang="en-US" sz="2800" dirty="0" smtClean="0">
-                <a:solidFill>
-                  <a:schemeClr val="tx1"/>
-                </a:solidFill>
-              </a:rPr>
-              <a:t>2</a:t>
-            </a:r>
-            <a:endParaRPr lang="en-US" sz="2800" dirty="0">
-              <a:solidFill>
-                <a:schemeClr val="tx1"/>
-              </a:solidFill>
-            </a:endParaRPr>
+              <a:t>4</a:t>
+            </a:r>
           </a:p>
         </p:txBody>
       </p:sp>
       <p:cxnSp>
         <p:nvCxnSpPr>
-          <p:cNvPr id="60" name="Straight Arrow Connector 59"/>
+          <p:cNvPr id="38" name="Straight Arrow Connector 37"/>
           <p:cNvCxnSpPr>
-            <a:stCxn id="55" idx="3"/>
-            <a:endCxn id="58" idx="0"/>
+            <a:stCxn id="30" idx="3"/>
+            <a:endCxn id="37" idx="0"/>
           </p:cNvCxnSpPr>
           <p:nvPr/>
         </p:nvCxnSpPr>
         <p:spPr>
           <a:xfrm flipH="1">
-            <a:off x="6894410" y="4354841"/>
-            <a:ext cx="482880" cy="573473"/>
+            <a:off x="5917922" y="3380521"/>
+            <a:ext cx="303649" cy="573473"/>
           </a:xfrm>
           <a:prstGeom prst="straightConnector1">
             <a:avLst/>
@@ -8798,17 +8292,17 @@
       </p:cxnSp>
       <p:cxnSp>
         <p:nvCxnSpPr>
-          <p:cNvPr id="61" name="Straight Arrow Connector 60"/>
+          <p:cNvPr id="39" name="Straight Arrow Connector 38"/>
           <p:cNvCxnSpPr>
-            <a:stCxn id="55" idx="5"/>
-            <a:endCxn id="57" idx="0"/>
+            <a:stCxn id="30" idx="5"/>
+            <a:endCxn id="36" idx="0"/>
           </p:cNvCxnSpPr>
           <p:nvPr/>
         </p:nvCxnSpPr>
         <p:spPr>
           <a:xfrm>
-            <a:off x="7905481" y="4354841"/>
-            <a:ext cx="482880" cy="573473"/>
+            <a:off x="6749762" y="3380521"/>
+            <a:ext cx="399404" cy="573473"/>
           </a:xfrm>
           <a:prstGeom prst="straightConnector1">
             <a:avLst/>
@@ -8835,144 +8329,10 @@
           </a:fontRef>
         </p:style>
       </p:cxnSp>
-      <p:sp>
-        <p:nvSpPr>
-          <p:cNvPr id="62" name="TextBox 61"/>
-          <p:cNvSpPr txBox="1"/>
-          <p:nvPr/>
-        </p:nvSpPr>
-        <p:spPr>
-          <a:xfrm>
-            <a:off x="6688348" y="3676734"/>
-            <a:ext cx="579549" cy="584775"/>
-          </a:xfrm>
-          <a:prstGeom prst="rect">
-            <a:avLst/>
-          </a:prstGeom>
-          <a:noFill/>
-        </p:spPr>
-        <p:txBody>
-          <a:bodyPr wrap="square" rtlCol="0">
-            <a:spAutoFit/>
-          </a:bodyPr>
-          <a:lstStyle/>
-          <a:p>
-            <a:r>
-              <a:rPr lang="en-US" sz="3200" b="1" dirty="0" smtClean="0">
-                <a:solidFill>
-                  <a:srgbClr val="00B050"/>
-                </a:solidFill>
-              </a:rPr>
-              <a:t>E.</a:t>
-            </a:r>
-            <a:endParaRPr lang="en-US" sz="3200" b="1" dirty="0">
-              <a:solidFill>
-                <a:srgbClr val="00B050"/>
-              </a:solidFill>
-            </a:endParaRPr>
-          </a:p>
-        </p:txBody>
-      </p:sp>
-      <p:sp>
-        <p:nvSpPr>
-          <p:cNvPr id="65" name="Oval 64"/>
-          <p:cNvSpPr/>
-          <p:nvPr/>
-        </p:nvSpPr>
-        <p:spPr>
-          <a:xfrm>
-            <a:off x="3642414" y="3728251"/>
-            <a:ext cx="746975" cy="734096"/>
-          </a:xfrm>
-          <a:prstGeom prst="ellipse">
-            <a:avLst/>
-          </a:prstGeom>
-          <a:noFill/>
-          <a:ln w="28575">
-            <a:solidFill>
-              <a:schemeClr val="tx1"/>
-            </a:solidFill>
-          </a:ln>
-        </p:spPr>
-        <p:style>
-          <a:lnRef idx="2">
-            <a:schemeClr val="accent1">
-              <a:shade val="50000"/>
-            </a:schemeClr>
-          </a:lnRef>
-          <a:fillRef idx="1">
-            <a:schemeClr val="accent1"/>
-          </a:fillRef>
-          <a:effectRef idx="0">
-            <a:schemeClr val="accent1"/>
-          </a:effectRef>
-          <a:fontRef idx="minor">
-            <a:schemeClr val="lt1"/>
-          </a:fontRef>
-        </p:style>
-        <p:txBody>
-          <a:bodyPr rtlCol="0" anchor="ctr"/>
-          <a:lstStyle/>
-          <a:p>
-            <a:pPr algn="ctr"/>
-            <a:r>
-              <a:rPr lang="en-US" sz="2800" dirty="0" smtClean="0">
-                <a:solidFill>
-                  <a:schemeClr val="tx1"/>
-                </a:solidFill>
-              </a:rPr>
-              <a:t>1</a:t>
-            </a:r>
-            <a:endParaRPr lang="en-US" sz="2800" dirty="0">
-              <a:solidFill>
-                <a:schemeClr val="tx1"/>
-              </a:solidFill>
-            </a:endParaRPr>
-          </a:p>
-        </p:txBody>
-      </p:sp>
-      <p:sp>
-        <p:nvSpPr>
-          <p:cNvPr id="70" name="TextBox 69"/>
-          <p:cNvSpPr txBox="1"/>
-          <p:nvPr/>
-        </p:nvSpPr>
-        <p:spPr>
-          <a:xfrm>
-            <a:off x="3062864" y="3676734"/>
-            <a:ext cx="579549" cy="584775"/>
-          </a:xfrm>
-          <a:prstGeom prst="rect">
-            <a:avLst/>
-          </a:prstGeom>
-          <a:noFill/>
-        </p:spPr>
-        <p:txBody>
-          <a:bodyPr wrap="square" rtlCol="0">
-            <a:spAutoFit/>
-          </a:bodyPr>
-          <a:lstStyle/>
-          <a:p>
-            <a:r>
-              <a:rPr lang="en-US" sz="3200" b="1" dirty="0" smtClean="0">
-                <a:solidFill>
-                  <a:srgbClr val="00B050"/>
-                </a:solidFill>
-              </a:rPr>
-              <a:t>D.</a:t>
-            </a:r>
-            <a:endParaRPr lang="en-US" sz="3200" b="1" dirty="0">
-              <a:solidFill>
-                <a:srgbClr val="00B050"/>
-              </a:solidFill>
-            </a:endParaRPr>
-          </a:p>
-        </p:txBody>
-      </p:sp>
     </p:spTree>
     <p:extLst>
       <p:ext uri="{BB962C8B-B14F-4D97-AF65-F5344CB8AC3E}">
-        <p14:creationId xmlns:p14="http://schemas.microsoft.com/office/powerpoint/2010/main" val="199630792"/>
+        <p14:creationId xmlns:p14="http://schemas.microsoft.com/office/powerpoint/2010/main" val="3308079876"/>
       </p:ext>
     </p:extLst>
   </p:cSld>
@@ -9001,13 +8361,13 @@
       </p:grpSpPr>
       <p:sp>
         <p:nvSpPr>
-          <p:cNvPr id="28" name="Oval 27"/>
+          <p:cNvPr id="4" name="Oval 3"/>
           <p:cNvSpPr/>
           <p:nvPr/>
         </p:nvSpPr>
         <p:spPr>
           <a:xfrm>
-            <a:off x="5280339" y="1553868"/>
+            <a:off x="5100033" y="1416675"/>
             <a:ext cx="746975" cy="734096"/>
           </a:xfrm>
           <a:prstGeom prst="ellipse">
@@ -9042,30 +8402,25 @@
           <a:p>
             <a:pPr algn="ctr"/>
             <a:r>
-              <a:rPr lang="en-US" sz="2800" dirty="0" smtClean="0">
+              <a:rPr lang="en-US" sz="2800" dirty="0">
                 <a:solidFill>
                   <a:schemeClr val="tx1"/>
                 </a:solidFill>
               </a:rPr>
               <a:t>1</a:t>
             </a:r>
-            <a:endParaRPr lang="en-US" sz="2800" dirty="0">
-              <a:solidFill>
-                <a:schemeClr val="tx1"/>
-              </a:solidFill>
-            </a:endParaRPr>
-          </a:p>
-        </p:txBody>
-      </p:sp>
-      <p:sp>
-        <p:nvSpPr>
-          <p:cNvPr id="30" name="Oval 29"/>
+          </a:p>
+        </p:txBody>
+      </p:sp>
+      <p:sp>
+        <p:nvSpPr>
+          <p:cNvPr id="5" name="Oval 4"/>
           <p:cNvSpPr/>
           <p:nvPr/>
         </p:nvSpPr>
         <p:spPr>
           <a:xfrm>
-            <a:off x="6112179" y="2753931"/>
+            <a:off x="6398653" y="1416675"/>
             <a:ext cx="746975" cy="734096"/>
           </a:xfrm>
           <a:prstGeom prst="ellipse">
@@ -9100,30 +8455,78 @@
           <a:p>
             <a:pPr algn="ctr"/>
             <a:r>
-              <a:rPr lang="en-US" sz="2800" dirty="0" smtClean="0">
+              <a:rPr lang="en-US" sz="2800" dirty="0">
+                <a:solidFill>
+                  <a:schemeClr val="tx1"/>
+                </a:solidFill>
+              </a:rPr>
+              <a:t>2</a:t>
+            </a:r>
+          </a:p>
+        </p:txBody>
+      </p:sp>
+      <p:sp>
+        <p:nvSpPr>
+          <p:cNvPr id="6" name="Oval 5"/>
+          <p:cNvSpPr/>
+          <p:nvPr/>
+        </p:nvSpPr>
+        <p:spPr>
+          <a:xfrm>
+            <a:off x="5100033" y="2638021"/>
+            <a:ext cx="746975" cy="734096"/>
+          </a:xfrm>
+          <a:prstGeom prst="ellipse">
+            <a:avLst/>
+          </a:prstGeom>
+          <a:noFill/>
+          <a:ln w="28575">
+            <a:solidFill>
+              <a:schemeClr val="tx1"/>
+            </a:solidFill>
+          </a:ln>
+        </p:spPr>
+        <p:style>
+          <a:lnRef idx="2">
+            <a:schemeClr val="accent1">
+              <a:shade val="50000"/>
+            </a:schemeClr>
+          </a:lnRef>
+          <a:fillRef idx="1">
+            <a:schemeClr val="accent1"/>
+          </a:fillRef>
+          <a:effectRef idx="0">
+            <a:schemeClr val="accent1"/>
+          </a:effectRef>
+          <a:fontRef idx="minor">
+            <a:schemeClr val="lt1"/>
+          </a:fontRef>
+        </p:style>
+        <p:txBody>
+          <a:bodyPr rtlCol="0" anchor="ctr"/>
+          <a:lstStyle/>
+          <a:p>
+            <a:pPr algn="ctr"/>
+            <a:r>
+              <a:rPr lang="en-US" sz="2800" dirty="0">
                 <a:solidFill>
                   <a:schemeClr val="tx1"/>
                 </a:solidFill>
               </a:rPr>
               <a:t>3</a:t>
             </a:r>
-            <a:endParaRPr lang="en-US" sz="2800" dirty="0">
-              <a:solidFill>
-                <a:schemeClr val="tx1"/>
-              </a:solidFill>
-            </a:endParaRPr>
-          </a:p>
-        </p:txBody>
-      </p:sp>
-      <p:sp>
-        <p:nvSpPr>
-          <p:cNvPr id="31" name="Oval 30"/>
+          </a:p>
+        </p:txBody>
+      </p:sp>
+      <p:sp>
+        <p:nvSpPr>
+          <p:cNvPr id="7" name="Oval 6"/>
           <p:cNvSpPr/>
           <p:nvPr/>
         </p:nvSpPr>
         <p:spPr>
           <a:xfrm>
-            <a:off x="4594618" y="2753931"/>
+            <a:off x="6398653" y="2638021"/>
             <a:ext cx="746975" cy="734096"/>
           </a:xfrm>
           <a:prstGeom prst="ellipse">
@@ -9158,21 +8561,455 @@
           <a:p>
             <a:pPr algn="ctr"/>
             <a:r>
-              <a:rPr lang="en-US" sz="2800" dirty="0" smtClean="0">
+              <a:rPr lang="en-US" sz="2800" dirty="0">
+                <a:solidFill>
+                  <a:schemeClr val="tx1"/>
+                </a:solidFill>
+              </a:rPr>
+              <a:t>4</a:t>
+            </a:r>
+          </a:p>
+        </p:txBody>
+      </p:sp>
+      <p:cxnSp>
+        <p:nvCxnSpPr>
+          <p:cNvPr id="9" name="Straight Arrow Connector 8"/>
+          <p:cNvCxnSpPr>
+            <a:stCxn id="4" idx="6"/>
+            <a:endCxn id="5" idx="2"/>
+          </p:cNvCxnSpPr>
+          <p:nvPr/>
+        </p:nvCxnSpPr>
+        <p:spPr>
+          <a:xfrm>
+            <a:off x="5847008" y="1783723"/>
+            <a:ext cx="551645" cy="0"/>
+          </a:xfrm>
+          <a:prstGeom prst="straightConnector1">
+            <a:avLst/>
+          </a:prstGeom>
+          <a:ln w="28575">
+            <a:solidFill>
+              <a:schemeClr val="tx1"/>
+            </a:solidFill>
+            <a:tailEnd type="triangle"/>
+          </a:ln>
+        </p:spPr>
+        <p:style>
+          <a:lnRef idx="1">
+            <a:schemeClr val="accent1"/>
+          </a:lnRef>
+          <a:fillRef idx="0">
+            <a:schemeClr val="accent1"/>
+          </a:fillRef>
+          <a:effectRef idx="0">
+            <a:schemeClr val="accent1"/>
+          </a:effectRef>
+          <a:fontRef idx="minor">
+            <a:schemeClr val="tx1"/>
+          </a:fontRef>
+        </p:style>
+      </p:cxnSp>
+      <p:cxnSp>
+        <p:nvCxnSpPr>
+          <p:cNvPr id="10" name="Straight Arrow Connector 9"/>
+          <p:cNvCxnSpPr>
+            <a:stCxn id="4" idx="5"/>
+            <a:endCxn id="7" idx="1"/>
+          </p:cNvCxnSpPr>
+          <p:nvPr/>
+        </p:nvCxnSpPr>
+        <p:spPr>
+          <a:xfrm>
+            <a:off x="5737616" y="2043265"/>
+            <a:ext cx="770429" cy="702262"/>
+          </a:xfrm>
+          <a:prstGeom prst="straightConnector1">
+            <a:avLst/>
+          </a:prstGeom>
+          <a:ln w="28575">
+            <a:solidFill>
+              <a:schemeClr val="tx1"/>
+            </a:solidFill>
+            <a:tailEnd type="triangle"/>
+          </a:ln>
+        </p:spPr>
+        <p:style>
+          <a:lnRef idx="1">
+            <a:schemeClr val="accent1"/>
+          </a:lnRef>
+          <a:fillRef idx="0">
+            <a:schemeClr val="accent1"/>
+          </a:fillRef>
+          <a:effectRef idx="0">
+            <a:schemeClr val="accent1"/>
+          </a:effectRef>
+          <a:fontRef idx="minor">
+            <a:schemeClr val="tx1"/>
+          </a:fontRef>
+        </p:style>
+      </p:cxnSp>
+      <p:cxnSp>
+        <p:nvCxnSpPr>
+          <p:cNvPr id="13" name="Straight Arrow Connector 12"/>
+          <p:cNvCxnSpPr>
+            <a:stCxn id="5" idx="3"/>
+            <a:endCxn id="6" idx="7"/>
+          </p:cNvCxnSpPr>
+          <p:nvPr/>
+        </p:nvCxnSpPr>
+        <p:spPr>
+          <a:xfrm flipH="1">
+            <a:off x="5737616" y="2043265"/>
+            <a:ext cx="770429" cy="702262"/>
+          </a:xfrm>
+          <a:prstGeom prst="straightConnector1">
+            <a:avLst/>
+          </a:prstGeom>
+          <a:ln w="28575">
+            <a:solidFill>
+              <a:schemeClr val="tx1"/>
+            </a:solidFill>
+            <a:tailEnd type="triangle"/>
+          </a:ln>
+        </p:spPr>
+        <p:style>
+          <a:lnRef idx="1">
+            <a:schemeClr val="accent1"/>
+          </a:lnRef>
+          <a:fillRef idx="0">
+            <a:schemeClr val="accent1"/>
+          </a:fillRef>
+          <a:effectRef idx="0">
+            <a:schemeClr val="accent1"/>
+          </a:effectRef>
+          <a:fontRef idx="minor">
+            <a:schemeClr val="tx1"/>
+          </a:fontRef>
+        </p:style>
+      </p:cxnSp>
+      <p:sp>
+        <p:nvSpPr>
+          <p:cNvPr id="19" name="TextBox 18"/>
+          <p:cNvSpPr txBox="1"/>
+          <p:nvPr/>
+        </p:nvSpPr>
+        <p:spPr>
+          <a:xfrm>
+            <a:off x="4520483" y="1365158"/>
+            <a:ext cx="579549" cy="584775"/>
+          </a:xfrm>
+          <a:prstGeom prst="rect">
+            <a:avLst/>
+          </a:prstGeom>
+          <a:noFill/>
+        </p:spPr>
+        <p:txBody>
+          <a:bodyPr wrap="square" rtlCol="0">
+            <a:spAutoFit/>
+          </a:bodyPr>
+          <a:lstStyle/>
+          <a:p>
+            <a:r>
+              <a:rPr lang="en-US" sz="3200" b="1" dirty="0">
+                <a:solidFill>
+                  <a:srgbClr val="00B050"/>
+                </a:solidFill>
+              </a:rPr>
+              <a:t>B.</a:t>
+            </a:r>
+          </a:p>
+        </p:txBody>
+      </p:sp>
+      <p:sp>
+        <p:nvSpPr>
+          <p:cNvPr id="27" name="TextBox 26"/>
+          <p:cNvSpPr txBox="1"/>
+          <p:nvPr/>
+        </p:nvSpPr>
+        <p:spPr>
+          <a:xfrm>
+            <a:off x="2032713" y="1386441"/>
+            <a:ext cx="1609700" cy="584775"/>
+          </a:xfrm>
+          <a:prstGeom prst="rect">
+            <a:avLst/>
+          </a:prstGeom>
+          <a:noFill/>
+        </p:spPr>
+        <p:txBody>
+          <a:bodyPr wrap="square" rtlCol="0">
+            <a:spAutoFit/>
+          </a:bodyPr>
+          <a:lstStyle/>
+          <a:p>
+            <a:r>
+              <a:rPr lang="en-US" sz="3200" b="1" dirty="0">
+                <a:solidFill>
+                  <a:srgbClr val="00B050"/>
+                </a:solidFill>
+              </a:rPr>
+              <a:t>A.</a:t>
+            </a:r>
+            <a:r>
+              <a:rPr lang="en-US" sz="2400" dirty="0"/>
+              <a:t> (empty)</a:t>
+            </a:r>
+            <a:endParaRPr lang="en-US" sz="3200" dirty="0"/>
+          </a:p>
+        </p:txBody>
+      </p:sp>
+      <p:sp>
+        <p:nvSpPr>
+          <p:cNvPr id="28" name="Oval 27"/>
+          <p:cNvSpPr/>
+          <p:nvPr/>
+        </p:nvSpPr>
+        <p:spPr>
+          <a:xfrm>
+            <a:off x="8886423" y="1437958"/>
+            <a:ext cx="746975" cy="734096"/>
+          </a:xfrm>
+          <a:prstGeom prst="ellipse">
+            <a:avLst/>
+          </a:prstGeom>
+          <a:noFill/>
+          <a:ln w="28575">
+            <a:solidFill>
+              <a:schemeClr val="tx1"/>
+            </a:solidFill>
+          </a:ln>
+        </p:spPr>
+        <p:style>
+          <a:lnRef idx="2">
+            <a:schemeClr val="accent1">
+              <a:shade val="50000"/>
+            </a:schemeClr>
+          </a:lnRef>
+          <a:fillRef idx="1">
+            <a:schemeClr val="accent1"/>
+          </a:fillRef>
+          <a:effectRef idx="0">
+            <a:schemeClr val="accent1"/>
+          </a:effectRef>
+          <a:fontRef idx="minor">
+            <a:schemeClr val="lt1"/>
+          </a:fontRef>
+        </p:style>
+        <p:txBody>
+          <a:bodyPr rtlCol="0" anchor="ctr"/>
+          <a:lstStyle/>
+          <a:p>
+            <a:pPr algn="ctr"/>
+            <a:r>
+              <a:rPr lang="en-US" sz="2800" dirty="0">
+                <a:solidFill>
+                  <a:schemeClr val="tx1"/>
+                </a:solidFill>
+              </a:rPr>
+              <a:t>1</a:t>
+            </a:r>
+          </a:p>
+        </p:txBody>
+      </p:sp>
+      <p:sp>
+        <p:nvSpPr>
+          <p:cNvPr id="29" name="Oval 28"/>
+          <p:cNvSpPr/>
+          <p:nvPr/>
+        </p:nvSpPr>
+        <p:spPr>
+          <a:xfrm>
+            <a:off x="8888648" y="2638021"/>
+            <a:ext cx="746975" cy="734096"/>
+          </a:xfrm>
+          <a:prstGeom prst="ellipse">
+            <a:avLst/>
+          </a:prstGeom>
+          <a:noFill/>
+          <a:ln w="28575">
+            <a:solidFill>
+              <a:schemeClr val="tx1"/>
+            </a:solidFill>
+          </a:ln>
+        </p:spPr>
+        <p:style>
+          <a:lnRef idx="2">
+            <a:schemeClr val="accent1">
+              <a:shade val="50000"/>
+            </a:schemeClr>
+          </a:lnRef>
+          <a:fillRef idx="1">
+            <a:schemeClr val="accent1"/>
+          </a:fillRef>
+          <a:effectRef idx="0">
+            <a:schemeClr val="accent1"/>
+          </a:effectRef>
+          <a:fontRef idx="minor">
+            <a:schemeClr val="lt1"/>
+          </a:fontRef>
+        </p:style>
+        <p:txBody>
+          <a:bodyPr rtlCol="0" anchor="ctr"/>
+          <a:lstStyle/>
+          <a:p>
+            <a:pPr algn="ctr"/>
+            <a:r>
+              <a:rPr lang="en-US" sz="2800" dirty="0">
+                <a:solidFill>
+                  <a:schemeClr val="tx1"/>
+                </a:solidFill>
+              </a:rPr>
+              <a:t>3</a:t>
+            </a:r>
+          </a:p>
+        </p:txBody>
+      </p:sp>
+      <p:sp>
+        <p:nvSpPr>
+          <p:cNvPr id="30" name="Oval 29"/>
+          <p:cNvSpPr/>
+          <p:nvPr/>
+        </p:nvSpPr>
+        <p:spPr>
+          <a:xfrm>
+            <a:off x="9718263" y="2638021"/>
+            <a:ext cx="746975" cy="734096"/>
+          </a:xfrm>
+          <a:prstGeom prst="ellipse">
+            <a:avLst/>
+          </a:prstGeom>
+          <a:noFill/>
+          <a:ln w="28575">
+            <a:solidFill>
+              <a:schemeClr val="tx1"/>
+            </a:solidFill>
+          </a:ln>
+        </p:spPr>
+        <p:style>
+          <a:lnRef idx="2">
+            <a:schemeClr val="accent1">
+              <a:shade val="50000"/>
+            </a:schemeClr>
+          </a:lnRef>
+          <a:fillRef idx="1">
+            <a:schemeClr val="accent1"/>
+          </a:fillRef>
+          <a:effectRef idx="0">
+            <a:schemeClr val="accent1"/>
+          </a:effectRef>
+          <a:fontRef idx="minor">
+            <a:schemeClr val="lt1"/>
+          </a:fontRef>
+        </p:style>
+        <p:txBody>
+          <a:bodyPr rtlCol="0" anchor="ctr"/>
+          <a:lstStyle/>
+          <a:p>
+            <a:pPr algn="ctr"/>
+            <a:r>
+              <a:rPr lang="en-US" sz="2800" dirty="0">
+                <a:solidFill>
+                  <a:schemeClr val="tx1"/>
+                </a:solidFill>
+              </a:rPr>
+              <a:t>4</a:t>
+            </a:r>
+          </a:p>
+        </p:txBody>
+      </p:sp>
+      <p:sp>
+        <p:nvSpPr>
+          <p:cNvPr id="31" name="Oval 30"/>
+          <p:cNvSpPr/>
+          <p:nvPr/>
+        </p:nvSpPr>
+        <p:spPr>
+          <a:xfrm>
+            <a:off x="8059033" y="2638021"/>
+            <a:ext cx="746975" cy="734096"/>
+          </a:xfrm>
+          <a:prstGeom prst="ellipse">
+            <a:avLst/>
+          </a:prstGeom>
+          <a:noFill/>
+          <a:ln w="28575">
+            <a:solidFill>
+              <a:schemeClr val="tx1"/>
+            </a:solidFill>
+          </a:ln>
+        </p:spPr>
+        <p:style>
+          <a:lnRef idx="2">
+            <a:schemeClr val="accent1">
+              <a:shade val="50000"/>
+            </a:schemeClr>
+          </a:lnRef>
+          <a:fillRef idx="1">
+            <a:schemeClr val="accent1"/>
+          </a:fillRef>
+          <a:effectRef idx="0">
+            <a:schemeClr val="accent1"/>
+          </a:effectRef>
+          <a:fontRef idx="minor">
+            <a:schemeClr val="lt1"/>
+          </a:fontRef>
+        </p:style>
+        <p:txBody>
+          <a:bodyPr rtlCol="0" anchor="ctr"/>
+          <a:lstStyle/>
+          <a:p>
+            <a:pPr algn="ctr"/>
+            <a:r>
+              <a:rPr lang="en-US" sz="2800" dirty="0">
                 <a:solidFill>
                   <a:schemeClr val="tx1"/>
                 </a:solidFill>
               </a:rPr>
               <a:t>2</a:t>
             </a:r>
-            <a:endParaRPr lang="en-US" sz="2800" dirty="0">
-              <a:solidFill>
-                <a:schemeClr val="tx1"/>
-              </a:solidFill>
-            </a:endParaRPr>
-          </a:p>
-        </p:txBody>
-      </p:sp>
+          </a:p>
+        </p:txBody>
+      </p:sp>
+      <p:cxnSp>
+        <p:nvCxnSpPr>
+          <p:cNvPr id="32" name="Straight Arrow Connector 31"/>
+          <p:cNvCxnSpPr>
+            <a:stCxn id="28" idx="4"/>
+            <a:endCxn id="29" idx="0"/>
+          </p:cNvCxnSpPr>
+          <p:nvPr/>
+        </p:nvCxnSpPr>
+        <p:spPr>
+          <a:xfrm>
+            <a:off x="9259911" y="2172054"/>
+            <a:ext cx="2225" cy="465967"/>
+          </a:xfrm>
+          <a:prstGeom prst="straightConnector1">
+            <a:avLst/>
+          </a:prstGeom>
+          <a:ln w="28575">
+            <a:solidFill>
+              <a:schemeClr val="tx1"/>
+            </a:solidFill>
+            <a:tailEnd type="triangle"/>
+          </a:ln>
+        </p:spPr>
+        <p:style>
+          <a:lnRef idx="1">
+            <a:schemeClr val="accent1"/>
+          </a:lnRef>
+          <a:fillRef idx="0">
+            <a:schemeClr val="accent1"/>
+          </a:fillRef>
+          <a:effectRef idx="0">
+            <a:schemeClr val="accent1"/>
+          </a:effectRef>
+          <a:fontRef idx="minor">
+            <a:schemeClr val="tx1"/>
+          </a:fontRef>
+        </p:style>
+      </p:cxnSp>
       <p:cxnSp>
         <p:nvCxnSpPr>
           <p:cNvPr id="33" name="Straight Arrow Connector 32"/>
@@ -9184,8 +9021,8 @@
         </p:nvCxnSpPr>
         <p:spPr>
           <a:xfrm flipH="1">
-            <a:off x="4968106" y="2180458"/>
-            <a:ext cx="421625" cy="573473"/>
+            <a:off x="8432521" y="2064548"/>
+            <a:ext cx="563294" cy="573473"/>
           </a:xfrm>
           <a:prstGeom prst="straightConnector1">
             <a:avLst/>
@@ -9223,7 +9060,7 @@
         </p:nvCxnSpPr>
         <p:spPr>
           <a:xfrm>
-            <a:off x="5917922" y="2180458"/>
+            <a:off x="9524006" y="2064548"/>
             <a:ext cx="567745" cy="573473"/>
           </a:xfrm>
           <a:prstGeom prst="straightConnector1">
@@ -9253,13 +9090,46 @@
       </p:cxnSp>
       <p:sp>
         <p:nvSpPr>
-          <p:cNvPr id="36" name="Oval 35"/>
+          <p:cNvPr id="35" name="TextBox 34"/>
+          <p:cNvSpPr txBox="1"/>
+          <p:nvPr/>
+        </p:nvSpPr>
+        <p:spPr>
+          <a:xfrm>
+            <a:off x="8306873" y="1386441"/>
+            <a:ext cx="579549" cy="584775"/>
+          </a:xfrm>
+          <a:prstGeom prst="rect">
+            <a:avLst/>
+          </a:prstGeom>
+          <a:noFill/>
+        </p:spPr>
+        <p:txBody>
+          <a:bodyPr wrap="square" rtlCol="0">
+            <a:spAutoFit/>
+          </a:bodyPr>
+          <a:lstStyle/>
+          <a:p>
+            <a:r>
+              <a:rPr lang="en-US" sz="3200" b="1" dirty="0">
+                <a:solidFill>
+                  <a:srgbClr val="00B050"/>
+                </a:solidFill>
+              </a:rPr>
+              <a:t>C.</a:t>
+            </a:r>
+          </a:p>
+        </p:txBody>
+      </p:sp>
+      <p:sp>
+        <p:nvSpPr>
+          <p:cNvPr id="55" name="Oval 54"/>
           <p:cNvSpPr/>
           <p:nvPr/>
         </p:nvSpPr>
         <p:spPr>
           <a:xfrm>
-            <a:off x="6775678" y="3953994"/>
+            <a:off x="7267898" y="3728251"/>
             <a:ext cx="746975" cy="734096"/>
           </a:xfrm>
           <a:prstGeom prst="ellipse">
@@ -9294,30 +9164,25 @@
           <a:p>
             <a:pPr algn="ctr"/>
             <a:r>
-              <a:rPr lang="en-US" sz="2800" dirty="0" smtClean="0">
+              <a:rPr lang="en-US" sz="2800" dirty="0">
                 <a:solidFill>
                   <a:schemeClr val="tx1"/>
                 </a:solidFill>
               </a:rPr>
-              <a:t>5</a:t>
-            </a:r>
-            <a:endParaRPr lang="en-US" sz="2800" dirty="0">
-              <a:solidFill>
-                <a:schemeClr val="tx1"/>
-              </a:solidFill>
-            </a:endParaRPr>
-          </a:p>
-        </p:txBody>
-      </p:sp>
-      <p:sp>
-        <p:nvSpPr>
-          <p:cNvPr id="37" name="Oval 36"/>
+              <a:t>1</a:t>
+            </a:r>
+          </a:p>
+        </p:txBody>
+      </p:sp>
+      <p:sp>
+        <p:nvSpPr>
+          <p:cNvPr id="57" name="Oval 56"/>
           <p:cNvSpPr/>
           <p:nvPr/>
         </p:nvSpPr>
         <p:spPr>
           <a:xfrm>
-            <a:off x="5544434" y="3953994"/>
+            <a:off x="8014873" y="4928314"/>
             <a:ext cx="746975" cy="734096"/>
           </a:xfrm>
           <a:prstGeom prst="ellipse">
@@ -9352,34 +9217,82 @@
           <a:p>
             <a:pPr algn="ctr"/>
             <a:r>
-              <a:rPr lang="en-US" sz="2800" dirty="0" smtClean="0">
+              <a:rPr lang="en-US" sz="2800" dirty="0">
                 <a:solidFill>
                   <a:schemeClr val="tx1"/>
                 </a:solidFill>
               </a:rPr>
-              <a:t>4</a:t>
-            </a:r>
-            <a:endParaRPr lang="en-US" sz="2800" dirty="0">
-              <a:solidFill>
-                <a:schemeClr val="tx1"/>
-              </a:solidFill>
-            </a:endParaRPr>
+              <a:t>3</a:t>
+            </a:r>
+          </a:p>
+        </p:txBody>
+      </p:sp>
+      <p:sp>
+        <p:nvSpPr>
+          <p:cNvPr id="58" name="Oval 57"/>
+          <p:cNvSpPr/>
+          <p:nvPr/>
+        </p:nvSpPr>
+        <p:spPr>
+          <a:xfrm>
+            <a:off x="6520922" y="4928314"/>
+            <a:ext cx="746975" cy="734096"/>
+          </a:xfrm>
+          <a:prstGeom prst="ellipse">
+            <a:avLst/>
+          </a:prstGeom>
+          <a:noFill/>
+          <a:ln w="28575">
+            <a:solidFill>
+              <a:schemeClr val="tx1"/>
+            </a:solidFill>
+          </a:ln>
+        </p:spPr>
+        <p:style>
+          <a:lnRef idx="2">
+            <a:schemeClr val="accent1">
+              <a:shade val="50000"/>
+            </a:schemeClr>
+          </a:lnRef>
+          <a:fillRef idx="1">
+            <a:schemeClr val="accent1"/>
+          </a:fillRef>
+          <a:effectRef idx="0">
+            <a:schemeClr val="accent1"/>
+          </a:effectRef>
+          <a:fontRef idx="minor">
+            <a:schemeClr val="lt1"/>
+          </a:fontRef>
+        </p:style>
+        <p:txBody>
+          <a:bodyPr rtlCol="0" anchor="ctr"/>
+          <a:lstStyle/>
+          <a:p>
+            <a:pPr algn="ctr"/>
+            <a:r>
+              <a:rPr lang="en-US" sz="2800" dirty="0">
+                <a:solidFill>
+                  <a:schemeClr val="tx1"/>
+                </a:solidFill>
+              </a:rPr>
+              <a:t>2</a:t>
+            </a:r>
           </a:p>
         </p:txBody>
       </p:sp>
       <p:cxnSp>
         <p:nvCxnSpPr>
-          <p:cNvPr id="38" name="Straight Arrow Connector 37"/>
+          <p:cNvPr id="60" name="Straight Arrow Connector 59"/>
           <p:cNvCxnSpPr>
-            <a:stCxn id="30" idx="3"/>
-            <a:endCxn id="37" idx="0"/>
+            <a:stCxn id="55" idx="3"/>
+            <a:endCxn id="58" idx="0"/>
           </p:cNvCxnSpPr>
           <p:nvPr/>
         </p:nvCxnSpPr>
         <p:spPr>
           <a:xfrm flipH="1">
-            <a:off x="5917922" y="3380521"/>
-            <a:ext cx="303649" cy="573473"/>
+            <a:off x="6894410" y="4354841"/>
+            <a:ext cx="482880" cy="573473"/>
           </a:xfrm>
           <a:prstGeom prst="straightConnector1">
             <a:avLst/>
@@ -9408,17 +9321,17 @@
       </p:cxnSp>
       <p:cxnSp>
         <p:nvCxnSpPr>
-          <p:cNvPr id="39" name="Straight Arrow Connector 38"/>
+          <p:cNvPr id="61" name="Straight Arrow Connector 60"/>
           <p:cNvCxnSpPr>
-            <a:stCxn id="30" idx="5"/>
-            <a:endCxn id="36" idx="0"/>
+            <a:stCxn id="55" idx="5"/>
+            <a:endCxn id="57" idx="0"/>
           </p:cNvCxnSpPr>
           <p:nvPr/>
         </p:nvCxnSpPr>
         <p:spPr>
           <a:xfrm>
-            <a:off x="6749762" y="3380521"/>
-            <a:ext cx="399404" cy="573473"/>
+            <a:off x="7905481" y="4354841"/>
+            <a:ext cx="482880" cy="573473"/>
           </a:xfrm>
           <a:prstGeom prst="straightConnector1">
             <a:avLst/>
@@ -9445,10 +9358,129 @@
           </a:fontRef>
         </p:style>
       </p:cxnSp>
+      <p:sp>
+        <p:nvSpPr>
+          <p:cNvPr id="62" name="TextBox 61"/>
+          <p:cNvSpPr txBox="1"/>
+          <p:nvPr/>
+        </p:nvSpPr>
+        <p:spPr>
+          <a:xfrm>
+            <a:off x="6688348" y="3676734"/>
+            <a:ext cx="579549" cy="584775"/>
+          </a:xfrm>
+          <a:prstGeom prst="rect">
+            <a:avLst/>
+          </a:prstGeom>
+          <a:noFill/>
+        </p:spPr>
+        <p:txBody>
+          <a:bodyPr wrap="square" rtlCol="0">
+            <a:spAutoFit/>
+          </a:bodyPr>
+          <a:lstStyle/>
+          <a:p>
+            <a:r>
+              <a:rPr lang="en-US" sz="3200" b="1" dirty="0">
+                <a:solidFill>
+                  <a:srgbClr val="00B050"/>
+                </a:solidFill>
+              </a:rPr>
+              <a:t>E.</a:t>
+            </a:r>
+          </a:p>
+        </p:txBody>
+      </p:sp>
+      <p:sp>
+        <p:nvSpPr>
+          <p:cNvPr id="65" name="Oval 64"/>
+          <p:cNvSpPr/>
+          <p:nvPr/>
+        </p:nvSpPr>
+        <p:spPr>
+          <a:xfrm>
+            <a:off x="3642414" y="3728251"/>
+            <a:ext cx="746975" cy="734096"/>
+          </a:xfrm>
+          <a:prstGeom prst="ellipse">
+            <a:avLst/>
+          </a:prstGeom>
+          <a:noFill/>
+          <a:ln w="28575">
+            <a:solidFill>
+              <a:schemeClr val="tx1"/>
+            </a:solidFill>
+          </a:ln>
+        </p:spPr>
+        <p:style>
+          <a:lnRef idx="2">
+            <a:schemeClr val="accent1">
+              <a:shade val="50000"/>
+            </a:schemeClr>
+          </a:lnRef>
+          <a:fillRef idx="1">
+            <a:schemeClr val="accent1"/>
+          </a:fillRef>
+          <a:effectRef idx="0">
+            <a:schemeClr val="accent1"/>
+          </a:effectRef>
+          <a:fontRef idx="minor">
+            <a:schemeClr val="lt1"/>
+          </a:fontRef>
+        </p:style>
+        <p:txBody>
+          <a:bodyPr rtlCol="0" anchor="ctr"/>
+          <a:lstStyle/>
+          <a:p>
+            <a:pPr algn="ctr"/>
+            <a:r>
+              <a:rPr lang="en-US" sz="2800" dirty="0">
+                <a:solidFill>
+                  <a:schemeClr val="tx1"/>
+                </a:solidFill>
+              </a:rPr>
+              <a:t>1</a:t>
+            </a:r>
+          </a:p>
+        </p:txBody>
+      </p:sp>
+      <p:sp>
+        <p:nvSpPr>
+          <p:cNvPr id="70" name="TextBox 69"/>
+          <p:cNvSpPr txBox="1"/>
+          <p:nvPr/>
+        </p:nvSpPr>
+        <p:spPr>
+          <a:xfrm>
+            <a:off x="3062864" y="3676734"/>
+            <a:ext cx="579549" cy="584775"/>
+          </a:xfrm>
+          <a:prstGeom prst="rect">
+            <a:avLst/>
+          </a:prstGeom>
+          <a:noFill/>
+        </p:spPr>
+        <p:txBody>
+          <a:bodyPr wrap="square" rtlCol="0">
+            <a:spAutoFit/>
+          </a:bodyPr>
+          <a:lstStyle/>
+          <a:p>
+            <a:r>
+              <a:rPr lang="en-US" sz="3200" b="1" dirty="0">
+                <a:solidFill>
+                  <a:srgbClr val="00B050"/>
+                </a:solidFill>
+              </a:rPr>
+              <a:t>D.</a:t>
+            </a:r>
+          </a:p>
+        </p:txBody>
+      </p:sp>
     </p:spTree>
     <p:extLst>
       <p:ext uri="{BB962C8B-B14F-4D97-AF65-F5344CB8AC3E}">
-        <p14:creationId xmlns:p14="http://schemas.microsoft.com/office/powerpoint/2010/main" val="83152631"/>
+        <p14:creationId xmlns:p14="http://schemas.microsoft.com/office/powerpoint/2010/main" val="199630792"/>
       </p:ext>
     </p:extLst>
   </p:cSld>
